--- a/kandidaat-standaarden/applicatieprofiel-dcat-ap-vl/DCAT-AP-Vlaanderen-webinar.pptx
+++ b/kandidaat-standaarden/applicatieprofiel-dcat-ap-vl/DCAT-AP-Vlaanderen-webinar.pptx
@@ -5,10 +5,10 @@
     <p:sldMasterId id="2147483660" r:id="rId4"/>
   </p:sldMasterIdLst>
   <p:notesMasterIdLst>
-    <p:notesMasterId r:id="rId57"/>
+    <p:notesMasterId r:id="rId32"/>
   </p:notesMasterIdLst>
   <p:handoutMasterIdLst>
-    <p:handoutMasterId r:id="rId58"/>
+    <p:handoutMasterId r:id="rId33"/>
   </p:handoutMasterIdLst>
   <p:sldIdLst>
     <p:sldId id="469" r:id="rId5"/>
@@ -38,53 +38,28 @@
     <p:sldId id="466" r:id="rId29"/>
     <p:sldId id="449" r:id="rId30"/>
     <p:sldId id="436" r:id="rId31"/>
-    <p:sldId id="467" r:id="rId32"/>
-    <p:sldId id="421" r:id="rId33"/>
-    <p:sldId id="419" r:id="rId34"/>
-    <p:sldId id="423" r:id="rId35"/>
-    <p:sldId id="424" r:id="rId36"/>
-    <p:sldId id="425" r:id="rId37"/>
-    <p:sldId id="427" r:id="rId38"/>
-    <p:sldId id="426" r:id="rId39"/>
-    <p:sldId id="439" r:id="rId40"/>
-    <p:sldId id="413" r:id="rId41"/>
-    <p:sldId id="440" r:id="rId42"/>
-    <p:sldId id="428" r:id="rId43"/>
-    <p:sldId id="429" r:id="rId44"/>
-    <p:sldId id="442" r:id="rId45"/>
-    <p:sldId id="443" r:id="rId46"/>
-    <p:sldId id="452" r:id="rId47"/>
-    <p:sldId id="430" r:id="rId48"/>
-    <p:sldId id="432" r:id="rId49"/>
-    <p:sldId id="431" r:id="rId50"/>
-    <p:sldId id="433" r:id="rId51"/>
-    <p:sldId id="434" r:id="rId52"/>
-    <p:sldId id="435" r:id="rId53"/>
-    <p:sldId id="441" r:id="rId54"/>
-    <p:sldId id="445" r:id="rId55"/>
-    <p:sldId id="438" r:id="rId56"/>
   </p:sldIdLst>
   <p:sldSz cx="9906000" cy="6858000" type="A4"/>
   <p:notesSz cx="6858000" cy="1152525"/>
   <p:embeddedFontLst>
     <p:embeddedFont>
       <p:font typeface="Calibri" panose="020F0502020204030204" pitchFamily="34" charset="0"/>
-      <p:regular r:id="rId59"/>
-      <p:bold r:id="rId60"/>
-      <p:italic r:id="rId61"/>
-      <p:boldItalic r:id="rId62"/>
+      <p:regular r:id="rId34"/>
+      <p:bold r:id="rId35"/>
+      <p:italic r:id="rId36"/>
+      <p:boldItalic r:id="rId37"/>
     </p:embeddedFont>
     <p:embeddedFont>
       <p:font typeface="FlandersArtSans-Bold" panose="020B0604020202020204" charset="0"/>
-      <p:bold r:id="rId63"/>
+      <p:bold r:id="rId38"/>
     </p:embeddedFont>
     <p:embeddedFont>
-      <p:font typeface="FlandersArtSans-Light"/>
-      <p:regular r:id="rId64"/>
+      <p:font typeface="FlandersArtSans-Light" panose="020B0604020202020204" charset="0"/>
+      <p:regular r:id="rId39"/>
     </p:embeddedFont>
     <p:embeddedFont>
       <p:font typeface="FlandersArtSans-Regular" panose="020B0604020202020204" charset="0"/>
-      <p:regular r:id="rId65"/>
+      <p:regular r:id="rId40"/>
     </p:embeddedFont>
   </p:embeddedFontLst>
   <p:defaultTextStyle>
@@ -6709,7 +6684,7 @@
           <a:p>
             <a:fld id="{BF415B66-BF51-4972-819E-6E18353EB769}" type="datetimeFigureOut">
               <a:rPr lang="nl-BE" smtClean="0"/>
-              <a:t>10/06/2019</a:t>
+              <a:t>3/09/2019</a:t>
             </a:fld>
             <a:endParaRPr lang="nl-BE"/>
           </a:p>
@@ -6973,7 +6948,7 @@
           <a:p>
             <a:fld id="{BF415B66-BF51-4972-819E-6E18353EB769}" type="datetimeFigureOut">
               <a:rPr lang="nl-BE" smtClean="0"/>
-              <a:t>10/06/2019</a:t>
+              <a:t>3/09/2019</a:t>
             </a:fld>
             <a:endParaRPr lang="nl-BE"/>
           </a:p>
@@ -7255,755 +7230,6 @@
 </p:notes>
 </file>
 
-<file path=ppt/notesSlides/notesSlide10.xml><?xml version="1.0" encoding="utf-8"?>
-<p:notes xmlns:a="http://schemas.openxmlformats.org/drawingml/2006/main" xmlns:r="http://schemas.openxmlformats.org/officeDocument/2006/relationships" xmlns:p="http://schemas.openxmlformats.org/presentationml/2006/main">
-  <p:cSld>
-    <p:spTree>
-      <p:nvGrpSpPr>
-        <p:cNvPr id="1" name=""/>
-        <p:cNvGrpSpPr/>
-        <p:nvPr/>
-      </p:nvGrpSpPr>
-      <p:grpSpPr>
-        <a:xfrm>
-          <a:off x="0" y="0"/>
-          <a:ext cx="0" cy="0"/>
-          <a:chOff x="0" y="0"/>
-          <a:chExt cx="0" cy="0"/>
-        </a:xfrm>
-      </p:grpSpPr>
-      <p:sp>
-        <p:nvSpPr>
-          <p:cNvPr id="2" name="Tijdelijke aanduiding voor dia-afbeelding 1"/>
-          <p:cNvSpPr>
-            <a:spLocks noGrp="1" noRot="1" noChangeAspect="1"/>
-          </p:cNvSpPr>
-          <p:nvPr>
-            <p:ph type="sldImg"/>
-          </p:nvPr>
-        </p:nvSpPr>
-        <p:spPr/>
-      </p:sp>
-      <p:sp>
-        <p:nvSpPr>
-          <p:cNvPr id="3" name="Tijdelijke aanduiding voor notities 2"/>
-          <p:cNvSpPr>
-            <a:spLocks noGrp="1"/>
-          </p:cNvSpPr>
-          <p:nvPr>
-            <p:ph type="body" idx="1"/>
-          </p:nvPr>
-        </p:nvSpPr>
-        <p:spPr/>
-        <p:txBody>
-          <a:bodyPr/>
-          <a:lstStyle/>
-          <a:p>
-            <a:pPr marL="170815" indent="-170815">
-              <a:buNone/>
-            </a:pPr>
-            <a:endParaRPr lang="en-US" dirty="0">
-              <a:latin typeface="Calibri"/>
-              <a:cs typeface="Calibri"/>
-            </a:endParaRPr>
-          </a:p>
-        </p:txBody>
-      </p:sp>
-      <p:sp>
-        <p:nvSpPr>
-          <p:cNvPr id="4" name="Tijdelijke aanduiding voor dianummer 3"/>
-          <p:cNvSpPr>
-            <a:spLocks noGrp="1"/>
-          </p:cNvSpPr>
-          <p:nvPr>
-            <p:ph type="sldNum" sz="quarter" idx="5"/>
-          </p:nvPr>
-        </p:nvSpPr>
-        <p:spPr/>
-        <p:txBody>
-          <a:bodyPr/>
-          <a:lstStyle/>
-          <a:p>
-            <a:fld id="{31D57D71-DFD4-49A2-8FE9-9156F9579F84}" type="slidenum">
-              <a:rPr lang="nl-BE" smtClean="0">
-                <a:latin typeface="FlandersArtSans-Regular" panose="00000500000000000000" pitchFamily="2" charset="0"/>
-              </a:rPr>
-              <a:t>36</a:t>
-            </a:fld>
-            <a:endParaRPr lang="nl-BE">
-              <a:latin typeface="FlandersArtSans-Regular" panose="00000500000000000000" pitchFamily="2" charset="0"/>
-            </a:endParaRPr>
-          </a:p>
-        </p:txBody>
-      </p:sp>
-    </p:spTree>
-    <p:extLst>
-      <p:ext uri="{BB962C8B-B14F-4D97-AF65-F5344CB8AC3E}">
-        <p14:creationId xmlns:p14="http://schemas.microsoft.com/office/powerpoint/2010/main" val="467353092"/>
-      </p:ext>
-    </p:extLst>
-  </p:cSld>
-  <p:clrMapOvr>
-    <a:masterClrMapping/>
-  </p:clrMapOvr>
-</p:notes>
-</file>
-
-<file path=ppt/notesSlides/notesSlide11.xml><?xml version="1.0" encoding="utf-8"?>
-<p:notes xmlns:a="http://schemas.openxmlformats.org/drawingml/2006/main" xmlns:r="http://schemas.openxmlformats.org/officeDocument/2006/relationships" xmlns:p="http://schemas.openxmlformats.org/presentationml/2006/main">
-  <p:cSld>
-    <p:spTree>
-      <p:nvGrpSpPr>
-        <p:cNvPr id="1" name=""/>
-        <p:cNvGrpSpPr/>
-        <p:nvPr/>
-      </p:nvGrpSpPr>
-      <p:grpSpPr>
-        <a:xfrm>
-          <a:off x="0" y="0"/>
-          <a:ext cx="0" cy="0"/>
-          <a:chOff x="0" y="0"/>
-          <a:chExt cx="0" cy="0"/>
-        </a:xfrm>
-      </p:grpSpPr>
-      <p:sp>
-        <p:nvSpPr>
-          <p:cNvPr id="2" name="Tijdelijke aanduiding voor dia-afbeelding 1"/>
-          <p:cNvSpPr>
-            <a:spLocks noGrp="1" noRot="1" noChangeAspect="1"/>
-          </p:cNvSpPr>
-          <p:nvPr>
-            <p:ph type="sldImg"/>
-          </p:nvPr>
-        </p:nvSpPr>
-        <p:spPr/>
-      </p:sp>
-      <p:sp>
-        <p:nvSpPr>
-          <p:cNvPr id="3" name="Tijdelijke aanduiding voor notities 2"/>
-          <p:cNvSpPr>
-            <a:spLocks noGrp="1"/>
-          </p:cNvSpPr>
-          <p:nvPr>
-            <p:ph type="body" idx="1"/>
-          </p:nvPr>
-        </p:nvSpPr>
-        <p:spPr/>
-        <p:txBody>
-          <a:bodyPr/>
-          <a:lstStyle/>
-          <a:p>
-            <a:pPr marL="170815" indent="-170815">
-              <a:buNone/>
-            </a:pPr>
-            <a:endParaRPr lang="en-US" dirty="0">
-              <a:latin typeface="Calibri"/>
-              <a:cs typeface="Calibri"/>
-            </a:endParaRPr>
-          </a:p>
-        </p:txBody>
-      </p:sp>
-      <p:sp>
-        <p:nvSpPr>
-          <p:cNvPr id="4" name="Tijdelijke aanduiding voor dianummer 3"/>
-          <p:cNvSpPr>
-            <a:spLocks noGrp="1"/>
-          </p:cNvSpPr>
-          <p:nvPr>
-            <p:ph type="sldNum" sz="quarter" idx="5"/>
-          </p:nvPr>
-        </p:nvSpPr>
-        <p:spPr/>
-        <p:txBody>
-          <a:bodyPr/>
-          <a:lstStyle/>
-          <a:p>
-            <a:fld id="{31D57D71-DFD4-49A2-8FE9-9156F9579F84}" type="slidenum">
-              <a:rPr lang="nl-BE" smtClean="0">
-                <a:latin typeface="FlandersArtSans-Regular" panose="00000500000000000000" pitchFamily="2" charset="0"/>
-              </a:rPr>
-              <a:t>38</a:t>
-            </a:fld>
-            <a:endParaRPr lang="nl-BE">
-              <a:latin typeface="FlandersArtSans-Regular" panose="00000500000000000000" pitchFamily="2" charset="0"/>
-            </a:endParaRPr>
-          </a:p>
-        </p:txBody>
-      </p:sp>
-    </p:spTree>
-    <p:extLst>
-      <p:ext uri="{BB962C8B-B14F-4D97-AF65-F5344CB8AC3E}">
-        <p14:creationId xmlns:p14="http://schemas.microsoft.com/office/powerpoint/2010/main" val="2004098393"/>
-      </p:ext>
-    </p:extLst>
-  </p:cSld>
-  <p:clrMapOvr>
-    <a:masterClrMapping/>
-  </p:clrMapOvr>
-</p:notes>
-</file>
-
-<file path=ppt/notesSlides/notesSlide12.xml><?xml version="1.0" encoding="utf-8"?>
-<p:notes xmlns:a="http://schemas.openxmlformats.org/drawingml/2006/main" xmlns:r="http://schemas.openxmlformats.org/officeDocument/2006/relationships" xmlns:p="http://schemas.openxmlformats.org/presentationml/2006/main">
-  <p:cSld>
-    <p:spTree>
-      <p:nvGrpSpPr>
-        <p:cNvPr id="1" name=""/>
-        <p:cNvGrpSpPr/>
-        <p:nvPr/>
-      </p:nvGrpSpPr>
-      <p:grpSpPr>
-        <a:xfrm>
-          <a:off x="0" y="0"/>
-          <a:ext cx="0" cy="0"/>
-          <a:chOff x="0" y="0"/>
-          <a:chExt cx="0" cy="0"/>
-        </a:xfrm>
-      </p:grpSpPr>
-      <p:sp>
-        <p:nvSpPr>
-          <p:cNvPr id="2" name="Tijdelijke aanduiding voor dia-afbeelding 1"/>
-          <p:cNvSpPr>
-            <a:spLocks noGrp="1" noRot="1" noChangeAspect="1"/>
-          </p:cNvSpPr>
-          <p:nvPr>
-            <p:ph type="sldImg"/>
-          </p:nvPr>
-        </p:nvSpPr>
-        <p:spPr/>
-      </p:sp>
-      <p:sp>
-        <p:nvSpPr>
-          <p:cNvPr id="3" name="Tijdelijke aanduiding voor notities 2"/>
-          <p:cNvSpPr>
-            <a:spLocks noGrp="1"/>
-          </p:cNvSpPr>
-          <p:nvPr>
-            <p:ph type="body" idx="1"/>
-          </p:nvPr>
-        </p:nvSpPr>
-        <p:spPr/>
-        <p:txBody>
-          <a:bodyPr/>
-          <a:lstStyle/>
-          <a:p>
-            <a:pPr marL="170815" indent="-170815">
-              <a:buNone/>
-            </a:pPr>
-            <a:endParaRPr lang="en-US" dirty="0">
-              <a:latin typeface="Calibri"/>
-              <a:cs typeface="Calibri"/>
-            </a:endParaRPr>
-          </a:p>
-        </p:txBody>
-      </p:sp>
-      <p:sp>
-        <p:nvSpPr>
-          <p:cNvPr id="4" name="Tijdelijke aanduiding voor dianummer 3"/>
-          <p:cNvSpPr>
-            <a:spLocks noGrp="1"/>
-          </p:cNvSpPr>
-          <p:nvPr>
-            <p:ph type="sldNum" sz="quarter" idx="5"/>
-          </p:nvPr>
-        </p:nvSpPr>
-        <p:spPr/>
-        <p:txBody>
-          <a:bodyPr/>
-          <a:lstStyle/>
-          <a:p>
-            <a:fld id="{31D57D71-DFD4-49A2-8FE9-9156F9579F84}" type="slidenum">
-              <a:rPr lang="nl-BE" smtClean="0">
-                <a:latin typeface="FlandersArtSans-Regular" panose="00000500000000000000" pitchFamily="2" charset="0"/>
-              </a:rPr>
-              <a:t>40</a:t>
-            </a:fld>
-            <a:endParaRPr lang="nl-BE">
-              <a:latin typeface="FlandersArtSans-Regular" panose="00000500000000000000" pitchFamily="2" charset="0"/>
-            </a:endParaRPr>
-          </a:p>
-        </p:txBody>
-      </p:sp>
-    </p:spTree>
-    <p:extLst>
-      <p:ext uri="{BB962C8B-B14F-4D97-AF65-F5344CB8AC3E}">
-        <p14:creationId xmlns:p14="http://schemas.microsoft.com/office/powerpoint/2010/main" val="611228219"/>
-      </p:ext>
-    </p:extLst>
-  </p:cSld>
-  <p:clrMapOvr>
-    <a:masterClrMapping/>
-  </p:clrMapOvr>
-</p:notes>
-</file>
-
-<file path=ppt/notesSlides/notesSlide13.xml><?xml version="1.0" encoding="utf-8"?>
-<p:notes xmlns:a="http://schemas.openxmlformats.org/drawingml/2006/main" xmlns:r="http://schemas.openxmlformats.org/officeDocument/2006/relationships" xmlns:p="http://schemas.openxmlformats.org/presentationml/2006/main">
-  <p:cSld>
-    <p:spTree>
-      <p:nvGrpSpPr>
-        <p:cNvPr id="1" name=""/>
-        <p:cNvGrpSpPr/>
-        <p:nvPr/>
-      </p:nvGrpSpPr>
-      <p:grpSpPr>
-        <a:xfrm>
-          <a:off x="0" y="0"/>
-          <a:ext cx="0" cy="0"/>
-          <a:chOff x="0" y="0"/>
-          <a:chExt cx="0" cy="0"/>
-        </a:xfrm>
-      </p:grpSpPr>
-      <p:sp>
-        <p:nvSpPr>
-          <p:cNvPr id="2" name="Tijdelijke aanduiding voor dia-afbeelding 1"/>
-          <p:cNvSpPr>
-            <a:spLocks noGrp="1" noRot="1" noChangeAspect="1"/>
-          </p:cNvSpPr>
-          <p:nvPr>
-            <p:ph type="sldImg"/>
-          </p:nvPr>
-        </p:nvSpPr>
-        <p:spPr/>
-      </p:sp>
-      <p:sp>
-        <p:nvSpPr>
-          <p:cNvPr id="3" name="Tijdelijke aanduiding voor notities 2"/>
-          <p:cNvSpPr>
-            <a:spLocks noGrp="1"/>
-          </p:cNvSpPr>
-          <p:nvPr>
-            <p:ph type="body" idx="1"/>
-          </p:nvPr>
-        </p:nvSpPr>
-        <p:spPr/>
-        <p:txBody>
-          <a:bodyPr/>
-          <a:lstStyle/>
-          <a:p>
-            <a:pPr marL="170815" indent="-170815">
-              <a:buNone/>
-            </a:pPr>
-            <a:r>
-              <a:rPr lang="en-US" dirty="0" err="1">
-                <a:latin typeface="Calibri"/>
-                <a:cs typeface="Calibri"/>
-              </a:rPr>
-              <a:t>Opm</a:t>
-            </a:r>
-            <a:r>
-              <a:rPr lang="en-US" dirty="0">
-                <a:latin typeface="Calibri"/>
-                <a:cs typeface="Calibri"/>
-              </a:rPr>
-              <a:t> Dirk: ...</a:t>
-            </a:r>
-            <a:r>
-              <a:rPr lang="en-US" dirty="0" err="1">
-                <a:latin typeface="Calibri"/>
-                <a:cs typeface="Calibri"/>
-              </a:rPr>
-              <a:t>tenzij</a:t>
-            </a:r>
-            <a:r>
-              <a:rPr lang="en-US" dirty="0">
-                <a:latin typeface="Calibri"/>
-                <a:cs typeface="Calibri"/>
-              </a:rPr>
-              <a:t> </a:t>
-            </a:r>
-            <a:r>
-              <a:rPr lang="en-US" dirty="0" err="1">
-                <a:latin typeface="Calibri"/>
-                <a:cs typeface="Calibri"/>
-              </a:rPr>
-              <a:t>dit</a:t>
-            </a:r>
-            <a:r>
-              <a:rPr lang="en-US" dirty="0">
-                <a:latin typeface="Calibri"/>
-                <a:cs typeface="Calibri"/>
-              </a:rPr>
-              <a:t> de </a:t>
-            </a:r>
-            <a:r>
-              <a:rPr lang="en-US" dirty="0" err="1">
-                <a:latin typeface="Calibri"/>
-                <a:cs typeface="Calibri"/>
-              </a:rPr>
-              <a:t>enige</a:t>
-            </a:r>
-            <a:r>
-              <a:rPr lang="en-US" dirty="0">
-                <a:latin typeface="Calibri"/>
-                <a:cs typeface="Calibri"/>
-              </a:rPr>
-              <a:t> </a:t>
-            </a:r>
-            <a:r>
-              <a:rPr lang="en-US" dirty="0" err="1">
-                <a:latin typeface="Calibri"/>
-                <a:cs typeface="Calibri"/>
-              </a:rPr>
-              <a:t>manier</a:t>
-            </a:r>
-            <a:r>
-              <a:rPr lang="en-US" dirty="0">
-                <a:latin typeface="Calibri"/>
-                <a:cs typeface="Calibri"/>
-              </a:rPr>
-              <a:t> is om </a:t>
-            </a:r>
-            <a:r>
-              <a:rPr lang="en-US" dirty="0" err="1">
-                <a:latin typeface="Calibri"/>
-                <a:cs typeface="Calibri"/>
-              </a:rPr>
-              <a:t>bvb</a:t>
-            </a:r>
-            <a:r>
-              <a:rPr lang="en-US" dirty="0">
-                <a:latin typeface="Calibri"/>
-                <a:cs typeface="Calibri"/>
-              </a:rPr>
-              <a:t> de datasets van </a:t>
-            </a:r>
-            <a:r>
-              <a:rPr lang="en-US" dirty="0" err="1">
-                <a:latin typeface="Calibri"/>
-                <a:cs typeface="Calibri"/>
-              </a:rPr>
-              <a:t>een</a:t>
-            </a:r>
-            <a:r>
-              <a:rPr lang="en-US" dirty="0">
-                <a:latin typeface="Calibri"/>
-                <a:cs typeface="Calibri"/>
-              </a:rPr>
-              <a:t> </a:t>
-            </a:r>
-            <a:r>
-              <a:rPr lang="en-US" dirty="0" err="1">
-                <a:latin typeface="Calibri"/>
-                <a:cs typeface="Calibri"/>
-              </a:rPr>
-              <a:t>organisatie</a:t>
-            </a:r>
-            <a:r>
-              <a:rPr lang="en-US" dirty="0">
-                <a:latin typeface="Calibri"/>
-                <a:cs typeface="Calibri"/>
-              </a:rPr>
-              <a:t> die </a:t>
-            </a:r>
-            <a:r>
-              <a:rPr lang="en-US" dirty="0" err="1">
-                <a:latin typeface="Calibri"/>
-                <a:cs typeface="Calibri"/>
-              </a:rPr>
-              <a:t>ophoudt</a:t>
-            </a:r>
-            <a:r>
-              <a:rPr lang="en-US" dirty="0">
-                <a:latin typeface="Calibri"/>
-                <a:cs typeface="Calibri"/>
-              </a:rPr>
-              <a:t> </a:t>
-            </a:r>
-            <a:r>
-              <a:rPr lang="en-US" dirty="0" err="1">
-                <a:latin typeface="Calibri"/>
-                <a:cs typeface="Calibri"/>
-              </a:rPr>
-              <a:t>te</a:t>
-            </a:r>
-            <a:r>
-              <a:rPr lang="en-US" dirty="0">
-                <a:latin typeface="Calibri"/>
-                <a:cs typeface="Calibri"/>
-              </a:rPr>
-              <a:t> </a:t>
-            </a:r>
-            <a:r>
-              <a:rPr lang="en-US" dirty="0" err="1">
-                <a:latin typeface="Calibri"/>
-                <a:cs typeface="Calibri"/>
-              </a:rPr>
-              <a:t>bestaan</a:t>
-            </a:r>
-            <a:r>
-              <a:rPr lang="en-US" dirty="0">
-                <a:latin typeface="Calibri"/>
-                <a:cs typeface="Calibri"/>
-              </a:rPr>
-              <a:t>, </a:t>
-            </a:r>
-            <a:r>
-              <a:rPr lang="en-US" dirty="0" err="1">
-                <a:latin typeface="Calibri"/>
-                <a:cs typeface="Calibri"/>
-              </a:rPr>
-              <a:t>te</a:t>
-            </a:r>
-            <a:r>
-              <a:rPr lang="en-US" dirty="0">
-                <a:latin typeface="Calibri"/>
-                <a:cs typeface="Calibri"/>
-              </a:rPr>
-              <a:t> </a:t>
-            </a:r>
-            <a:r>
-              <a:rPr lang="en-US" dirty="0" err="1">
-                <a:latin typeface="Calibri"/>
-                <a:cs typeface="Calibri"/>
-              </a:rPr>
-              <a:t>verwijderen</a:t>
-            </a:r>
-            <a:r>
-              <a:rPr lang="en-US" dirty="0">
-                <a:latin typeface="Calibri"/>
-                <a:cs typeface="Calibri"/>
-              </a:rPr>
-              <a:t>.</a:t>
-            </a:r>
-            <a:endParaRPr lang="nl-NL" dirty="0"/>
-          </a:p>
-        </p:txBody>
-      </p:sp>
-      <p:sp>
-        <p:nvSpPr>
-          <p:cNvPr id="4" name="Tijdelijke aanduiding voor dianummer 3"/>
-          <p:cNvSpPr>
-            <a:spLocks noGrp="1"/>
-          </p:cNvSpPr>
-          <p:nvPr>
-            <p:ph type="sldNum" sz="quarter" idx="5"/>
-          </p:nvPr>
-        </p:nvSpPr>
-        <p:spPr/>
-        <p:txBody>
-          <a:bodyPr/>
-          <a:lstStyle/>
-          <a:p>
-            <a:fld id="{31D57D71-DFD4-49A2-8FE9-9156F9579F84}" type="slidenum">
-              <a:rPr lang="nl-BE" smtClean="0">
-                <a:latin typeface="FlandersArtSans-Regular" panose="00000500000000000000" pitchFamily="2" charset="0"/>
-              </a:rPr>
-              <a:t>41</a:t>
-            </a:fld>
-            <a:endParaRPr lang="nl-BE">
-              <a:latin typeface="FlandersArtSans-Regular" panose="00000500000000000000" pitchFamily="2" charset="0"/>
-            </a:endParaRPr>
-          </a:p>
-        </p:txBody>
-      </p:sp>
-    </p:spTree>
-    <p:extLst>
-      <p:ext uri="{BB962C8B-B14F-4D97-AF65-F5344CB8AC3E}">
-        <p14:creationId xmlns:p14="http://schemas.microsoft.com/office/powerpoint/2010/main" val="1499514586"/>
-      </p:ext>
-    </p:extLst>
-  </p:cSld>
-  <p:clrMapOvr>
-    <a:masterClrMapping/>
-  </p:clrMapOvr>
-</p:notes>
-</file>
-
-<file path=ppt/notesSlides/notesSlide14.xml><?xml version="1.0" encoding="utf-8"?>
-<p:notes xmlns:a="http://schemas.openxmlformats.org/drawingml/2006/main" xmlns:r="http://schemas.openxmlformats.org/officeDocument/2006/relationships" xmlns:p="http://schemas.openxmlformats.org/presentationml/2006/main">
-  <p:cSld>
-    <p:spTree>
-      <p:nvGrpSpPr>
-        <p:cNvPr id="1" name=""/>
-        <p:cNvGrpSpPr/>
-        <p:nvPr/>
-      </p:nvGrpSpPr>
-      <p:grpSpPr>
-        <a:xfrm>
-          <a:off x="0" y="0"/>
-          <a:ext cx="0" cy="0"/>
-          <a:chOff x="0" y="0"/>
-          <a:chExt cx="0" cy="0"/>
-        </a:xfrm>
-      </p:grpSpPr>
-      <p:sp>
-        <p:nvSpPr>
-          <p:cNvPr id="2" name="Tijdelijke aanduiding voor dia-afbeelding 1"/>
-          <p:cNvSpPr>
-            <a:spLocks noGrp="1" noRot="1" noChangeAspect="1"/>
-          </p:cNvSpPr>
-          <p:nvPr>
-            <p:ph type="sldImg"/>
-          </p:nvPr>
-        </p:nvSpPr>
-        <p:spPr/>
-      </p:sp>
-      <p:sp>
-        <p:nvSpPr>
-          <p:cNvPr id="3" name="Tijdelijke aanduiding voor notities 2"/>
-          <p:cNvSpPr>
-            <a:spLocks noGrp="1"/>
-          </p:cNvSpPr>
-          <p:nvPr>
-            <p:ph type="body" idx="1"/>
-          </p:nvPr>
-        </p:nvSpPr>
-        <p:spPr/>
-        <p:txBody>
-          <a:bodyPr/>
-          <a:lstStyle/>
-          <a:p>
-            <a:pPr marL="170815" indent="-170815">
-              <a:buNone/>
-            </a:pPr>
-            <a:endParaRPr lang="nl-NL" dirty="0"/>
-          </a:p>
-        </p:txBody>
-      </p:sp>
-      <p:sp>
-        <p:nvSpPr>
-          <p:cNvPr id="4" name="Tijdelijke aanduiding voor dianummer 3"/>
-          <p:cNvSpPr>
-            <a:spLocks noGrp="1"/>
-          </p:cNvSpPr>
-          <p:nvPr>
-            <p:ph type="sldNum" sz="quarter" idx="5"/>
-          </p:nvPr>
-        </p:nvSpPr>
-        <p:spPr/>
-        <p:txBody>
-          <a:bodyPr/>
-          <a:lstStyle/>
-          <a:p>
-            <a:fld id="{31D57D71-DFD4-49A2-8FE9-9156F9579F84}" type="slidenum">
-              <a:rPr lang="nl-BE" smtClean="0">
-                <a:latin typeface="FlandersArtSans-Regular" panose="00000500000000000000" pitchFamily="2" charset="0"/>
-              </a:rPr>
-              <a:t>42</a:t>
-            </a:fld>
-            <a:endParaRPr lang="nl-BE">
-              <a:latin typeface="FlandersArtSans-Regular" panose="00000500000000000000" pitchFamily="2" charset="0"/>
-            </a:endParaRPr>
-          </a:p>
-        </p:txBody>
-      </p:sp>
-    </p:spTree>
-    <p:extLst>
-      <p:ext uri="{BB962C8B-B14F-4D97-AF65-F5344CB8AC3E}">
-        <p14:creationId xmlns:p14="http://schemas.microsoft.com/office/powerpoint/2010/main" val="3920482933"/>
-      </p:ext>
-    </p:extLst>
-  </p:cSld>
-  <p:clrMapOvr>
-    <a:masterClrMapping/>
-  </p:clrMapOvr>
-</p:notes>
-</file>
-
-<file path=ppt/notesSlides/notesSlide15.xml><?xml version="1.0" encoding="utf-8"?>
-<p:notes xmlns:a="http://schemas.openxmlformats.org/drawingml/2006/main" xmlns:r="http://schemas.openxmlformats.org/officeDocument/2006/relationships" xmlns:p="http://schemas.openxmlformats.org/presentationml/2006/main">
-  <p:cSld>
-    <p:spTree>
-      <p:nvGrpSpPr>
-        <p:cNvPr id="1" name=""/>
-        <p:cNvGrpSpPr/>
-        <p:nvPr/>
-      </p:nvGrpSpPr>
-      <p:grpSpPr>
-        <a:xfrm>
-          <a:off x="0" y="0"/>
-          <a:ext cx="0" cy="0"/>
-          <a:chOff x="0" y="0"/>
-          <a:chExt cx="0" cy="0"/>
-        </a:xfrm>
-      </p:grpSpPr>
-      <p:sp>
-        <p:nvSpPr>
-          <p:cNvPr id="2" name="Tijdelijke aanduiding voor dia-afbeelding 1"/>
-          <p:cNvSpPr>
-            <a:spLocks noGrp="1" noRot="1" noChangeAspect="1"/>
-          </p:cNvSpPr>
-          <p:nvPr>
-            <p:ph type="sldImg"/>
-          </p:nvPr>
-        </p:nvSpPr>
-        <p:spPr/>
-      </p:sp>
-      <p:sp>
-        <p:nvSpPr>
-          <p:cNvPr id="3" name="Tijdelijke aanduiding voor notities 2"/>
-          <p:cNvSpPr>
-            <a:spLocks noGrp="1"/>
-          </p:cNvSpPr>
-          <p:nvPr>
-            <p:ph type="body" idx="1"/>
-          </p:nvPr>
-        </p:nvSpPr>
-        <p:spPr/>
-        <p:txBody>
-          <a:bodyPr/>
-          <a:lstStyle/>
-          <a:p>
-            <a:pPr marL="170815" indent="-170815">
-              <a:buNone/>
-            </a:pPr>
-            <a:endParaRPr lang="en-US">
-              <a:latin typeface="Calibri"/>
-              <a:cs typeface="Calibri"/>
-            </a:endParaRPr>
-          </a:p>
-          <a:p>
-            <a:pPr marL="170815" indent="-170815">
-              <a:buNone/>
-            </a:pPr>
-            <a:endParaRPr lang="en-US" dirty="0">
-              <a:latin typeface="Calibri"/>
-              <a:cs typeface="Calibri"/>
-            </a:endParaRPr>
-          </a:p>
-        </p:txBody>
-      </p:sp>
-      <p:sp>
-        <p:nvSpPr>
-          <p:cNvPr id="4" name="Tijdelijke aanduiding voor dianummer 3"/>
-          <p:cNvSpPr>
-            <a:spLocks noGrp="1"/>
-          </p:cNvSpPr>
-          <p:nvPr>
-            <p:ph type="sldNum" sz="quarter" idx="5"/>
-          </p:nvPr>
-        </p:nvSpPr>
-        <p:spPr/>
-        <p:txBody>
-          <a:bodyPr/>
-          <a:lstStyle/>
-          <a:p>
-            <a:fld id="{31D57D71-DFD4-49A2-8FE9-9156F9579F84}" type="slidenum">
-              <a:rPr lang="nl-BE" smtClean="0">
-                <a:latin typeface="FlandersArtSans-Regular" panose="00000500000000000000" pitchFamily="2" charset="0"/>
-              </a:rPr>
-              <a:t>48</a:t>
-            </a:fld>
-            <a:endParaRPr lang="nl-BE">
-              <a:latin typeface="FlandersArtSans-Regular" panose="00000500000000000000" pitchFamily="2" charset="0"/>
-            </a:endParaRPr>
-          </a:p>
-        </p:txBody>
-      </p:sp>
-    </p:spTree>
-    <p:extLst>
-      <p:ext uri="{BB962C8B-B14F-4D97-AF65-F5344CB8AC3E}">
-        <p14:creationId xmlns:p14="http://schemas.microsoft.com/office/powerpoint/2010/main" val="3404955715"/>
-      </p:ext>
-    </p:extLst>
-  </p:cSld>
-  <p:clrMapOvr>
-    <a:masterClrMapping/>
-  </p:clrMapOvr>
-</p:notes>
-</file>
-
 <file path=ppt/notesSlides/notesSlide2.xml><?xml version="1.0" encoding="utf-8"?>
 <p:notes xmlns:a="http://schemas.openxmlformats.org/drawingml/2006/main" xmlns:r="http://schemas.openxmlformats.org/officeDocument/2006/relationships" xmlns:p="http://schemas.openxmlformats.org/presentationml/2006/main">
   <p:cSld>
@@ -8438,282 +7664,6 @@
     <p:extLst>
       <p:ext uri="{BB962C8B-B14F-4D97-AF65-F5344CB8AC3E}">
         <p14:creationId xmlns:p14="http://schemas.microsoft.com/office/powerpoint/2010/main" val="2294240423"/>
-      </p:ext>
-    </p:extLst>
-  </p:cSld>
-  <p:clrMapOvr>
-    <a:masterClrMapping/>
-  </p:clrMapOvr>
-</p:notes>
-</file>
-
-<file path=ppt/notesSlides/notesSlide7.xml><?xml version="1.0" encoding="utf-8"?>
-<p:notes xmlns:a="http://schemas.openxmlformats.org/drawingml/2006/main" xmlns:r="http://schemas.openxmlformats.org/officeDocument/2006/relationships" xmlns:p="http://schemas.openxmlformats.org/presentationml/2006/main">
-  <p:cSld>
-    <p:spTree>
-      <p:nvGrpSpPr>
-        <p:cNvPr id="1" name=""/>
-        <p:cNvGrpSpPr/>
-        <p:nvPr/>
-      </p:nvGrpSpPr>
-      <p:grpSpPr>
-        <a:xfrm>
-          <a:off x="0" y="0"/>
-          <a:ext cx="0" cy="0"/>
-          <a:chOff x="0" y="0"/>
-          <a:chExt cx="0" cy="0"/>
-        </a:xfrm>
-      </p:grpSpPr>
-      <p:sp>
-        <p:nvSpPr>
-          <p:cNvPr id="2" name="Tijdelijke aanduiding voor dia-afbeelding 1"/>
-          <p:cNvSpPr>
-            <a:spLocks noGrp="1" noRot="1" noChangeAspect="1"/>
-          </p:cNvSpPr>
-          <p:nvPr>
-            <p:ph type="sldImg"/>
-          </p:nvPr>
-        </p:nvSpPr>
-        <p:spPr/>
-      </p:sp>
-      <p:sp>
-        <p:nvSpPr>
-          <p:cNvPr id="3" name="Tijdelijke aanduiding voor notities 2"/>
-          <p:cNvSpPr>
-            <a:spLocks noGrp="1"/>
-          </p:cNvSpPr>
-          <p:nvPr>
-            <p:ph type="body" idx="1"/>
-          </p:nvPr>
-        </p:nvSpPr>
-        <p:spPr/>
-        <p:txBody>
-          <a:bodyPr/>
-          <a:lstStyle/>
-          <a:p>
-            <a:pPr marL="170815" indent="-170815">
-              <a:buNone/>
-            </a:pPr>
-            <a:endParaRPr lang="en-US" dirty="0">
-              <a:latin typeface="Calibri"/>
-              <a:cs typeface="Calibri"/>
-            </a:endParaRPr>
-          </a:p>
-        </p:txBody>
-      </p:sp>
-      <p:sp>
-        <p:nvSpPr>
-          <p:cNvPr id="4" name="Tijdelijke aanduiding voor dianummer 3"/>
-          <p:cNvSpPr>
-            <a:spLocks noGrp="1"/>
-          </p:cNvSpPr>
-          <p:nvPr>
-            <p:ph type="sldNum" sz="quarter" idx="5"/>
-          </p:nvPr>
-        </p:nvSpPr>
-        <p:spPr/>
-        <p:txBody>
-          <a:bodyPr/>
-          <a:lstStyle/>
-          <a:p>
-            <a:fld id="{31D57D71-DFD4-49A2-8FE9-9156F9579F84}" type="slidenum">
-              <a:rPr lang="nl-BE" smtClean="0">
-                <a:latin typeface="FlandersArtSans-Regular" panose="00000500000000000000" pitchFamily="2" charset="0"/>
-              </a:rPr>
-              <a:t>32</a:t>
-            </a:fld>
-            <a:endParaRPr lang="nl-BE">
-              <a:latin typeface="FlandersArtSans-Regular" panose="00000500000000000000" pitchFamily="2" charset="0"/>
-            </a:endParaRPr>
-          </a:p>
-        </p:txBody>
-      </p:sp>
-    </p:spTree>
-    <p:extLst>
-      <p:ext uri="{BB962C8B-B14F-4D97-AF65-F5344CB8AC3E}">
-        <p14:creationId xmlns:p14="http://schemas.microsoft.com/office/powerpoint/2010/main" val="2571648783"/>
-      </p:ext>
-    </p:extLst>
-  </p:cSld>
-  <p:clrMapOvr>
-    <a:masterClrMapping/>
-  </p:clrMapOvr>
-</p:notes>
-</file>
-
-<file path=ppt/notesSlides/notesSlide8.xml><?xml version="1.0" encoding="utf-8"?>
-<p:notes xmlns:a="http://schemas.openxmlformats.org/drawingml/2006/main" xmlns:r="http://schemas.openxmlformats.org/officeDocument/2006/relationships" xmlns:p="http://schemas.openxmlformats.org/presentationml/2006/main">
-  <p:cSld>
-    <p:spTree>
-      <p:nvGrpSpPr>
-        <p:cNvPr id="1" name=""/>
-        <p:cNvGrpSpPr/>
-        <p:nvPr/>
-      </p:nvGrpSpPr>
-      <p:grpSpPr>
-        <a:xfrm>
-          <a:off x="0" y="0"/>
-          <a:ext cx="0" cy="0"/>
-          <a:chOff x="0" y="0"/>
-          <a:chExt cx="0" cy="0"/>
-        </a:xfrm>
-      </p:grpSpPr>
-      <p:sp>
-        <p:nvSpPr>
-          <p:cNvPr id="2" name="Tijdelijke aanduiding voor dia-afbeelding 1"/>
-          <p:cNvSpPr>
-            <a:spLocks noGrp="1" noRot="1" noChangeAspect="1"/>
-          </p:cNvSpPr>
-          <p:nvPr>
-            <p:ph type="sldImg"/>
-          </p:nvPr>
-        </p:nvSpPr>
-        <p:spPr/>
-      </p:sp>
-      <p:sp>
-        <p:nvSpPr>
-          <p:cNvPr id="3" name="Tijdelijke aanduiding voor notities 2"/>
-          <p:cNvSpPr>
-            <a:spLocks noGrp="1"/>
-          </p:cNvSpPr>
-          <p:nvPr>
-            <p:ph type="body" idx="1"/>
-          </p:nvPr>
-        </p:nvSpPr>
-        <p:spPr/>
-        <p:txBody>
-          <a:bodyPr/>
-          <a:lstStyle/>
-          <a:p>
-            <a:pPr marL="170815" indent="-170815">
-              <a:buNone/>
-            </a:pPr>
-            <a:endParaRPr lang="en-US" dirty="0">
-              <a:latin typeface="Calibri"/>
-              <a:cs typeface="Calibri"/>
-            </a:endParaRPr>
-          </a:p>
-        </p:txBody>
-      </p:sp>
-      <p:sp>
-        <p:nvSpPr>
-          <p:cNvPr id="4" name="Tijdelijke aanduiding voor dianummer 3"/>
-          <p:cNvSpPr>
-            <a:spLocks noGrp="1"/>
-          </p:cNvSpPr>
-          <p:nvPr>
-            <p:ph type="sldNum" sz="quarter" idx="5"/>
-          </p:nvPr>
-        </p:nvSpPr>
-        <p:spPr/>
-        <p:txBody>
-          <a:bodyPr/>
-          <a:lstStyle/>
-          <a:p>
-            <a:fld id="{31D57D71-DFD4-49A2-8FE9-9156F9579F84}" type="slidenum">
-              <a:rPr lang="nl-BE" smtClean="0">
-                <a:latin typeface="FlandersArtSans-Regular" panose="00000500000000000000" pitchFamily="2" charset="0"/>
-              </a:rPr>
-              <a:t>33</a:t>
-            </a:fld>
-            <a:endParaRPr lang="nl-BE">
-              <a:latin typeface="FlandersArtSans-Regular" panose="00000500000000000000" pitchFamily="2" charset="0"/>
-            </a:endParaRPr>
-          </a:p>
-        </p:txBody>
-      </p:sp>
-    </p:spTree>
-    <p:extLst>
-      <p:ext uri="{BB962C8B-B14F-4D97-AF65-F5344CB8AC3E}">
-        <p14:creationId xmlns:p14="http://schemas.microsoft.com/office/powerpoint/2010/main" val="745476285"/>
-      </p:ext>
-    </p:extLst>
-  </p:cSld>
-  <p:clrMapOvr>
-    <a:masterClrMapping/>
-  </p:clrMapOvr>
-</p:notes>
-</file>
-
-<file path=ppt/notesSlides/notesSlide9.xml><?xml version="1.0" encoding="utf-8"?>
-<p:notes xmlns:a="http://schemas.openxmlformats.org/drawingml/2006/main" xmlns:r="http://schemas.openxmlformats.org/officeDocument/2006/relationships" xmlns:p="http://schemas.openxmlformats.org/presentationml/2006/main">
-  <p:cSld>
-    <p:spTree>
-      <p:nvGrpSpPr>
-        <p:cNvPr id="1" name=""/>
-        <p:cNvGrpSpPr/>
-        <p:nvPr/>
-      </p:nvGrpSpPr>
-      <p:grpSpPr>
-        <a:xfrm>
-          <a:off x="0" y="0"/>
-          <a:ext cx="0" cy="0"/>
-          <a:chOff x="0" y="0"/>
-          <a:chExt cx="0" cy="0"/>
-        </a:xfrm>
-      </p:grpSpPr>
-      <p:sp>
-        <p:nvSpPr>
-          <p:cNvPr id="2" name="Slide Image Placeholder 1"/>
-          <p:cNvSpPr>
-            <a:spLocks noGrp="1" noRot="1" noChangeAspect="1"/>
-          </p:cNvSpPr>
-          <p:nvPr>
-            <p:ph type="sldImg"/>
-          </p:nvPr>
-        </p:nvSpPr>
-        <p:spPr/>
-      </p:sp>
-      <p:sp>
-        <p:nvSpPr>
-          <p:cNvPr id="3" name="Notes Placeholder 2"/>
-          <p:cNvSpPr>
-            <a:spLocks noGrp="1"/>
-          </p:cNvSpPr>
-          <p:nvPr>
-            <p:ph type="body" idx="1"/>
-          </p:nvPr>
-        </p:nvSpPr>
-        <p:spPr/>
-        <p:txBody>
-          <a:bodyPr/>
-          <a:lstStyle/>
-          <a:p>
-            <a:endParaRPr lang="nl-BE" dirty="0"/>
-          </a:p>
-        </p:txBody>
-      </p:sp>
-      <p:sp>
-        <p:nvSpPr>
-          <p:cNvPr id="4" name="Slide Number Placeholder 3"/>
-          <p:cNvSpPr>
-            <a:spLocks noGrp="1"/>
-          </p:cNvSpPr>
-          <p:nvPr>
-            <p:ph type="sldNum" sz="quarter" idx="5"/>
-          </p:nvPr>
-        </p:nvSpPr>
-        <p:spPr/>
-        <p:txBody>
-          <a:bodyPr/>
-          <a:lstStyle/>
-          <a:p>
-            <a:fld id="{31D57D71-DFD4-49A2-8FE9-9156F9579F84}" type="slidenum">
-              <a:rPr lang="nl-BE" smtClean="0">
-                <a:latin typeface="FlandersArtSans-Regular" panose="00000500000000000000" pitchFamily="2" charset="0"/>
-              </a:rPr>
-              <a:t>35</a:t>
-            </a:fld>
-            <a:endParaRPr lang="nl-BE">
-              <a:latin typeface="FlandersArtSans-Regular" panose="00000500000000000000" pitchFamily="2" charset="0"/>
-            </a:endParaRPr>
-          </a:p>
-        </p:txBody>
-      </p:sp>
-    </p:spTree>
-    <p:extLst>
-      <p:ext uri="{BB962C8B-B14F-4D97-AF65-F5344CB8AC3E}">
-        <p14:creationId xmlns:p14="http://schemas.microsoft.com/office/powerpoint/2010/main" val="3772667279"/>
       </p:ext>
     </p:extLst>
   </p:cSld>
@@ -19521,234 +18471,6 @@
 </p:sld>
 </file>
 
-<file path=ppt/slides/slide28.xml><?xml version="1.0" encoding="utf-8"?>
-<p:sld xmlns:a="http://schemas.openxmlformats.org/drawingml/2006/main" xmlns:r="http://schemas.openxmlformats.org/officeDocument/2006/relationships" xmlns:p="http://schemas.openxmlformats.org/presentationml/2006/main">
-  <p:cSld>
-    <p:spTree>
-      <p:nvGrpSpPr>
-        <p:cNvPr id="1" name=""/>
-        <p:cNvGrpSpPr/>
-        <p:nvPr/>
-      </p:nvGrpSpPr>
-      <p:grpSpPr>
-        <a:xfrm>
-          <a:off x="0" y="0"/>
-          <a:ext cx="0" cy="0"/>
-          <a:chOff x="0" y="0"/>
-          <a:chExt cx="0" cy="0"/>
-        </a:xfrm>
-      </p:grpSpPr>
-      <p:sp>
-        <p:nvSpPr>
-          <p:cNvPr id="2" name="Title 1">
-            <a:extLst>
-              <a:ext uri="{FF2B5EF4-FFF2-40B4-BE49-F238E27FC236}">
-                <a16:creationId xmlns:a16="http://schemas.microsoft.com/office/drawing/2014/main" id="{05659129-9615-4767-9142-9F7667A81B00}"/>
-              </a:ext>
-            </a:extLst>
-          </p:cNvPr>
-          <p:cNvSpPr>
-            <a:spLocks noGrp="1"/>
-          </p:cNvSpPr>
-          <p:nvPr>
-            <p:ph type="title"/>
-          </p:nvPr>
-        </p:nvSpPr>
-        <p:spPr/>
-        <p:txBody>
-          <a:bodyPr/>
-          <a:lstStyle/>
-          <a:p>
-            <a:endParaRPr lang="nl-BE"/>
-          </a:p>
-        </p:txBody>
-      </p:sp>
-      <p:sp>
-        <p:nvSpPr>
-          <p:cNvPr id="3" name="Subtitle 2">
-            <a:extLst>
-              <a:ext uri="{FF2B5EF4-FFF2-40B4-BE49-F238E27FC236}">
-                <a16:creationId xmlns:a16="http://schemas.microsoft.com/office/drawing/2014/main" id="{48A12E58-3C7D-4287-AC0D-1827683DC832}"/>
-              </a:ext>
-            </a:extLst>
-          </p:cNvPr>
-          <p:cNvSpPr>
-            <a:spLocks noGrp="1"/>
-          </p:cNvSpPr>
-          <p:nvPr>
-            <p:ph type="subTitle" idx="1"/>
-          </p:nvPr>
-        </p:nvSpPr>
-        <p:spPr/>
-        <p:txBody>
-          <a:bodyPr/>
-          <a:lstStyle/>
-          <a:p>
-            <a:endParaRPr lang="nl-BE"/>
-          </a:p>
-        </p:txBody>
-      </p:sp>
-    </p:spTree>
-    <p:extLst>
-      <p:ext uri="{BB962C8B-B14F-4D97-AF65-F5344CB8AC3E}">
-        <p14:creationId xmlns:p14="http://schemas.microsoft.com/office/powerpoint/2010/main" val="1851311871"/>
-      </p:ext>
-    </p:extLst>
-  </p:cSld>
-  <p:clrMapOvr>
-    <a:masterClrMapping/>
-  </p:clrMapOvr>
-</p:sld>
-</file>
-
-<file path=ppt/slides/slide29.xml><?xml version="1.0" encoding="utf-8"?>
-<p:sld xmlns:a="http://schemas.openxmlformats.org/drawingml/2006/main" xmlns:r="http://schemas.openxmlformats.org/officeDocument/2006/relationships" xmlns:p="http://schemas.openxmlformats.org/presentationml/2006/main">
-  <p:cSld>
-    <p:spTree>
-      <p:nvGrpSpPr>
-        <p:cNvPr id="1" name=""/>
-        <p:cNvGrpSpPr/>
-        <p:nvPr/>
-      </p:nvGrpSpPr>
-      <p:grpSpPr>
-        <a:xfrm>
-          <a:off x="0" y="0"/>
-          <a:ext cx="0" cy="0"/>
-          <a:chOff x="0" y="0"/>
-          <a:chExt cx="0" cy="0"/>
-        </a:xfrm>
-      </p:grpSpPr>
-      <p:sp>
-        <p:nvSpPr>
-          <p:cNvPr id="6" name="Title 5">
-            <a:extLst>
-              <a:ext uri="{FF2B5EF4-FFF2-40B4-BE49-F238E27FC236}">
-                <a16:creationId xmlns:a16="http://schemas.microsoft.com/office/drawing/2014/main" id="{D15F6908-92B8-4FA8-9D43-6AF6FE1C0E58}"/>
-              </a:ext>
-            </a:extLst>
-          </p:cNvPr>
-          <p:cNvSpPr>
-            <a:spLocks noGrp="1"/>
-          </p:cNvSpPr>
-          <p:nvPr>
-            <p:ph type="title"/>
-          </p:nvPr>
-        </p:nvSpPr>
-        <p:spPr/>
-        <p:txBody>
-          <a:bodyPr/>
-          <a:lstStyle/>
-          <a:p>
-            <a:r>
-              <a:rPr lang="nl-BE" dirty="0"/>
-              <a:t>DCAT-AP Vlaanderen datamodel voorstel</a:t>
-            </a:r>
-          </a:p>
-        </p:txBody>
-      </p:sp>
-      <p:sp>
-        <p:nvSpPr>
-          <p:cNvPr id="4" name="Slide Number Placeholder 3">
-            <a:extLst>
-              <a:ext uri="{FF2B5EF4-FFF2-40B4-BE49-F238E27FC236}">
-                <a16:creationId xmlns:a16="http://schemas.microsoft.com/office/drawing/2014/main" id="{8BAD2A73-F589-4C02-AC39-6CE4C81AE977}"/>
-              </a:ext>
-            </a:extLst>
-          </p:cNvPr>
-          <p:cNvSpPr>
-            <a:spLocks noGrp="1"/>
-          </p:cNvSpPr>
-          <p:nvPr>
-            <p:ph type="sldNum" sz="quarter" idx="4"/>
-          </p:nvPr>
-        </p:nvSpPr>
-        <p:spPr/>
-        <p:txBody>
-          <a:bodyPr/>
-          <a:lstStyle/>
-          <a:p>
-            <a:fld id="{C9C406F6-A053-43CA-AEC8-FA3EEE83A3FB}" type="slidenum">
-              <a:rPr lang="nl-BE" smtClean="0"/>
-              <a:pPr/>
-              <a:t>29</a:t>
-            </a:fld>
-            <a:endParaRPr lang="nl-BE" dirty="0"/>
-          </a:p>
-        </p:txBody>
-      </p:sp>
-      <p:pic>
-        <p:nvPicPr>
-          <p:cNvPr id="7" name="Picture 6">
-            <a:extLst>
-              <a:ext uri="{FF2B5EF4-FFF2-40B4-BE49-F238E27FC236}">
-                <a16:creationId xmlns:a16="http://schemas.microsoft.com/office/drawing/2014/main" id="{BC0F3AD6-827A-489F-8A69-1C5CAC10F710}"/>
-              </a:ext>
-            </a:extLst>
-          </p:cNvPr>
-          <p:cNvPicPr>
-            <a:picLocks noChangeAspect="1"/>
-          </p:cNvPicPr>
-          <p:nvPr/>
-        </p:nvPicPr>
-        <p:blipFill>
-          <a:blip r:embed="rId2"/>
-          <a:stretch>
-            <a:fillRect/>
-          </a:stretch>
-        </p:blipFill>
-        <p:spPr>
-          <a:xfrm>
-            <a:off x="8810186" y="274911"/>
-            <a:ext cx="829552" cy="924606"/>
-          </a:xfrm>
-          <a:prstGeom prst="rect">
-            <a:avLst/>
-          </a:prstGeom>
-        </p:spPr>
-      </p:pic>
-      <p:pic>
-        <p:nvPicPr>
-          <p:cNvPr id="3" name="Picture 2">
-            <a:extLst>
-              <a:ext uri="{FF2B5EF4-FFF2-40B4-BE49-F238E27FC236}">
-                <a16:creationId xmlns:a16="http://schemas.microsoft.com/office/drawing/2014/main" id="{976945B4-9066-4038-BA3B-AA49E9FF3A8C}"/>
-              </a:ext>
-            </a:extLst>
-          </p:cNvPr>
-          <p:cNvPicPr>
-            <a:picLocks noChangeAspect="1"/>
-          </p:cNvPicPr>
-          <p:nvPr/>
-        </p:nvPicPr>
-        <p:blipFill>
-          <a:blip r:embed="rId3"/>
-          <a:stretch>
-            <a:fillRect/>
-          </a:stretch>
-        </p:blipFill>
-        <p:spPr>
-          <a:xfrm>
-            <a:off x="238744" y="1966018"/>
-            <a:ext cx="9428511" cy="3225805"/>
-          </a:xfrm>
-          <a:prstGeom prst="rect">
-            <a:avLst/>
-          </a:prstGeom>
-        </p:spPr>
-      </p:pic>
-    </p:spTree>
-    <p:extLst>
-      <p:ext uri="{BB962C8B-B14F-4D97-AF65-F5344CB8AC3E}">
-        <p14:creationId xmlns:p14="http://schemas.microsoft.com/office/powerpoint/2010/main" val="2701033804"/>
-      </p:ext>
-    </p:extLst>
-  </p:cSld>
-  <p:clrMapOvr>
-    <a:masterClrMapping/>
-  </p:clrMapOvr>
-</p:sld>
-</file>
-
 <file path=ppt/slides/slide3.xml><?xml version="1.0" encoding="utf-8"?>
 <p:sld xmlns:a="http://schemas.openxmlformats.org/drawingml/2006/main" xmlns:r="http://schemas.openxmlformats.org/officeDocument/2006/relationships" xmlns:p="http://schemas.openxmlformats.org/presentationml/2006/main">
   <p:cSld>
@@ -19880,1995 +18602,6 @@
     <p:extLst>
       <p:ext uri="{BB962C8B-B14F-4D97-AF65-F5344CB8AC3E}">
         <p14:creationId xmlns:p14="http://schemas.microsoft.com/office/powerpoint/2010/main" val="3883305871"/>
-      </p:ext>
-    </p:extLst>
-  </p:cSld>
-  <p:clrMapOvr>
-    <a:masterClrMapping/>
-  </p:clrMapOvr>
-</p:sld>
-</file>
-
-<file path=ppt/slides/slide30.xml><?xml version="1.0" encoding="utf-8"?>
-<p:sld xmlns:a="http://schemas.openxmlformats.org/drawingml/2006/main" xmlns:r="http://schemas.openxmlformats.org/officeDocument/2006/relationships" xmlns:p="http://schemas.openxmlformats.org/presentationml/2006/main">
-  <p:cSld>
-    <p:spTree>
-      <p:nvGrpSpPr>
-        <p:cNvPr id="1" name=""/>
-        <p:cNvGrpSpPr/>
-        <p:nvPr/>
-      </p:nvGrpSpPr>
-      <p:grpSpPr>
-        <a:xfrm>
-          <a:off x="0" y="0"/>
-          <a:ext cx="0" cy="0"/>
-          <a:chOff x="0" y="0"/>
-          <a:chExt cx="0" cy="0"/>
-        </a:xfrm>
-      </p:grpSpPr>
-      <p:sp>
-        <p:nvSpPr>
-          <p:cNvPr id="2" name="Content Placeholder 1">
-            <a:extLst>
-              <a:ext uri="{FF2B5EF4-FFF2-40B4-BE49-F238E27FC236}">
-                <a16:creationId xmlns:a16="http://schemas.microsoft.com/office/drawing/2014/main" id="{490694D9-A440-4861-8CAC-E47CF3C00F2B}"/>
-              </a:ext>
-            </a:extLst>
-          </p:cNvPr>
-          <p:cNvSpPr>
-            <a:spLocks noGrp="1"/>
-          </p:cNvSpPr>
-          <p:nvPr>
-            <p:ph sz="quarter" idx="10"/>
-          </p:nvPr>
-        </p:nvSpPr>
-        <p:spPr/>
-        <p:txBody>
-          <a:bodyPr/>
-          <a:lstStyle/>
-          <a:p>
-            <a:r>
-              <a:rPr lang="nl-BE" dirty="0"/>
-              <a:t>Term:</a:t>
-            </a:r>
-          </a:p>
-          <a:p>
-            <a:pPr lvl="1"/>
-            <a:r>
-              <a:rPr lang="nl-BE" dirty="0"/>
-              <a:t>Datasetcatalogus</a:t>
-            </a:r>
-          </a:p>
-          <a:p>
-            <a:pPr lvl="1"/>
-            <a:r>
-              <a:rPr lang="nl-BE" i="1" dirty="0"/>
-              <a:t>Een scope beperkende Nederlandstalige term gekozen om in de toekomst andere catalogi toe te laten</a:t>
-            </a:r>
-            <a:r>
-              <a:rPr lang="nl-BE" dirty="0"/>
-              <a:t>.</a:t>
-            </a:r>
-            <a:endParaRPr lang="nl-BE" i="1" dirty="0"/>
-          </a:p>
-          <a:p>
-            <a:r>
-              <a:rPr lang="nl-BE" dirty="0"/>
-              <a:t>Definitie:</a:t>
-            </a:r>
-          </a:p>
-          <a:p>
-            <a:pPr lvl="1"/>
-            <a:r>
-              <a:rPr lang="nl-BE" dirty="0"/>
-              <a:t>Een beheerde verzameling van metadata over datasets.</a:t>
-            </a:r>
-          </a:p>
-          <a:p>
-            <a:pPr lvl="1"/>
-            <a:r>
-              <a:rPr lang="nl-BE" dirty="0"/>
-              <a:t>(vertaling van definitie uit DCAT)</a:t>
-            </a:r>
-          </a:p>
-          <a:p>
-            <a:pPr marL="457200" lvl="1" indent="0">
-              <a:buNone/>
-            </a:pPr>
-            <a:endParaRPr lang="nl-BE" dirty="0"/>
-          </a:p>
-          <a:p>
-            <a:endParaRPr lang="nl-BE" dirty="0"/>
-          </a:p>
-        </p:txBody>
-      </p:sp>
-      <p:sp>
-        <p:nvSpPr>
-          <p:cNvPr id="3" name="Title 2">
-            <a:extLst>
-              <a:ext uri="{FF2B5EF4-FFF2-40B4-BE49-F238E27FC236}">
-                <a16:creationId xmlns:a16="http://schemas.microsoft.com/office/drawing/2014/main" id="{95201523-4D38-4963-BB74-6387F782EAE5}"/>
-              </a:ext>
-            </a:extLst>
-          </p:cNvPr>
-          <p:cNvSpPr>
-            <a:spLocks noGrp="1"/>
-          </p:cNvSpPr>
-          <p:nvPr>
-            <p:ph type="title"/>
-          </p:nvPr>
-        </p:nvSpPr>
-        <p:spPr/>
-        <p:txBody>
-          <a:bodyPr/>
-          <a:lstStyle/>
-          <a:p>
-            <a:r>
-              <a:rPr lang="nl-BE" dirty="0"/>
-              <a:t>Datasetcatalogus</a:t>
-            </a:r>
-          </a:p>
-        </p:txBody>
-      </p:sp>
-      <p:sp>
-        <p:nvSpPr>
-          <p:cNvPr id="4" name="Slide Number Placeholder 3">
-            <a:extLst>
-              <a:ext uri="{FF2B5EF4-FFF2-40B4-BE49-F238E27FC236}">
-                <a16:creationId xmlns:a16="http://schemas.microsoft.com/office/drawing/2014/main" id="{E5E40745-8B95-4A73-95CC-38AFEB79AE4E}"/>
-              </a:ext>
-            </a:extLst>
-          </p:cNvPr>
-          <p:cNvSpPr>
-            <a:spLocks noGrp="1"/>
-          </p:cNvSpPr>
-          <p:nvPr>
-            <p:ph type="sldNum" sz="quarter" idx="4"/>
-          </p:nvPr>
-        </p:nvSpPr>
-        <p:spPr/>
-        <p:txBody>
-          <a:bodyPr/>
-          <a:lstStyle/>
-          <a:p>
-            <a:fld id="{C9C406F6-A053-43CA-AEC8-FA3EEE83A3FB}" type="slidenum">
-              <a:rPr lang="nl-BE" smtClean="0"/>
-              <a:pPr/>
-              <a:t>30</a:t>
-            </a:fld>
-            <a:endParaRPr lang="nl-BE" dirty="0"/>
-          </a:p>
-        </p:txBody>
-      </p:sp>
-    </p:spTree>
-    <p:extLst>
-      <p:ext uri="{BB962C8B-B14F-4D97-AF65-F5344CB8AC3E}">
-        <p14:creationId xmlns:p14="http://schemas.microsoft.com/office/powerpoint/2010/main" val="1211355866"/>
-      </p:ext>
-    </p:extLst>
-  </p:cSld>
-  <p:clrMapOvr>
-    <a:masterClrMapping/>
-  </p:clrMapOvr>
-</p:sld>
-</file>
-
-<file path=ppt/slides/slide31.xml><?xml version="1.0" encoding="utf-8"?>
-<p:sld xmlns:a="http://schemas.openxmlformats.org/drawingml/2006/main" xmlns:r="http://schemas.openxmlformats.org/officeDocument/2006/relationships" xmlns:p="http://schemas.openxmlformats.org/presentationml/2006/main">
-  <p:cSld>
-    <p:spTree>
-      <p:nvGrpSpPr>
-        <p:cNvPr id="1" name=""/>
-        <p:cNvGrpSpPr/>
-        <p:nvPr/>
-      </p:nvGrpSpPr>
-      <p:grpSpPr>
-        <a:xfrm>
-          <a:off x="0" y="0"/>
-          <a:ext cx="0" cy="0"/>
-          <a:chOff x="0" y="0"/>
-          <a:chExt cx="0" cy="0"/>
-        </a:xfrm>
-      </p:grpSpPr>
-      <p:sp>
-        <p:nvSpPr>
-          <p:cNvPr id="3" name="Title 2">
-            <a:extLst>
-              <a:ext uri="{FF2B5EF4-FFF2-40B4-BE49-F238E27FC236}">
-                <a16:creationId xmlns:a16="http://schemas.microsoft.com/office/drawing/2014/main" id="{2663DCBD-3B00-4DB2-86E7-2DF08595B8C7}"/>
-              </a:ext>
-            </a:extLst>
-          </p:cNvPr>
-          <p:cNvSpPr>
-            <a:spLocks noGrp="1"/>
-          </p:cNvSpPr>
-          <p:nvPr>
-            <p:ph type="title"/>
-          </p:nvPr>
-        </p:nvSpPr>
-        <p:spPr/>
-        <p:txBody>
-          <a:bodyPr/>
-          <a:lstStyle/>
-          <a:p>
-            <a:r>
-              <a:rPr lang="nl-BE" dirty="0"/>
-              <a:t>Datasetcatalogus</a:t>
-            </a:r>
-          </a:p>
-        </p:txBody>
-      </p:sp>
-      <p:sp>
-        <p:nvSpPr>
-          <p:cNvPr id="4" name="Slide Number Placeholder 3">
-            <a:extLst>
-              <a:ext uri="{FF2B5EF4-FFF2-40B4-BE49-F238E27FC236}">
-                <a16:creationId xmlns:a16="http://schemas.microsoft.com/office/drawing/2014/main" id="{9E84159A-F785-4736-AAD2-2E15770B22A7}"/>
-              </a:ext>
-            </a:extLst>
-          </p:cNvPr>
-          <p:cNvSpPr>
-            <a:spLocks noGrp="1"/>
-          </p:cNvSpPr>
-          <p:nvPr>
-            <p:ph type="sldNum" sz="quarter" idx="4"/>
-          </p:nvPr>
-        </p:nvSpPr>
-        <p:spPr/>
-        <p:txBody>
-          <a:bodyPr/>
-          <a:lstStyle/>
-          <a:p>
-            <a:fld id="{C9C406F6-A053-43CA-AEC8-FA3EEE83A3FB}" type="slidenum">
-              <a:rPr lang="nl-BE" smtClean="0"/>
-              <a:pPr/>
-              <a:t>31</a:t>
-            </a:fld>
-            <a:endParaRPr lang="nl-BE" dirty="0"/>
-          </a:p>
-        </p:txBody>
-      </p:sp>
-      <p:sp>
-        <p:nvSpPr>
-          <p:cNvPr id="5" name="Date Placeholder 4">
-            <a:extLst>
-              <a:ext uri="{FF2B5EF4-FFF2-40B4-BE49-F238E27FC236}">
-                <a16:creationId xmlns:a16="http://schemas.microsoft.com/office/drawing/2014/main" id="{575103CE-D3D5-4BB9-9DEF-50B0AC6F9885}"/>
-              </a:ext>
-            </a:extLst>
-          </p:cNvPr>
-          <p:cNvSpPr>
-            <a:spLocks noGrp="1"/>
-          </p:cNvSpPr>
-          <p:nvPr>
-            <p:ph type="dt" sz="quarter" idx="4294967295"/>
-          </p:nvPr>
-        </p:nvSpPr>
-        <p:spPr>
-          <a:xfrm>
-            <a:off x="6564652" y="6603110"/>
-            <a:ext cx="2863858" cy="174732"/>
-          </a:xfrm>
-          <a:prstGeom prst="rect">
-            <a:avLst/>
-          </a:prstGeom>
-        </p:spPr>
-        <p:txBody>
-          <a:bodyPr/>
-          <a:lstStyle/>
-          <a:p>
-            <a:r>
-              <a:rPr lang="nl-BE"/>
-              <a:t>Sessie xx – titel</a:t>
-            </a:r>
-            <a:endParaRPr lang="nl-BE" dirty="0"/>
-          </a:p>
-        </p:txBody>
-      </p:sp>
-      <p:sp>
-        <p:nvSpPr>
-          <p:cNvPr id="24" name="TextBox 23">
-            <a:extLst>
-              <a:ext uri="{FF2B5EF4-FFF2-40B4-BE49-F238E27FC236}">
-                <a16:creationId xmlns:a16="http://schemas.microsoft.com/office/drawing/2014/main" id="{5C37025B-94C9-47C3-8639-255843B5677A}"/>
-              </a:ext>
-            </a:extLst>
-          </p:cNvPr>
-          <p:cNvSpPr txBox="1"/>
-          <p:nvPr/>
-        </p:nvSpPr>
-        <p:spPr>
-          <a:xfrm>
-            <a:off x="1390812" y="1413402"/>
-            <a:ext cx="1476302" cy="369204"/>
-          </a:xfrm>
-          <a:prstGeom prst="rect">
-            <a:avLst/>
-          </a:prstGeom>
-          <a:noFill/>
-        </p:spPr>
-        <p:txBody>
-          <a:bodyPr wrap="none" rtlCol="0">
-            <a:spAutoFit/>
-          </a:bodyPr>
-          <a:lstStyle/>
-          <a:p>
-            <a:r>
-              <a:rPr lang="nl-BE" dirty="0"/>
-              <a:t>DCAT-AP V1.1</a:t>
-            </a:r>
-          </a:p>
-        </p:txBody>
-      </p:sp>
-      <p:sp>
-        <p:nvSpPr>
-          <p:cNvPr id="26" name="TextBox 25">
-            <a:extLst>
-              <a:ext uri="{FF2B5EF4-FFF2-40B4-BE49-F238E27FC236}">
-                <a16:creationId xmlns:a16="http://schemas.microsoft.com/office/drawing/2014/main" id="{E47A407E-6A47-4615-B44C-4A765D04C8CE}"/>
-              </a:ext>
-            </a:extLst>
-          </p:cNvPr>
-          <p:cNvSpPr txBox="1"/>
-          <p:nvPr/>
-        </p:nvSpPr>
-        <p:spPr>
-          <a:xfrm>
-            <a:off x="6073546" y="1413402"/>
-            <a:ext cx="2132122" cy="369204"/>
-          </a:xfrm>
-          <a:prstGeom prst="rect">
-            <a:avLst/>
-          </a:prstGeom>
-          <a:noFill/>
-        </p:spPr>
-        <p:txBody>
-          <a:bodyPr wrap="none" rtlCol="0">
-            <a:spAutoFit/>
-          </a:bodyPr>
-          <a:lstStyle/>
-          <a:p>
-            <a:r>
-              <a:rPr lang="nl-BE" dirty="0"/>
-              <a:t>DCAT-AP Vlaanderen</a:t>
-            </a:r>
-          </a:p>
-        </p:txBody>
-      </p:sp>
-      <p:sp>
-        <p:nvSpPr>
-          <p:cNvPr id="27" name="Arrow: Chevron 26">
-            <a:extLst>
-              <a:ext uri="{FF2B5EF4-FFF2-40B4-BE49-F238E27FC236}">
-                <a16:creationId xmlns:a16="http://schemas.microsoft.com/office/drawing/2014/main" id="{19CF8189-3983-45E5-B0E3-105D8F174B19}"/>
-              </a:ext>
-            </a:extLst>
-          </p:cNvPr>
-          <p:cNvSpPr/>
-          <p:nvPr/>
-        </p:nvSpPr>
-        <p:spPr>
-          <a:xfrm>
-            <a:off x="4253948" y="2716695"/>
-            <a:ext cx="924339" cy="1948070"/>
-          </a:xfrm>
-          <a:prstGeom prst="chevron">
-            <a:avLst/>
-          </a:prstGeom>
-        </p:spPr>
-        <p:style>
-          <a:lnRef idx="2">
-            <a:schemeClr val="accent1">
-              <a:shade val="50000"/>
-            </a:schemeClr>
-          </a:lnRef>
-          <a:fillRef idx="1">
-            <a:schemeClr val="accent1"/>
-          </a:fillRef>
-          <a:effectRef idx="0">
-            <a:schemeClr val="accent1"/>
-          </a:effectRef>
-          <a:fontRef idx="minor">
-            <a:schemeClr val="lt1"/>
-          </a:fontRef>
-        </p:style>
-        <p:txBody>
-          <a:bodyPr rtlCol="0" anchor="ctr"/>
-          <a:lstStyle/>
-          <a:p>
-            <a:pPr algn="ctr"/>
-            <a:endParaRPr lang="nl-BE">
-              <a:solidFill>
-                <a:schemeClr val="tx1"/>
-              </a:solidFill>
-            </a:endParaRPr>
-          </a:p>
-        </p:txBody>
-      </p:sp>
-      <p:pic>
-        <p:nvPicPr>
-          <p:cNvPr id="10" name="Picture 9">
-            <a:extLst>
-              <a:ext uri="{FF2B5EF4-FFF2-40B4-BE49-F238E27FC236}">
-                <a16:creationId xmlns:a16="http://schemas.microsoft.com/office/drawing/2014/main" id="{B367E5E9-6E7D-46C8-A111-7A4F47CD7192}"/>
-              </a:ext>
-            </a:extLst>
-          </p:cNvPr>
-          <p:cNvPicPr>
-            <a:picLocks noChangeAspect="1"/>
-          </p:cNvPicPr>
-          <p:nvPr/>
-        </p:nvPicPr>
-        <p:blipFill>
-          <a:blip r:embed="rId2"/>
-          <a:stretch>
-            <a:fillRect/>
-          </a:stretch>
-        </p:blipFill>
-        <p:spPr>
-          <a:xfrm>
-            <a:off x="8810186" y="274911"/>
-            <a:ext cx="829552" cy="924606"/>
-          </a:xfrm>
-          <a:prstGeom prst="rect">
-            <a:avLst/>
-          </a:prstGeom>
-        </p:spPr>
-      </p:pic>
-      <p:pic>
-        <p:nvPicPr>
-          <p:cNvPr id="2" name="Picture 1">
-            <a:extLst>
-              <a:ext uri="{FF2B5EF4-FFF2-40B4-BE49-F238E27FC236}">
-                <a16:creationId xmlns:a16="http://schemas.microsoft.com/office/drawing/2014/main" id="{708E0D23-955E-415D-9E63-E811685ED932}"/>
-              </a:ext>
-            </a:extLst>
-          </p:cNvPr>
-          <p:cNvPicPr>
-            <a:picLocks noChangeAspect="1"/>
-          </p:cNvPicPr>
-          <p:nvPr/>
-        </p:nvPicPr>
-        <p:blipFill>
-          <a:blip r:embed="rId3"/>
-          <a:stretch>
-            <a:fillRect/>
-          </a:stretch>
-        </p:blipFill>
-        <p:spPr>
-          <a:xfrm>
-            <a:off x="841654" y="2015461"/>
-            <a:ext cx="2895851" cy="3877392"/>
-          </a:xfrm>
-          <a:prstGeom prst="rect">
-            <a:avLst/>
-          </a:prstGeom>
-        </p:spPr>
-      </p:pic>
-      <p:pic>
-        <p:nvPicPr>
-          <p:cNvPr id="6" name="Picture 5">
-            <a:extLst>
-              <a:ext uri="{FF2B5EF4-FFF2-40B4-BE49-F238E27FC236}">
-                <a16:creationId xmlns:a16="http://schemas.microsoft.com/office/drawing/2014/main" id="{81953DCC-10D3-477F-ABA8-4F3E1BEB6881}"/>
-              </a:ext>
-            </a:extLst>
-          </p:cNvPr>
-          <p:cNvPicPr>
-            <a:picLocks noChangeAspect="1"/>
-          </p:cNvPicPr>
-          <p:nvPr/>
-        </p:nvPicPr>
-        <p:blipFill>
-          <a:blip r:embed="rId4"/>
-          <a:stretch>
-            <a:fillRect/>
-          </a:stretch>
-        </p:blipFill>
-        <p:spPr>
-          <a:xfrm>
-            <a:off x="5694730" y="1948399"/>
-            <a:ext cx="2889754" cy="3944454"/>
-          </a:xfrm>
-          <a:prstGeom prst="rect">
-            <a:avLst/>
-          </a:prstGeom>
-        </p:spPr>
-      </p:pic>
-    </p:spTree>
-    <p:extLst>
-      <p:ext uri="{BB962C8B-B14F-4D97-AF65-F5344CB8AC3E}">
-        <p14:creationId xmlns:p14="http://schemas.microsoft.com/office/powerpoint/2010/main" val="2778194985"/>
-      </p:ext>
-    </p:extLst>
-  </p:cSld>
-  <p:clrMapOvr>
-    <a:masterClrMapping/>
-  </p:clrMapOvr>
-</p:sld>
-</file>
-
-<file path=ppt/slides/slide32.xml><?xml version="1.0" encoding="utf-8"?>
-<p:sld xmlns:a="http://schemas.openxmlformats.org/drawingml/2006/main" xmlns:r="http://schemas.openxmlformats.org/officeDocument/2006/relationships" xmlns:p="http://schemas.openxmlformats.org/presentationml/2006/main">
-  <p:cSld>
-    <p:spTree>
-      <p:nvGrpSpPr>
-        <p:cNvPr id="1" name=""/>
-        <p:cNvGrpSpPr/>
-        <p:nvPr/>
-      </p:nvGrpSpPr>
-      <p:grpSpPr>
-        <a:xfrm>
-          <a:off x="0" y="0"/>
-          <a:ext cx="0" cy="0"/>
-          <a:chOff x="0" y="0"/>
-          <a:chExt cx="0" cy="0"/>
-        </a:xfrm>
-      </p:grpSpPr>
-      <p:sp>
-        <p:nvSpPr>
-          <p:cNvPr id="5" name="Content Placeholder 4">
-            <a:extLst>
-              <a:ext uri="{FF2B5EF4-FFF2-40B4-BE49-F238E27FC236}">
-                <a16:creationId xmlns:a16="http://schemas.microsoft.com/office/drawing/2014/main" id="{D05EBB0F-AB33-4FEC-B8C9-4177DB927BE8}"/>
-              </a:ext>
-            </a:extLst>
-          </p:cNvPr>
-          <p:cNvSpPr>
-            <a:spLocks noGrp="1"/>
-          </p:cNvSpPr>
-          <p:nvPr>
-            <p:ph sz="quarter" idx="10"/>
-          </p:nvPr>
-        </p:nvSpPr>
-        <p:spPr/>
-        <p:txBody>
-          <a:bodyPr vert="horz" lIns="91440" tIns="45720" rIns="91440" bIns="45720" rtlCol="0" anchor="t">
-            <a:normAutofit/>
-          </a:bodyPr>
-          <a:lstStyle/>
-          <a:p>
-            <a:r>
-              <a:rPr lang="nl-BE" i="1" dirty="0"/>
-              <a:t>Licentie</a:t>
-            </a:r>
-            <a:r>
-              <a:rPr lang="nl-BE" dirty="0"/>
-              <a:t> is verplicht</a:t>
-            </a:r>
-          </a:p>
-          <a:p>
-            <a:endParaRPr lang="nl-BE" dirty="0"/>
-          </a:p>
-          <a:p>
-            <a:r>
-              <a:rPr lang="nl-BE" b="1" dirty="0"/>
-              <a:t>Verantwoording</a:t>
-            </a:r>
-            <a:r>
-              <a:rPr lang="nl-BE" dirty="0"/>
-              <a:t>: Deze eigenschap stelt de voorwaarden vast waaronder de data van de Open Data catalogus kan (her)gebruikt worden. Het belangrijkste gebruik betreft het </a:t>
-            </a:r>
-            <a:r>
-              <a:rPr lang="nl-BE" dirty="0" err="1"/>
-              <a:t>harvesten</a:t>
-            </a:r>
-            <a:r>
-              <a:rPr lang="nl-BE" dirty="0"/>
-              <a:t> waarbij Open Data catalogi worden samengevoegd. </a:t>
-            </a:r>
-          </a:p>
-          <a:p>
-            <a:r>
-              <a:rPr lang="nl-BE" dirty="0"/>
-              <a:t>Indien geen licentie opgegeven is, is het niet duidelijk wat </a:t>
-            </a:r>
-            <a:r>
-              <a:rPr lang="nl-BE" dirty="0" err="1"/>
-              <a:t>bvb</a:t>
-            </a:r>
-            <a:r>
-              <a:rPr lang="nl-BE" dirty="0"/>
-              <a:t> een </a:t>
-            </a:r>
-            <a:r>
-              <a:rPr lang="nl-BE" dirty="0" err="1"/>
-              <a:t>harvester</a:t>
-            </a:r>
-            <a:r>
-              <a:rPr lang="nl-BE" dirty="0"/>
-              <a:t> met deze metadata mag doen.</a:t>
-            </a:r>
-          </a:p>
-          <a:p>
-            <a:pPr marL="0" indent="0">
-              <a:buNone/>
-            </a:pPr>
-            <a:r>
-              <a:rPr lang="en-US" dirty="0"/>
-              <a:t> </a:t>
-            </a:r>
-            <a:endParaRPr lang="nl-BE" dirty="0"/>
-          </a:p>
-          <a:p>
-            <a:endParaRPr lang="en-US" dirty="0"/>
-          </a:p>
-          <a:p>
-            <a:endParaRPr lang="nl-BE" dirty="0"/>
-          </a:p>
-          <a:p>
-            <a:pPr marL="0" indent="0">
-              <a:buNone/>
-            </a:pPr>
-            <a:endParaRPr lang="nl-BE" dirty="0"/>
-          </a:p>
-        </p:txBody>
-      </p:sp>
-      <p:sp>
-        <p:nvSpPr>
-          <p:cNvPr id="2" name="Title 1">
-            <a:extLst>
-              <a:ext uri="{FF2B5EF4-FFF2-40B4-BE49-F238E27FC236}">
-                <a16:creationId xmlns:a16="http://schemas.microsoft.com/office/drawing/2014/main" id="{B1E00F4F-0656-4424-8EB4-55E406391AB6}"/>
-              </a:ext>
-            </a:extLst>
-          </p:cNvPr>
-          <p:cNvSpPr>
-            <a:spLocks noGrp="1"/>
-          </p:cNvSpPr>
-          <p:nvPr>
-            <p:ph type="title"/>
-          </p:nvPr>
-        </p:nvSpPr>
-        <p:spPr/>
-        <p:txBody>
-          <a:bodyPr/>
-          <a:lstStyle/>
-          <a:p>
-            <a:r>
-              <a:rPr lang="nl-BE" dirty="0" err="1"/>
-              <a:t>DatasetCatalogus</a:t>
-            </a:r>
-            <a:r>
-              <a:rPr lang="nl-BE" dirty="0"/>
-              <a:t> – bijkomende eis 1</a:t>
-            </a:r>
-          </a:p>
-        </p:txBody>
-      </p:sp>
-      <p:sp>
-        <p:nvSpPr>
-          <p:cNvPr id="3" name="Slide Number Placeholder 2">
-            <a:extLst>
-              <a:ext uri="{FF2B5EF4-FFF2-40B4-BE49-F238E27FC236}">
-                <a16:creationId xmlns:a16="http://schemas.microsoft.com/office/drawing/2014/main" id="{8FF0440C-320A-45DD-A597-008512B39C9C}"/>
-              </a:ext>
-            </a:extLst>
-          </p:cNvPr>
-          <p:cNvSpPr>
-            <a:spLocks noGrp="1"/>
-          </p:cNvSpPr>
-          <p:nvPr>
-            <p:ph type="sldNum" sz="quarter" idx="4"/>
-          </p:nvPr>
-        </p:nvSpPr>
-        <p:spPr/>
-        <p:txBody>
-          <a:bodyPr/>
-          <a:lstStyle/>
-          <a:p>
-            <a:fld id="{C9C406F6-A053-43CA-AEC8-FA3EEE83A3FB}" type="slidenum">
-              <a:rPr lang="nl-BE" smtClean="0"/>
-              <a:pPr/>
-              <a:t>32</a:t>
-            </a:fld>
-            <a:endParaRPr lang="nl-BE" dirty="0"/>
-          </a:p>
-        </p:txBody>
-      </p:sp>
-    </p:spTree>
-    <p:extLst>
-      <p:ext uri="{BB962C8B-B14F-4D97-AF65-F5344CB8AC3E}">
-        <p14:creationId xmlns:p14="http://schemas.microsoft.com/office/powerpoint/2010/main" val="2430923038"/>
-      </p:ext>
-    </p:extLst>
-  </p:cSld>
-  <p:clrMapOvr>
-    <a:masterClrMapping/>
-  </p:clrMapOvr>
-</p:sld>
-</file>
-
-<file path=ppt/slides/slide33.xml><?xml version="1.0" encoding="utf-8"?>
-<p:sld xmlns:a="http://schemas.openxmlformats.org/drawingml/2006/main" xmlns:r="http://schemas.openxmlformats.org/officeDocument/2006/relationships" xmlns:p="http://schemas.openxmlformats.org/presentationml/2006/main">
-  <p:cSld>
-    <p:spTree>
-      <p:nvGrpSpPr>
-        <p:cNvPr id="1" name=""/>
-        <p:cNvGrpSpPr/>
-        <p:nvPr/>
-      </p:nvGrpSpPr>
-      <p:grpSpPr>
-        <a:xfrm>
-          <a:off x="0" y="0"/>
-          <a:ext cx="0" cy="0"/>
-          <a:chOff x="0" y="0"/>
-          <a:chExt cx="0" cy="0"/>
-        </a:xfrm>
-      </p:grpSpPr>
-      <p:sp>
-        <p:nvSpPr>
-          <p:cNvPr id="2" name="Content Placeholder 1">
-            <a:extLst>
-              <a:ext uri="{FF2B5EF4-FFF2-40B4-BE49-F238E27FC236}">
-                <a16:creationId xmlns:a16="http://schemas.microsoft.com/office/drawing/2014/main" id="{14338592-C0A3-44B4-958F-06C9492B41A5}"/>
-              </a:ext>
-            </a:extLst>
-          </p:cNvPr>
-          <p:cNvSpPr>
-            <a:spLocks noGrp="1"/>
-          </p:cNvSpPr>
-          <p:nvPr>
-            <p:ph sz="quarter" idx="10"/>
-          </p:nvPr>
-        </p:nvSpPr>
-        <p:spPr/>
-        <p:txBody>
-          <a:bodyPr vert="horz" lIns="91440" tIns="45720" rIns="91440" bIns="45720" rtlCol="0" anchor="t">
-            <a:normAutofit lnSpcReduction="10000"/>
-          </a:bodyPr>
-          <a:lstStyle/>
-          <a:p>
-            <a:r>
-              <a:rPr lang="nl-BE" i="1" dirty="0"/>
-              <a:t>Laatste wijziging </a:t>
-            </a:r>
-            <a:r>
-              <a:rPr lang="nl-BE" dirty="0"/>
-              <a:t>is verplicht </a:t>
-            </a:r>
-          </a:p>
-          <a:p>
-            <a:endParaRPr lang="nl-BE" dirty="0"/>
-          </a:p>
-          <a:p>
-            <a:r>
-              <a:rPr lang="nl-BE" b="1" dirty="0"/>
-              <a:t>Verantwoording</a:t>
-            </a:r>
-            <a:r>
-              <a:rPr lang="nl-BE" dirty="0"/>
-              <a:t>: om te weten te komen wanneer de laatste wijziging aan de catalogus inhoud gebeurt is. Hiermee geeft de Open Data catalogus beheerder inzicht in de activiteitsgraad. Deze informatie kan ook nuttig zijn bij </a:t>
-            </a:r>
-            <a:r>
-              <a:rPr lang="nl-BE" dirty="0" err="1"/>
-              <a:t>harvesting</a:t>
-            </a:r>
-            <a:r>
-              <a:rPr lang="nl-BE" dirty="0"/>
-              <a:t>. </a:t>
-            </a:r>
-          </a:p>
-          <a:p>
-            <a:endParaRPr lang="nl-BE" dirty="0"/>
-          </a:p>
-          <a:p>
-            <a:r>
-              <a:rPr lang="nl-BE" dirty="0"/>
-              <a:t>Deze verplichting legt wel op dat de Open data catalogus beheerder ervoor zorgt dat bij  de minste wijziging van de metadata in de datasetcatalogus deze datum wordt aanpast.  Als deze datum dezelfde is gebleven kan </a:t>
-            </a:r>
-            <a:r>
-              <a:rPr lang="nl-BE" dirty="0" err="1"/>
-              <a:t>bvb</a:t>
-            </a:r>
-            <a:r>
-              <a:rPr lang="nl-BE" dirty="0"/>
-              <a:t> een har-</a:t>
-            </a:r>
-            <a:r>
-              <a:rPr lang="nl-BE" dirty="0" err="1"/>
-              <a:t>vester</a:t>
-            </a:r>
-            <a:r>
-              <a:rPr lang="nl-BE" dirty="0"/>
-              <a:t> er vanuit gaan dat er niets gewijzigd is.</a:t>
-            </a:r>
-          </a:p>
-          <a:p>
-            <a:endParaRPr lang="nl-BE" dirty="0"/>
-          </a:p>
-        </p:txBody>
-      </p:sp>
-      <p:sp>
-        <p:nvSpPr>
-          <p:cNvPr id="3" name="Title 2">
-            <a:extLst>
-              <a:ext uri="{FF2B5EF4-FFF2-40B4-BE49-F238E27FC236}">
-                <a16:creationId xmlns:a16="http://schemas.microsoft.com/office/drawing/2014/main" id="{C6D9791E-0167-4003-A601-3C123F79084F}"/>
-              </a:ext>
-            </a:extLst>
-          </p:cNvPr>
-          <p:cNvSpPr>
-            <a:spLocks noGrp="1"/>
-          </p:cNvSpPr>
-          <p:nvPr>
-            <p:ph type="title"/>
-          </p:nvPr>
-        </p:nvSpPr>
-        <p:spPr/>
-        <p:txBody>
-          <a:bodyPr/>
-          <a:lstStyle/>
-          <a:p>
-            <a:r>
-              <a:rPr lang="nl-BE" dirty="0" err="1"/>
-              <a:t>DatasetCatalogus</a:t>
-            </a:r>
-            <a:r>
-              <a:rPr lang="nl-BE" dirty="0"/>
-              <a:t> – bijkomende eis 2</a:t>
-            </a:r>
-          </a:p>
-        </p:txBody>
-      </p:sp>
-      <p:sp>
-        <p:nvSpPr>
-          <p:cNvPr id="4" name="Slide Number Placeholder 3">
-            <a:extLst>
-              <a:ext uri="{FF2B5EF4-FFF2-40B4-BE49-F238E27FC236}">
-                <a16:creationId xmlns:a16="http://schemas.microsoft.com/office/drawing/2014/main" id="{D5402CBA-162B-4A49-8927-8FDA89F90A54}"/>
-              </a:ext>
-            </a:extLst>
-          </p:cNvPr>
-          <p:cNvSpPr>
-            <a:spLocks noGrp="1"/>
-          </p:cNvSpPr>
-          <p:nvPr>
-            <p:ph type="sldNum" sz="quarter" idx="4"/>
-          </p:nvPr>
-        </p:nvSpPr>
-        <p:spPr/>
-        <p:txBody>
-          <a:bodyPr/>
-          <a:lstStyle/>
-          <a:p>
-            <a:fld id="{C9C406F6-A053-43CA-AEC8-FA3EEE83A3FB}" type="slidenum">
-              <a:rPr lang="nl-BE" smtClean="0"/>
-              <a:pPr/>
-              <a:t>33</a:t>
-            </a:fld>
-            <a:endParaRPr lang="nl-BE" dirty="0"/>
-          </a:p>
-        </p:txBody>
-      </p:sp>
-    </p:spTree>
-    <p:extLst>
-      <p:ext uri="{BB962C8B-B14F-4D97-AF65-F5344CB8AC3E}">
-        <p14:creationId xmlns:p14="http://schemas.microsoft.com/office/powerpoint/2010/main" val="2198209138"/>
-      </p:ext>
-    </p:extLst>
-  </p:cSld>
-  <p:clrMapOvr>
-    <a:masterClrMapping/>
-  </p:clrMapOvr>
-</p:sld>
-</file>
-
-<file path=ppt/slides/slide34.xml><?xml version="1.0" encoding="utf-8"?>
-<p:sld xmlns:a="http://schemas.openxmlformats.org/drawingml/2006/main" xmlns:r="http://schemas.openxmlformats.org/officeDocument/2006/relationships" xmlns:p="http://schemas.openxmlformats.org/presentationml/2006/main">
-  <p:cSld>
-    <p:spTree>
-      <p:nvGrpSpPr>
-        <p:cNvPr id="1" name=""/>
-        <p:cNvGrpSpPr/>
-        <p:nvPr/>
-      </p:nvGrpSpPr>
-      <p:grpSpPr>
-        <a:xfrm>
-          <a:off x="0" y="0"/>
-          <a:ext cx="0" cy="0"/>
-          <a:chOff x="0" y="0"/>
-          <a:chExt cx="0" cy="0"/>
-        </a:xfrm>
-      </p:grpSpPr>
-      <p:sp>
-        <p:nvSpPr>
-          <p:cNvPr id="2" name="Content Placeholder 1">
-            <a:extLst>
-              <a:ext uri="{FF2B5EF4-FFF2-40B4-BE49-F238E27FC236}">
-                <a16:creationId xmlns:a16="http://schemas.microsoft.com/office/drawing/2014/main" id="{19C901E7-8D57-49FE-961B-55F068F21782}"/>
-              </a:ext>
-            </a:extLst>
-          </p:cNvPr>
-          <p:cNvSpPr>
-            <a:spLocks noGrp="1"/>
-          </p:cNvSpPr>
-          <p:nvPr>
-            <p:ph sz="quarter" idx="10"/>
-          </p:nvPr>
-        </p:nvSpPr>
-        <p:spPr/>
-        <p:txBody>
-          <a:bodyPr/>
-          <a:lstStyle/>
-          <a:p>
-            <a:r>
-              <a:rPr lang="nl-BE" dirty="0"/>
-              <a:t>Term:</a:t>
-            </a:r>
-          </a:p>
-          <a:p>
-            <a:pPr lvl="1"/>
-            <a:r>
-              <a:rPr lang="nl-BE" dirty="0"/>
-              <a:t>Dataset</a:t>
-            </a:r>
-          </a:p>
-          <a:p>
-            <a:pPr lvl="1"/>
-            <a:r>
-              <a:rPr lang="nl-BE" dirty="0"/>
-              <a:t>Generieke benaming behouden, scope niet gewijzigd</a:t>
-            </a:r>
-          </a:p>
-          <a:p>
-            <a:r>
-              <a:rPr lang="nl-BE" dirty="0"/>
-              <a:t>Definitie:</a:t>
-            </a:r>
-          </a:p>
-          <a:p>
-            <a:pPr lvl="1"/>
-            <a:r>
-              <a:rPr lang="nl-BE" dirty="0"/>
-              <a:t>Een verzameling van data, gepubliceerd en/of beheerd door een bronbeheerder, en beschikbaar in een of meerdere formaten. </a:t>
-            </a:r>
-          </a:p>
-          <a:p>
-            <a:pPr lvl="1"/>
-            <a:r>
-              <a:rPr lang="nl-BE" dirty="0"/>
-              <a:t>(vertaling van definitie uit DCAT-AP v1.1)</a:t>
-            </a:r>
-          </a:p>
-          <a:p>
-            <a:pPr lvl="1"/>
-            <a:endParaRPr lang="nl-BE" dirty="0"/>
-          </a:p>
-        </p:txBody>
-      </p:sp>
-      <p:sp>
-        <p:nvSpPr>
-          <p:cNvPr id="3" name="Title 2">
-            <a:extLst>
-              <a:ext uri="{FF2B5EF4-FFF2-40B4-BE49-F238E27FC236}">
-                <a16:creationId xmlns:a16="http://schemas.microsoft.com/office/drawing/2014/main" id="{B78D3B0A-14B2-4468-9250-753D3D948C35}"/>
-              </a:ext>
-            </a:extLst>
-          </p:cNvPr>
-          <p:cNvSpPr>
-            <a:spLocks noGrp="1"/>
-          </p:cNvSpPr>
-          <p:nvPr>
-            <p:ph type="title"/>
-          </p:nvPr>
-        </p:nvSpPr>
-        <p:spPr/>
-        <p:txBody>
-          <a:bodyPr/>
-          <a:lstStyle/>
-          <a:p>
-            <a:r>
-              <a:rPr lang="nl-BE" dirty="0"/>
-              <a:t>Dataset</a:t>
-            </a:r>
-          </a:p>
-        </p:txBody>
-      </p:sp>
-      <p:sp>
-        <p:nvSpPr>
-          <p:cNvPr id="4" name="Slide Number Placeholder 3">
-            <a:extLst>
-              <a:ext uri="{FF2B5EF4-FFF2-40B4-BE49-F238E27FC236}">
-                <a16:creationId xmlns:a16="http://schemas.microsoft.com/office/drawing/2014/main" id="{A8C61C7E-A020-4664-8EDD-F3F2DB6CDD16}"/>
-              </a:ext>
-            </a:extLst>
-          </p:cNvPr>
-          <p:cNvSpPr>
-            <a:spLocks noGrp="1"/>
-          </p:cNvSpPr>
-          <p:nvPr>
-            <p:ph type="sldNum" sz="quarter" idx="4"/>
-          </p:nvPr>
-        </p:nvSpPr>
-        <p:spPr/>
-        <p:txBody>
-          <a:bodyPr/>
-          <a:lstStyle/>
-          <a:p>
-            <a:fld id="{C9C406F6-A053-43CA-AEC8-FA3EEE83A3FB}" type="slidenum">
-              <a:rPr lang="nl-BE" smtClean="0"/>
-              <a:pPr/>
-              <a:t>34</a:t>
-            </a:fld>
-            <a:endParaRPr lang="nl-BE" dirty="0"/>
-          </a:p>
-        </p:txBody>
-      </p:sp>
-    </p:spTree>
-    <p:extLst>
-      <p:ext uri="{BB962C8B-B14F-4D97-AF65-F5344CB8AC3E}">
-        <p14:creationId xmlns:p14="http://schemas.microsoft.com/office/powerpoint/2010/main" val="4108961488"/>
-      </p:ext>
-    </p:extLst>
-  </p:cSld>
-  <p:clrMapOvr>
-    <a:masterClrMapping/>
-  </p:clrMapOvr>
-</p:sld>
-</file>
-
-<file path=ppt/slides/slide35.xml><?xml version="1.0" encoding="utf-8"?>
-<p:sld xmlns:a="http://schemas.openxmlformats.org/drawingml/2006/main" xmlns:r="http://schemas.openxmlformats.org/officeDocument/2006/relationships" xmlns:p="http://schemas.openxmlformats.org/presentationml/2006/main">
-  <p:cSld>
-    <p:spTree>
-      <p:nvGrpSpPr>
-        <p:cNvPr id="1" name=""/>
-        <p:cNvGrpSpPr/>
-        <p:nvPr/>
-      </p:nvGrpSpPr>
-      <p:grpSpPr>
-        <a:xfrm>
-          <a:off x="0" y="0"/>
-          <a:ext cx="0" cy="0"/>
-          <a:chOff x="0" y="0"/>
-          <a:chExt cx="0" cy="0"/>
-        </a:xfrm>
-      </p:grpSpPr>
-      <p:sp>
-        <p:nvSpPr>
-          <p:cNvPr id="3" name="Title 2">
-            <a:extLst>
-              <a:ext uri="{FF2B5EF4-FFF2-40B4-BE49-F238E27FC236}">
-                <a16:creationId xmlns:a16="http://schemas.microsoft.com/office/drawing/2014/main" id="{17698CF3-FC17-421B-AE55-516DED4776B4}"/>
-              </a:ext>
-            </a:extLst>
-          </p:cNvPr>
-          <p:cNvSpPr>
-            <a:spLocks noGrp="1"/>
-          </p:cNvSpPr>
-          <p:nvPr>
-            <p:ph type="title"/>
-          </p:nvPr>
-        </p:nvSpPr>
-        <p:spPr/>
-        <p:txBody>
-          <a:bodyPr/>
-          <a:lstStyle/>
-          <a:p>
-            <a:r>
-              <a:rPr lang="nl-BE" dirty="0"/>
-              <a:t>Dataset</a:t>
-            </a:r>
-          </a:p>
-        </p:txBody>
-      </p:sp>
-      <p:sp>
-        <p:nvSpPr>
-          <p:cNvPr id="4" name="Slide Number Placeholder 3">
-            <a:extLst>
-              <a:ext uri="{FF2B5EF4-FFF2-40B4-BE49-F238E27FC236}">
-                <a16:creationId xmlns:a16="http://schemas.microsoft.com/office/drawing/2014/main" id="{F7FDCC74-A962-438B-98B6-EA598710355D}"/>
-              </a:ext>
-            </a:extLst>
-          </p:cNvPr>
-          <p:cNvSpPr>
-            <a:spLocks noGrp="1"/>
-          </p:cNvSpPr>
-          <p:nvPr>
-            <p:ph type="sldNum" sz="quarter" idx="4"/>
-          </p:nvPr>
-        </p:nvSpPr>
-        <p:spPr/>
-        <p:txBody>
-          <a:bodyPr/>
-          <a:lstStyle/>
-          <a:p>
-            <a:fld id="{C9C406F6-A053-43CA-AEC8-FA3EEE83A3FB}" type="slidenum">
-              <a:rPr lang="nl-BE" smtClean="0"/>
-              <a:pPr/>
-              <a:t>35</a:t>
-            </a:fld>
-            <a:endParaRPr lang="nl-BE" dirty="0"/>
-          </a:p>
-        </p:txBody>
-      </p:sp>
-      <p:sp>
-        <p:nvSpPr>
-          <p:cNvPr id="13" name="Arrow: Chevron 12">
-            <a:extLst>
-              <a:ext uri="{FF2B5EF4-FFF2-40B4-BE49-F238E27FC236}">
-                <a16:creationId xmlns:a16="http://schemas.microsoft.com/office/drawing/2014/main" id="{C5D1D7D8-AEAA-4B1A-BC8F-83095F1B8AD7}"/>
-              </a:ext>
-            </a:extLst>
-          </p:cNvPr>
-          <p:cNvSpPr/>
-          <p:nvPr/>
-        </p:nvSpPr>
-        <p:spPr>
-          <a:xfrm>
-            <a:off x="4552122" y="2922104"/>
-            <a:ext cx="824948" cy="1808922"/>
-          </a:xfrm>
-          <a:prstGeom prst="chevron">
-            <a:avLst/>
-          </a:prstGeom>
-        </p:spPr>
-        <p:style>
-          <a:lnRef idx="2">
-            <a:schemeClr val="accent1">
-              <a:shade val="50000"/>
-            </a:schemeClr>
-          </a:lnRef>
-          <a:fillRef idx="1">
-            <a:schemeClr val="accent1"/>
-          </a:fillRef>
-          <a:effectRef idx="0">
-            <a:schemeClr val="accent1"/>
-          </a:effectRef>
-          <a:fontRef idx="minor">
-            <a:schemeClr val="lt1"/>
-          </a:fontRef>
-        </p:style>
-        <p:txBody>
-          <a:bodyPr rtlCol="0" anchor="ctr"/>
-          <a:lstStyle/>
-          <a:p>
-            <a:pPr algn="ctr"/>
-            <a:endParaRPr lang="nl-BE">
-              <a:solidFill>
-                <a:schemeClr val="tx1"/>
-              </a:solidFill>
-            </a:endParaRPr>
-          </a:p>
-        </p:txBody>
-      </p:sp>
-      <p:sp>
-        <p:nvSpPr>
-          <p:cNvPr id="14" name="TextBox 13">
-            <a:extLst>
-              <a:ext uri="{FF2B5EF4-FFF2-40B4-BE49-F238E27FC236}">
-                <a16:creationId xmlns:a16="http://schemas.microsoft.com/office/drawing/2014/main" id="{CD0C3D46-84C9-4FFA-9FEC-ED71223E131C}"/>
-              </a:ext>
-            </a:extLst>
-          </p:cNvPr>
-          <p:cNvSpPr txBox="1"/>
-          <p:nvPr/>
-        </p:nvSpPr>
-        <p:spPr>
-          <a:xfrm>
-            <a:off x="1380872" y="1393751"/>
-            <a:ext cx="1476302" cy="369204"/>
-          </a:xfrm>
-          <a:prstGeom prst="rect">
-            <a:avLst/>
-          </a:prstGeom>
-          <a:noFill/>
-        </p:spPr>
-        <p:txBody>
-          <a:bodyPr wrap="none" rtlCol="0">
-            <a:spAutoFit/>
-          </a:bodyPr>
-          <a:lstStyle/>
-          <a:p>
-            <a:r>
-              <a:rPr lang="nl-BE" dirty="0"/>
-              <a:t>DCAT-AP V1.1</a:t>
-            </a:r>
-          </a:p>
-        </p:txBody>
-      </p:sp>
-      <p:sp>
-        <p:nvSpPr>
-          <p:cNvPr id="15" name="TextBox 14">
-            <a:extLst>
-              <a:ext uri="{FF2B5EF4-FFF2-40B4-BE49-F238E27FC236}">
-                <a16:creationId xmlns:a16="http://schemas.microsoft.com/office/drawing/2014/main" id="{35263715-6767-4B20-A844-3AA330C3E17C}"/>
-              </a:ext>
-            </a:extLst>
-          </p:cNvPr>
-          <p:cNvSpPr txBox="1"/>
-          <p:nvPr/>
-        </p:nvSpPr>
-        <p:spPr>
-          <a:xfrm>
-            <a:off x="6732315" y="1393751"/>
-            <a:ext cx="2132122" cy="369204"/>
-          </a:xfrm>
-          <a:prstGeom prst="rect">
-            <a:avLst/>
-          </a:prstGeom>
-          <a:noFill/>
-        </p:spPr>
-        <p:txBody>
-          <a:bodyPr wrap="none" rtlCol="0">
-            <a:spAutoFit/>
-          </a:bodyPr>
-          <a:lstStyle/>
-          <a:p>
-            <a:r>
-              <a:rPr lang="nl-BE" dirty="0"/>
-              <a:t>DCAT-AP Vlaanderen</a:t>
-            </a:r>
-          </a:p>
-        </p:txBody>
-      </p:sp>
-      <p:pic>
-        <p:nvPicPr>
-          <p:cNvPr id="10" name="Picture 9">
-            <a:extLst>
-              <a:ext uri="{FF2B5EF4-FFF2-40B4-BE49-F238E27FC236}">
-                <a16:creationId xmlns:a16="http://schemas.microsoft.com/office/drawing/2014/main" id="{36EF2476-0618-4547-B612-DA02FCFD3B03}"/>
-              </a:ext>
-            </a:extLst>
-          </p:cNvPr>
-          <p:cNvPicPr>
-            <a:picLocks noChangeAspect="1"/>
-          </p:cNvPicPr>
-          <p:nvPr/>
-        </p:nvPicPr>
-        <p:blipFill>
-          <a:blip r:embed="rId3"/>
-          <a:stretch>
-            <a:fillRect/>
-          </a:stretch>
-        </p:blipFill>
-        <p:spPr>
-          <a:xfrm>
-            <a:off x="8810186" y="274911"/>
-            <a:ext cx="829552" cy="924606"/>
-          </a:xfrm>
-          <a:prstGeom prst="rect">
-            <a:avLst/>
-          </a:prstGeom>
-        </p:spPr>
-      </p:pic>
-      <p:pic>
-        <p:nvPicPr>
-          <p:cNvPr id="5" name="Picture 4">
-            <a:extLst>
-              <a:ext uri="{FF2B5EF4-FFF2-40B4-BE49-F238E27FC236}">
-                <a16:creationId xmlns:a16="http://schemas.microsoft.com/office/drawing/2014/main" id="{70902C98-76C6-4113-954D-7C6A21EBFB82}"/>
-              </a:ext>
-            </a:extLst>
-          </p:cNvPr>
-          <p:cNvPicPr>
-            <a:picLocks noChangeAspect="1"/>
-          </p:cNvPicPr>
-          <p:nvPr/>
-        </p:nvPicPr>
-        <p:blipFill>
-          <a:blip r:embed="rId4"/>
-          <a:stretch>
-            <a:fillRect/>
-          </a:stretch>
-        </p:blipFill>
-        <p:spPr>
-          <a:xfrm>
-            <a:off x="692435" y="1887869"/>
-            <a:ext cx="2853175" cy="3877392"/>
-          </a:xfrm>
-          <a:prstGeom prst="rect">
-            <a:avLst/>
-          </a:prstGeom>
-        </p:spPr>
-      </p:pic>
-      <p:pic>
-        <p:nvPicPr>
-          <p:cNvPr id="7" name="Picture 6">
-            <a:extLst>
-              <a:ext uri="{FF2B5EF4-FFF2-40B4-BE49-F238E27FC236}">
-                <a16:creationId xmlns:a16="http://schemas.microsoft.com/office/drawing/2014/main" id="{B6098A23-63DD-4E7B-930A-BA3C5E3191B8}"/>
-              </a:ext>
-            </a:extLst>
-          </p:cNvPr>
-          <p:cNvPicPr>
-            <a:picLocks noChangeAspect="1"/>
-          </p:cNvPicPr>
-          <p:nvPr/>
-        </p:nvPicPr>
-        <p:blipFill>
-          <a:blip r:embed="rId5"/>
-          <a:stretch>
-            <a:fillRect/>
-          </a:stretch>
-        </p:blipFill>
-        <p:spPr>
-          <a:xfrm>
-            <a:off x="6360390" y="1876615"/>
-            <a:ext cx="2853175" cy="3895682"/>
-          </a:xfrm>
-          <a:prstGeom prst="rect">
-            <a:avLst/>
-          </a:prstGeom>
-        </p:spPr>
-      </p:pic>
-    </p:spTree>
-    <p:extLst>
-      <p:ext uri="{BB962C8B-B14F-4D97-AF65-F5344CB8AC3E}">
-        <p14:creationId xmlns:p14="http://schemas.microsoft.com/office/powerpoint/2010/main" val="274362352"/>
-      </p:ext>
-    </p:extLst>
-  </p:cSld>
-  <p:clrMapOvr>
-    <a:masterClrMapping/>
-  </p:clrMapOvr>
-</p:sld>
-</file>
-
-<file path=ppt/slides/slide36.xml><?xml version="1.0" encoding="utf-8"?>
-<p:sld xmlns:a="http://schemas.openxmlformats.org/drawingml/2006/main" xmlns:r="http://schemas.openxmlformats.org/officeDocument/2006/relationships" xmlns:p="http://schemas.openxmlformats.org/presentationml/2006/main">
-  <p:cSld>
-    <p:spTree>
-      <p:nvGrpSpPr>
-        <p:cNvPr id="1" name=""/>
-        <p:cNvGrpSpPr/>
-        <p:nvPr/>
-      </p:nvGrpSpPr>
-      <p:grpSpPr>
-        <a:xfrm>
-          <a:off x="0" y="0"/>
-          <a:ext cx="0" cy="0"/>
-          <a:chOff x="0" y="0"/>
-          <a:chExt cx="0" cy="0"/>
-        </a:xfrm>
-      </p:grpSpPr>
-      <p:sp>
-        <p:nvSpPr>
-          <p:cNvPr id="2" name="Content Placeholder 1">
-            <a:extLst>
-              <a:ext uri="{FF2B5EF4-FFF2-40B4-BE49-F238E27FC236}">
-                <a16:creationId xmlns:a16="http://schemas.microsoft.com/office/drawing/2014/main" id="{A1F105F4-CFAC-4B67-A6B6-D63C1C93A0BD}"/>
-              </a:ext>
-            </a:extLst>
-          </p:cNvPr>
-          <p:cNvSpPr>
-            <a:spLocks noGrp="1"/>
-          </p:cNvSpPr>
-          <p:nvPr>
-            <p:ph sz="quarter" idx="10"/>
-          </p:nvPr>
-        </p:nvSpPr>
-        <p:spPr/>
-        <p:txBody>
-          <a:bodyPr vert="horz" lIns="91440" tIns="45720" rIns="91440" bIns="45720" rtlCol="0" anchor="t">
-            <a:normAutofit/>
-          </a:bodyPr>
-          <a:lstStyle/>
-          <a:p>
-            <a:r>
-              <a:rPr lang="nl-BE" dirty="0"/>
-              <a:t>Term</a:t>
-            </a:r>
-          </a:p>
-          <a:p>
-            <a:pPr marL="783590" lvl="1" indent="-326390"/>
-            <a:r>
-              <a:rPr lang="nl-BE" dirty="0"/>
-              <a:t>EN: </a:t>
-            </a:r>
-            <a:r>
-              <a:rPr lang="nl-BE" dirty="0" err="1"/>
-              <a:t>publisher</a:t>
-            </a:r>
-          </a:p>
-          <a:p>
-            <a:pPr marL="783590" lvl="1" indent="-326390"/>
-            <a:r>
-              <a:rPr lang="nl-BE" dirty="0"/>
-              <a:t>NL: uitgever</a:t>
-            </a:r>
-          </a:p>
-          <a:p>
-            <a:r>
-              <a:rPr lang="nl-BE" dirty="0"/>
-              <a:t>Definitie:</a:t>
-            </a:r>
-          </a:p>
-          <a:p>
-            <a:pPr marL="783590" lvl="1" indent="-326390"/>
-            <a:r>
-              <a:rPr lang="nl-BE" i="1" dirty="0"/>
-              <a:t>datasetcatalogus</a:t>
-            </a:r>
-            <a:r>
-              <a:rPr lang="nl-BE" dirty="0"/>
-              <a:t>: Deze eigenschap verwijst naar de entiteit (organisatie) die verantwoordelijk is om de Open Data Catalogus beschikbaar te stellen</a:t>
-            </a:r>
-          </a:p>
-          <a:p>
-            <a:pPr marL="783590" lvl="1" indent="-326390"/>
-            <a:r>
-              <a:rPr lang="nl-BE" i="1" dirty="0"/>
-              <a:t>Dataset. </a:t>
-            </a:r>
-            <a:r>
-              <a:rPr lang="nl-BE" dirty="0"/>
-              <a:t>Deze eigenschap verwijst naar de entiteit (organisatie) die verantwoordelijk is voor de publicatie van de dataset</a:t>
-            </a:r>
-          </a:p>
-          <a:p>
-            <a:pPr marL="783590" lvl="1" indent="-326390"/>
-            <a:endParaRPr lang="nl-BE" dirty="0"/>
-          </a:p>
-          <a:p>
-            <a:endParaRPr lang="nl-BE" dirty="0"/>
-          </a:p>
-        </p:txBody>
-      </p:sp>
-      <p:sp>
-        <p:nvSpPr>
-          <p:cNvPr id="3" name="Title 2">
-            <a:extLst>
-              <a:ext uri="{FF2B5EF4-FFF2-40B4-BE49-F238E27FC236}">
-                <a16:creationId xmlns:a16="http://schemas.microsoft.com/office/drawing/2014/main" id="{F685B416-0E6B-4513-B7A0-09B4692B87C0}"/>
-              </a:ext>
-            </a:extLst>
-          </p:cNvPr>
-          <p:cNvSpPr>
-            <a:spLocks noGrp="1"/>
-          </p:cNvSpPr>
-          <p:nvPr>
-            <p:ph type="title"/>
-          </p:nvPr>
-        </p:nvSpPr>
-        <p:spPr/>
-        <p:txBody>
-          <a:bodyPr/>
-          <a:lstStyle/>
-          <a:p>
-            <a:r>
-              <a:rPr lang="nl-BE" dirty="0"/>
-              <a:t>Terminologie - </a:t>
-            </a:r>
-            <a:r>
-              <a:rPr lang="nl-BE" dirty="0" err="1"/>
-              <a:t>publisher</a:t>
-            </a:r>
-            <a:endParaRPr lang="nl-BE" dirty="0"/>
-          </a:p>
-        </p:txBody>
-      </p:sp>
-      <p:sp>
-        <p:nvSpPr>
-          <p:cNvPr id="4" name="Slide Number Placeholder 3">
-            <a:extLst>
-              <a:ext uri="{FF2B5EF4-FFF2-40B4-BE49-F238E27FC236}">
-                <a16:creationId xmlns:a16="http://schemas.microsoft.com/office/drawing/2014/main" id="{B27F76F8-9CE0-43A2-AB6F-CDC64C5E55C4}"/>
-              </a:ext>
-            </a:extLst>
-          </p:cNvPr>
-          <p:cNvSpPr>
-            <a:spLocks noGrp="1"/>
-          </p:cNvSpPr>
-          <p:nvPr>
-            <p:ph type="sldNum" sz="quarter" idx="4"/>
-          </p:nvPr>
-        </p:nvSpPr>
-        <p:spPr/>
-        <p:txBody>
-          <a:bodyPr/>
-          <a:lstStyle/>
-          <a:p>
-            <a:fld id="{C9C406F6-A053-43CA-AEC8-FA3EEE83A3FB}" type="slidenum">
-              <a:rPr lang="nl-BE" smtClean="0"/>
-              <a:pPr/>
-              <a:t>36</a:t>
-            </a:fld>
-            <a:endParaRPr lang="nl-BE" dirty="0"/>
-          </a:p>
-        </p:txBody>
-      </p:sp>
-      <p:sp>
-        <p:nvSpPr>
-          <p:cNvPr id="5" name="Date Placeholder 4">
-            <a:extLst>
-              <a:ext uri="{FF2B5EF4-FFF2-40B4-BE49-F238E27FC236}">
-                <a16:creationId xmlns:a16="http://schemas.microsoft.com/office/drawing/2014/main" id="{8F441FC4-4E2F-417A-A0D2-304C8969CE1C}"/>
-              </a:ext>
-            </a:extLst>
-          </p:cNvPr>
-          <p:cNvSpPr>
-            <a:spLocks noGrp="1"/>
-          </p:cNvSpPr>
-          <p:nvPr>
-            <p:ph type="dt" sz="quarter" idx="4294967295"/>
-          </p:nvPr>
-        </p:nvSpPr>
-        <p:spPr>
-          <a:xfrm>
-            <a:off x="6564652" y="6603110"/>
-            <a:ext cx="2863858" cy="174732"/>
-          </a:xfrm>
-          <a:prstGeom prst="rect">
-            <a:avLst/>
-          </a:prstGeom>
-        </p:spPr>
-        <p:txBody>
-          <a:bodyPr/>
-          <a:lstStyle/>
-          <a:p>
-            <a:r>
-              <a:rPr lang="nl-BE"/>
-              <a:t>Sessie xx – titel</a:t>
-            </a:r>
-            <a:endParaRPr lang="nl-BE" dirty="0"/>
-          </a:p>
-        </p:txBody>
-      </p:sp>
-    </p:spTree>
-    <p:extLst>
-      <p:ext uri="{BB962C8B-B14F-4D97-AF65-F5344CB8AC3E}">
-        <p14:creationId xmlns:p14="http://schemas.microsoft.com/office/powerpoint/2010/main" val="2231873127"/>
-      </p:ext>
-    </p:extLst>
-  </p:cSld>
-  <p:clrMapOvr>
-    <a:masterClrMapping/>
-  </p:clrMapOvr>
-</p:sld>
-</file>
-
-<file path=ppt/slides/slide37.xml><?xml version="1.0" encoding="utf-8"?>
-<p:sld xmlns:a="http://schemas.openxmlformats.org/drawingml/2006/main" xmlns:r="http://schemas.openxmlformats.org/officeDocument/2006/relationships" xmlns:p="http://schemas.openxmlformats.org/presentationml/2006/main">
-  <p:cSld>
-    <p:spTree>
-      <p:nvGrpSpPr>
-        <p:cNvPr id="1" name=""/>
-        <p:cNvGrpSpPr/>
-        <p:nvPr/>
-      </p:nvGrpSpPr>
-      <p:grpSpPr>
-        <a:xfrm>
-          <a:off x="0" y="0"/>
-          <a:ext cx="0" cy="0"/>
-          <a:chOff x="0" y="0"/>
-          <a:chExt cx="0" cy="0"/>
-        </a:xfrm>
-      </p:grpSpPr>
-      <p:sp>
-        <p:nvSpPr>
-          <p:cNvPr id="2" name="Content Placeholder 1">
-            <a:extLst>
-              <a:ext uri="{FF2B5EF4-FFF2-40B4-BE49-F238E27FC236}">
-                <a16:creationId xmlns:a16="http://schemas.microsoft.com/office/drawing/2014/main" id="{4B4D9A4B-3FCA-4951-9421-4798E0235A3A}"/>
-              </a:ext>
-            </a:extLst>
-          </p:cNvPr>
-          <p:cNvSpPr>
-            <a:spLocks noGrp="1"/>
-          </p:cNvSpPr>
-          <p:nvPr>
-            <p:ph sz="quarter" idx="10"/>
-          </p:nvPr>
-        </p:nvSpPr>
-        <p:spPr/>
-        <p:txBody>
-          <a:bodyPr>
-            <a:normAutofit fontScale="92500" lnSpcReduction="10000"/>
-          </a:bodyPr>
-          <a:lstStyle/>
-          <a:p>
-            <a:r>
-              <a:rPr lang="nl-BE" dirty="0"/>
-              <a:t>verplicht aangeven wie de uitgever is. </a:t>
-            </a:r>
-          </a:p>
-          <a:p>
-            <a:endParaRPr lang="nl-BE" b="1" dirty="0"/>
-          </a:p>
-          <a:p>
-            <a:r>
-              <a:rPr lang="nl-BE" b="1" dirty="0"/>
-              <a:t>Verantwoording</a:t>
-            </a:r>
-            <a:r>
-              <a:rPr lang="nl-BE" dirty="0"/>
-              <a:t>:</a:t>
-            </a:r>
-          </a:p>
-          <a:p>
-            <a:pPr lvl="1"/>
-            <a:r>
-              <a:rPr lang="nl-BE" dirty="0"/>
-              <a:t>(</a:t>
-            </a:r>
-            <a:r>
-              <a:rPr lang="nl-BE" dirty="0" err="1"/>
-              <a:t>def</a:t>
-            </a:r>
-            <a:r>
-              <a:rPr lang="nl-BE" dirty="0"/>
-              <a:t>) Deze eigenschap verwijst naar de verantwoordelijke organisatie voor de publicatie van de dataset. Dikwijls is de organisatie die instaat voor (de coördinatie van) het verzamelen en samenstellen van de dataset ook de organisatie die instaat voor de verspreiding ervan. Het kan echter voorkomen dat deze verschillend is, en dan zal de  uitgevende organisatie worden opgenomen . </a:t>
-            </a:r>
-          </a:p>
-          <a:p>
-            <a:pPr lvl="1"/>
-            <a:r>
-              <a:rPr lang="nl-BE" dirty="0"/>
-              <a:t>(verantwoording) De verplichting is zinvol omdat hierdoor de eindgebruiker informatie krijgt over de beherende/publicerende organisatie van de dataset. Dit verhoogt het vertrouwen. Het zorgt ook ervoor dat er inzichtelijke rapportering kan gebeuren per organisatie.</a:t>
-            </a:r>
-          </a:p>
-          <a:p>
-            <a:endParaRPr lang="nl-BE" dirty="0"/>
-          </a:p>
-        </p:txBody>
-      </p:sp>
-      <p:sp>
-        <p:nvSpPr>
-          <p:cNvPr id="3" name="Title 2">
-            <a:extLst>
-              <a:ext uri="{FF2B5EF4-FFF2-40B4-BE49-F238E27FC236}">
-                <a16:creationId xmlns:a16="http://schemas.microsoft.com/office/drawing/2014/main" id="{E3FC79B4-0591-411F-9CBE-729A53D1EBDB}"/>
-              </a:ext>
-            </a:extLst>
-          </p:cNvPr>
-          <p:cNvSpPr>
-            <a:spLocks noGrp="1"/>
-          </p:cNvSpPr>
-          <p:nvPr>
-            <p:ph type="title"/>
-          </p:nvPr>
-        </p:nvSpPr>
-        <p:spPr/>
-        <p:txBody>
-          <a:bodyPr/>
-          <a:lstStyle/>
-          <a:p>
-            <a:r>
-              <a:rPr lang="nl-BE" dirty="0"/>
-              <a:t>Dataset – bijkomende eis 1</a:t>
-            </a:r>
-          </a:p>
-        </p:txBody>
-      </p:sp>
-      <p:sp>
-        <p:nvSpPr>
-          <p:cNvPr id="4" name="Slide Number Placeholder 3">
-            <a:extLst>
-              <a:ext uri="{FF2B5EF4-FFF2-40B4-BE49-F238E27FC236}">
-                <a16:creationId xmlns:a16="http://schemas.microsoft.com/office/drawing/2014/main" id="{B288BE80-CF76-41CB-AEB5-C1DC861DA485}"/>
-              </a:ext>
-            </a:extLst>
-          </p:cNvPr>
-          <p:cNvSpPr>
-            <a:spLocks noGrp="1"/>
-          </p:cNvSpPr>
-          <p:nvPr>
-            <p:ph type="sldNum" sz="quarter" idx="4"/>
-          </p:nvPr>
-        </p:nvSpPr>
-        <p:spPr/>
-        <p:txBody>
-          <a:bodyPr/>
-          <a:lstStyle/>
-          <a:p>
-            <a:fld id="{C9C406F6-A053-43CA-AEC8-FA3EEE83A3FB}" type="slidenum">
-              <a:rPr lang="nl-BE" smtClean="0"/>
-              <a:pPr/>
-              <a:t>37</a:t>
-            </a:fld>
-            <a:endParaRPr lang="nl-BE" dirty="0"/>
-          </a:p>
-        </p:txBody>
-      </p:sp>
-    </p:spTree>
-    <p:extLst>
-      <p:ext uri="{BB962C8B-B14F-4D97-AF65-F5344CB8AC3E}">
-        <p14:creationId xmlns:p14="http://schemas.microsoft.com/office/powerpoint/2010/main" val="2436504673"/>
-      </p:ext>
-    </p:extLst>
-  </p:cSld>
-  <p:clrMapOvr>
-    <a:masterClrMapping/>
-  </p:clrMapOvr>
-</p:sld>
-</file>
-
-<file path=ppt/slides/slide38.xml><?xml version="1.0" encoding="utf-8"?>
-<p:sld xmlns:a="http://schemas.openxmlformats.org/drawingml/2006/main" xmlns:r="http://schemas.openxmlformats.org/officeDocument/2006/relationships" xmlns:p="http://schemas.openxmlformats.org/presentationml/2006/main">
-  <p:cSld>
-    <p:spTree>
-      <p:nvGrpSpPr>
-        <p:cNvPr id="1" name=""/>
-        <p:cNvGrpSpPr/>
-        <p:nvPr/>
-      </p:nvGrpSpPr>
-      <p:grpSpPr>
-        <a:xfrm>
-          <a:off x="0" y="0"/>
-          <a:ext cx="0" cy="0"/>
-          <a:chOff x="0" y="0"/>
-          <a:chExt cx="0" cy="0"/>
-        </a:xfrm>
-      </p:grpSpPr>
-      <p:sp>
-        <p:nvSpPr>
-          <p:cNvPr id="2" name="Content Placeholder 1">
-            <a:extLst>
-              <a:ext uri="{FF2B5EF4-FFF2-40B4-BE49-F238E27FC236}">
-                <a16:creationId xmlns:a16="http://schemas.microsoft.com/office/drawing/2014/main" id="{5C4DC67E-8ECF-4D87-A789-05D074F51393}"/>
-              </a:ext>
-            </a:extLst>
-          </p:cNvPr>
-          <p:cNvSpPr>
-            <a:spLocks noGrp="1"/>
-          </p:cNvSpPr>
-          <p:nvPr>
-            <p:ph sz="quarter" idx="10"/>
-          </p:nvPr>
-        </p:nvSpPr>
-        <p:spPr/>
-        <p:txBody>
-          <a:bodyPr vert="horz" lIns="91440" tIns="45720" rIns="91440" bIns="45720" rtlCol="0" anchor="t">
-            <a:normAutofit fontScale="92500" lnSpcReduction="10000"/>
-          </a:bodyPr>
-          <a:lstStyle/>
-          <a:p>
-            <a:r>
-              <a:rPr lang="nl-BE" dirty="0"/>
-              <a:t>Het gebruiken van het organisatieregister als lijst van uitgevers. </a:t>
-            </a:r>
-          </a:p>
-          <a:p>
-            <a:endParaRPr lang="nl-BE" dirty="0"/>
-          </a:p>
-          <a:p>
-            <a:r>
-              <a:rPr lang="nl-BE" b="1" dirty="0"/>
-              <a:t>Verantwoording: </a:t>
-            </a:r>
-          </a:p>
-          <a:p>
-            <a:r>
-              <a:rPr lang="nl-BE" dirty="0"/>
-              <a:t>De uitgever is een Agent volgens DCAT-AP . </a:t>
-            </a:r>
-          </a:p>
-          <a:p>
-            <a:endParaRPr lang="nl-BE" dirty="0"/>
-          </a:p>
-          <a:p>
-            <a:r>
-              <a:rPr lang="nl-BE" dirty="0"/>
-              <a:t>Het basisregister Organisatieregister omvat alle publieke organisaties in Vlaanderen. Elk van deze organisaties heeft een unieke identificator. Het organisatieregister wordt ontsloten volgens het applicatieprofiel OSLO organisatie basis.  Een organisatie is ook gemodelleerd als een subklasse van Agent.</a:t>
-            </a:r>
-          </a:p>
-          <a:p>
-            <a:endParaRPr lang="nl-BE" dirty="0"/>
-          </a:p>
-          <a:p>
-            <a:r>
-              <a:rPr lang="nl-BE" b="1" dirty="0"/>
-              <a:t>Voorstel</a:t>
-            </a:r>
-            <a:r>
-              <a:rPr lang="nl-BE" dirty="0"/>
-              <a:t>: het gebruiken van het organisatieregister, indien die organisatie is opgenomen in het organisatieregister. </a:t>
-            </a:r>
-          </a:p>
-          <a:p>
-            <a:endParaRPr lang="nl-BE" dirty="0"/>
-          </a:p>
-        </p:txBody>
-      </p:sp>
-      <p:sp>
-        <p:nvSpPr>
-          <p:cNvPr id="3" name="Title 2">
-            <a:extLst>
-              <a:ext uri="{FF2B5EF4-FFF2-40B4-BE49-F238E27FC236}">
-                <a16:creationId xmlns:a16="http://schemas.microsoft.com/office/drawing/2014/main" id="{EA0C8C6E-ADEF-4D3F-A49B-009843480426}"/>
-              </a:ext>
-            </a:extLst>
-          </p:cNvPr>
-          <p:cNvSpPr>
-            <a:spLocks noGrp="1"/>
-          </p:cNvSpPr>
-          <p:nvPr>
-            <p:ph type="title"/>
-          </p:nvPr>
-        </p:nvSpPr>
-        <p:spPr/>
-        <p:txBody>
-          <a:bodyPr/>
-          <a:lstStyle/>
-          <a:p>
-            <a:r>
-              <a:rPr lang="nl-BE" dirty="0"/>
-              <a:t>Dataset – Bijkomende eis 1a</a:t>
-            </a:r>
-          </a:p>
-        </p:txBody>
-      </p:sp>
-      <p:sp>
-        <p:nvSpPr>
-          <p:cNvPr id="4" name="Slide Number Placeholder 3">
-            <a:extLst>
-              <a:ext uri="{FF2B5EF4-FFF2-40B4-BE49-F238E27FC236}">
-                <a16:creationId xmlns:a16="http://schemas.microsoft.com/office/drawing/2014/main" id="{60C8F52D-04CE-4154-AEC3-306D29334955}"/>
-              </a:ext>
-            </a:extLst>
-          </p:cNvPr>
-          <p:cNvSpPr>
-            <a:spLocks noGrp="1"/>
-          </p:cNvSpPr>
-          <p:nvPr>
-            <p:ph type="sldNum" sz="quarter" idx="4"/>
-          </p:nvPr>
-        </p:nvSpPr>
-        <p:spPr/>
-        <p:txBody>
-          <a:bodyPr/>
-          <a:lstStyle/>
-          <a:p>
-            <a:fld id="{C9C406F6-A053-43CA-AEC8-FA3EEE83A3FB}" type="slidenum">
-              <a:rPr lang="nl-BE" smtClean="0"/>
-              <a:pPr/>
-              <a:t>38</a:t>
-            </a:fld>
-            <a:endParaRPr lang="nl-BE" dirty="0"/>
-          </a:p>
-        </p:txBody>
-      </p:sp>
-    </p:spTree>
-    <p:extLst>
-      <p:ext uri="{BB962C8B-B14F-4D97-AF65-F5344CB8AC3E}">
-        <p14:creationId xmlns:p14="http://schemas.microsoft.com/office/powerpoint/2010/main" val="2997706118"/>
-      </p:ext>
-    </p:extLst>
-  </p:cSld>
-  <p:clrMapOvr>
-    <a:masterClrMapping/>
-  </p:clrMapOvr>
-</p:sld>
-</file>
-
-<file path=ppt/slides/slide39.xml><?xml version="1.0" encoding="utf-8"?>
-<p:sld xmlns:a="http://schemas.openxmlformats.org/drawingml/2006/main" xmlns:r="http://schemas.openxmlformats.org/officeDocument/2006/relationships" xmlns:p="http://schemas.openxmlformats.org/presentationml/2006/main">
-  <p:cSld>
-    <p:spTree>
-      <p:nvGrpSpPr>
-        <p:cNvPr id="1" name=""/>
-        <p:cNvGrpSpPr/>
-        <p:nvPr/>
-      </p:nvGrpSpPr>
-      <p:grpSpPr>
-        <a:xfrm>
-          <a:off x="0" y="0"/>
-          <a:ext cx="0" cy="0"/>
-          <a:chOff x="0" y="0"/>
-          <a:chExt cx="0" cy="0"/>
-        </a:xfrm>
-      </p:grpSpPr>
-      <p:sp>
-        <p:nvSpPr>
-          <p:cNvPr id="2" name="Content Placeholder 1">
-            <a:extLst>
-              <a:ext uri="{FF2B5EF4-FFF2-40B4-BE49-F238E27FC236}">
-                <a16:creationId xmlns:a16="http://schemas.microsoft.com/office/drawing/2014/main" id="{04F5432E-4E7D-45CB-B5DA-0CC1C406D5F6}"/>
-              </a:ext>
-            </a:extLst>
-          </p:cNvPr>
-          <p:cNvSpPr>
-            <a:spLocks noGrp="1"/>
-          </p:cNvSpPr>
-          <p:nvPr>
-            <p:ph sz="quarter" idx="10"/>
-          </p:nvPr>
-        </p:nvSpPr>
-        <p:spPr/>
-        <p:txBody>
-          <a:bodyPr/>
-          <a:lstStyle/>
-          <a:p>
-            <a:r>
-              <a:rPr lang="nl-BE" i="1" dirty="0"/>
-              <a:t>Contactgegevens zijn verplicht</a:t>
-            </a:r>
-          </a:p>
-          <a:p>
-            <a:endParaRPr lang="nl-BE" dirty="0"/>
-          </a:p>
-          <a:p>
-            <a:r>
-              <a:rPr lang="nl-BE" b="1" dirty="0"/>
-              <a:t>Verantwoording</a:t>
-            </a:r>
-            <a:r>
-              <a:rPr lang="nl-BE" dirty="0"/>
-              <a:t>: Met de eigenschap </a:t>
-            </a:r>
-            <a:r>
-              <a:rPr lang="nl-BE" i="1" dirty="0"/>
-              <a:t>contactpunt </a:t>
-            </a:r>
-            <a:r>
-              <a:rPr lang="nl-BE" dirty="0"/>
-              <a:t>wordt informatie gedeeld over hoe een gebruiker in contact kan treden met de verantwoordelijke van de dataset. Zonder deze informatie is het voor de </a:t>
-            </a:r>
-            <a:r>
-              <a:rPr lang="nl-BE" dirty="0" err="1"/>
-              <a:t>hergebruiker</a:t>
-            </a:r>
-            <a:r>
-              <a:rPr lang="nl-BE" dirty="0"/>
-              <a:t> van de data een hele inspanning om in contact te komen met de verantwoordelijke van de dataset.</a:t>
-            </a:r>
-          </a:p>
-        </p:txBody>
-      </p:sp>
-      <p:sp>
-        <p:nvSpPr>
-          <p:cNvPr id="3" name="Title 2">
-            <a:extLst>
-              <a:ext uri="{FF2B5EF4-FFF2-40B4-BE49-F238E27FC236}">
-                <a16:creationId xmlns:a16="http://schemas.microsoft.com/office/drawing/2014/main" id="{B879C396-65D8-4D3E-9251-3E10133455EF}"/>
-              </a:ext>
-            </a:extLst>
-          </p:cNvPr>
-          <p:cNvSpPr>
-            <a:spLocks noGrp="1"/>
-          </p:cNvSpPr>
-          <p:nvPr>
-            <p:ph type="title"/>
-          </p:nvPr>
-        </p:nvSpPr>
-        <p:spPr/>
-        <p:txBody>
-          <a:bodyPr/>
-          <a:lstStyle/>
-          <a:p>
-            <a:r>
-              <a:rPr lang="nl-BE" dirty="0"/>
-              <a:t>Dataset – bijkomende eis 2</a:t>
-            </a:r>
-          </a:p>
-        </p:txBody>
-      </p:sp>
-      <p:sp>
-        <p:nvSpPr>
-          <p:cNvPr id="4" name="Slide Number Placeholder 3">
-            <a:extLst>
-              <a:ext uri="{FF2B5EF4-FFF2-40B4-BE49-F238E27FC236}">
-                <a16:creationId xmlns:a16="http://schemas.microsoft.com/office/drawing/2014/main" id="{DA902386-4619-489E-8B78-6A36D3F7217E}"/>
-              </a:ext>
-            </a:extLst>
-          </p:cNvPr>
-          <p:cNvSpPr>
-            <a:spLocks noGrp="1"/>
-          </p:cNvSpPr>
-          <p:nvPr>
-            <p:ph type="sldNum" sz="quarter" idx="4"/>
-          </p:nvPr>
-        </p:nvSpPr>
-        <p:spPr/>
-        <p:txBody>
-          <a:bodyPr/>
-          <a:lstStyle/>
-          <a:p>
-            <a:fld id="{C9C406F6-A053-43CA-AEC8-FA3EEE83A3FB}" type="slidenum">
-              <a:rPr lang="nl-BE" smtClean="0"/>
-              <a:pPr/>
-              <a:t>39</a:t>
-            </a:fld>
-            <a:endParaRPr lang="nl-BE" dirty="0"/>
-          </a:p>
-        </p:txBody>
-      </p:sp>
-    </p:spTree>
-    <p:extLst>
-      <p:ext uri="{BB962C8B-B14F-4D97-AF65-F5344CB8AC3E}">
-        <p14:creationId xmlns:p14="http://schemas.microsoft.com/office/powerpoint/2010/main" val="1518932997"/>
       </p:ext>
     </p:extLst>
   </p:cSld>
@@ -21972,2237 +18705,6 @@
     <p:extLst>
       <p:ext uri="{BB962C8B-B14F-4D97-AF65-F5344CB8AC3E}">
         <p14:creationId xmlns:p14="http://schemas.microsoft.com/office/powerpoint/2010/main" val="2500607899"/>
-      </p:ext>
-    </p:extLst>
-  </p:cSld>
-  <p:clrMapOvr>
-    <a:masterClrMapping/>
-  </p:clrMapOvr>
-</p:sld>
-</file>
-
-<file path=ppt/slides/slide40.xml><?xml version="1.0" encoding="utf-8"?>
-<p:sld xmlns:a="http://schemas.openxmlformats.org/drawingml/2006/main" xmlns:r="http://schemas.openxmlformats.org/officeDocument/2006/relationships" xmlns:p="http://schemas.openxmlformats.org/presentationml/2006/main">
-  <p:cSld>
-    <p:spTree>
-      <p:nvGrpSpPr>
-        <p:cNvPr id="1" name=""/>
-        <p:cNvGrpSpPr/>
-        <p:nvPr/>
-      </p:nvGrpSpPr>
-      <p:grpSpPr>
-        <a:xfrm>
-          <a:off x="0" y="0"/>
-          <a:ext cx="0" cy="0"/>
-          <a:chOff x="0" y="0"/>
-          <a:chExt cx="0" cy="0"/>
-        </a:xfrm>
-      </p:grpSpPr>
-      <p:sp>
-        <p:nvSpPr>
-          <p:cNvPr id="2" name="Content Placeholder 1">
-            <a:extLst>
-              <a:ext uri="{FF2B5EF4-FFF2-40B4-BE49-F238E27FC236}">
-                <a16:creationId xmlns:a16="http://schemas.microsoft.com/office/drawing/2014/main" id="{12D08BA2-4AF6-4C90-8669-1A18F3C71FBC}"/>
-              </a:ext>
-            </a:extLst>
-          </p:cNvPr>
-          <p:cNvSpPr>
-            <a:spLocks noGrp="1"/>
-          </p:cNvSpPr>
-          <p:nvPr>
-            <p:ph sz="quarter" idx="10"/>
-          </p:nvPr>
-        </p:nvSpPr>
-        <p:spPr/>
-        <p:txBody>
-          <a:bodyPr vert="horz" lIns="91440" tIns="45720" rIns="91440" bIns="45720" rtlCol="0" anchor="t">
-            <a:normAutofit/>
-          </a:bodyPr>
-          <a:lstStyle/>
-          <a:p>
-            <a:r>
-              <a:rPr lang="nl-BE" dirty="0"/>
-              <a:t>Verplicht meegeven van een emailadres als contactgegevens.</a:t>
-            </a:r>
-          </a:p>
-          <a:p>
-            <a:endParaRPr lang="nl-BE" b="1" dirty="0"/>
-          </a:p>
-          <a:p>
-            <a:r>
-              <a:rPr lang="nl-BE" b="1" dirty="0"/>
-              <a:t>Verantwoording</a:t>
-            </a:r>
-            <a:r>
-              <a:rPr lang="nl-BE" dirty="0"/>
-              <a:t>: email is een algemeen beschikbaar niet-persoonsgebonden contactkanaal voor een organisatie. Het gebruik is ook laagdrempelig.</a:t>
-            </a:r>
-          </a:p>
-          <a:p>
-            <a:pPr marL="783590" lvl="1" indent="-326390"/>
-            <a:r>
-              <a:rPr lang="nl-BE" dirty="0"/>
-              <a:t>Andere gegevens zoals adres, telefoon, website of chatbox zijn optioneel.</a:t>
-            </a:r>
-          </a:p>
-        </p:txBody>
-      </p:sp>
-      <p:sp>
-        <p:nvSpPr>
-          <p:cNvPr id="3" name="Title 2">
-            <a:extLst>
-              <a:ext uri="{FF2B5EF4-FFF2-40B4-BE49-F238E27FC236}">
-                <a16:creationId xmlns:a16="http://schemas.microsoft.com/office/drawing/2014/main" id="{4DEB4C52-DA30-459A-8AAB-43A39E82E870}"/>
-              </a:ext>
-            </a:extLst>
-          </p:cNvPr>
-          <p:cNvSpPr>
-            <a:spLocks noGrp="1"/>
-          </p:cNvSpPr>
-          <p:nvPr>
-            <p:ph type="title"/>
-          </p:nvPr>
-        </p:nvSpPr>
-        <p:spPr/>
-        <p:txBody>
-          <a:bodyPr/>
-          <a:lstStyle/>
-          <a:p>
-            <a:r>
-              <a:rPr lang="nl-BE" dirty="0"/>
-              <a:t>Dataset – bijkomende eis 2a</a:t>
-            </a:r>
-          </a:p>
-        </p:txBody>
-      </p:sp>
-      <p:sp>
-        <p:nvSpPr>
-          <p:cNvPr id="4" name="Slide Number Placeholder 3">
-            <a:extLst>
-              <a:ext uri="{FF2B5EF4-FFF2-40B4-BE49-F238E27FC236}">
-                <a16:creationId xmlns:a16="http://schemas.microsoft.com/office/drawing/2014/main" id="{0348FE54-D863-4302-97B8-F0BB90E566FF}"/>
-              </a:ext>
-            </a:extLst>
-          </p:cNvPr>
-          <p:cNvSpPr>
-            <a:spLocks noGrp="1"/>
-          </p:cNvSpPr>
-          <p:nvPr>
-            <p:ph type="sldNum" sz="quarter" idx="4"/>
-          </p:nvPr>
-        </p:nvSpPr>
-        <p:spPr/>
-        <p:txBody>
-          <a:bodyPr/>
-          <a:lstStyle/>
-          <a:p>
-            <a:fld id="{C9C406F6-A053-43CA-AEC8-FA3EEE83A3FB}" type="slidenum">
-              <a:rPr lang="nl-BE" smtClean="0"/>
-              <a:pPr/>
-              <a:t>40</a:t>
-            </a:fld>
-            <a:endParaRPr lang="nl-BE" dirty="0"/>
-          </a:p>
-        </p:txBody>
-      </p:sp>
-      <p:sp>
-        <p:nvSpPr>
-          <p:cNvPr id="5" name="Date Placeholder 4">
-            <a:extLst>
-              <a:ext uri="{FF2B5EF4-FFF2-40B4-BE49-F238E27FC236}">
-                <a16:creationId xmlns:a16="http://schemas.microsoft.com/office/drawing/2014/main" id="{15C07C51-C5B1-4A56-8211-A16387FEF43A}"/>
-              </a:ext>
-            </a:extLst>
-          </p:cNvPr>
-          <p:cNvSpPr>
-            <a:spLocks noGrp="1"/>
-          </p:cNvSpPr>
-          <p:nvPr>
-            <p:ph type="dt" sz="quarter" idx="4294967295"/>
-          </p:nvPr>
-        </p:nvSpPr>
-        <p:spPr>
-          <a:xfrm>
-            <a:off x="6564652" y="6603110"/>
-            <a:ext cx="2863858" cy="174732"/>
-          </a:xfrm>
-          <a:prstGeom prst="rect">
-            <a:avLst/>
-          </a:prstGeom>
-        </p:spPr>
-        <p:txBody>
-          <a:bodyPr/>
-          <a:lstStyle/>
-          <a:p>
-            <a:r>
-              <a:rPr lang="nl-BE"/>
-              <a:t>Sessie xx – titel</a:t>
-            </a:r>
-            <a:endParaRPr lang="nl-BE" dirty="0"/>
-          </a:p>
-        </p:txBody>
-      </p:sp>
-    </p:spTree>
-    <p:extLst>
-      <p:ext uri="{BB962C8B-B14F-4D97-AF65-F5344CB8AC3E}">
-        <p14:creationId xmlns:p14="http://schemas.microsoft.com/office/powerpoint/2010/main" val="1409831280"/>
-      </p:ext>
-    </p:extLst>
-  </p:cSld>
-  <p:clrMapOvr>
-    <a:masterClrMapping/>
-  </p:clrMapOvr>
-</p:sld>
-</file>
-
-<file path=ppt/slides/slide41.xml><?xml version="1.0" encoding="utf-8"?>
-<p:sld xmlns:a="http://schemas.openxmlformats.org/drawingml/2006/main" xmlns:r="http://schemas.openxmlformats.org/officeDocument/2006/relationships" xmlns:p="http://schemas.openxmlformats.org/presentationml/2006/main">
-  <p:cSld>
-    <p:spTree>
-      <p:nvGrpSpPr>
-        <p:cNvPr id="1" name=""/>
-        <p:cNvGrpSpPr/>
-        <p:nvPr/>
-      </p:nvGrpSpPr>
-      <p:grpSpPr>
-        <a:xfrm>
-          <a:off x="0" y="0"/>
-          <a:ext cx="0" cy="0"/>
-          <a:chOff x="0" y="0"/>
-          <a:chExt cx="0" cy="0"/>
-        </a:xfrm>
-      </p:grpSpPr>
-      <p:sp>
-        <p:nvSpPr>
-          <p:cNvPr id="2" name="Content Placeholder 1">
-            <a:extLst>
-              <a:ext uri="{FF2B5EF4-FFF2-40B4-BE49-F238E27FC236}">
-                <a16:creationId xmlns:a16="http://schemas.microsoft.com/office/drawing/2014/main" id="{6CAB7ED8-5316-44F5-BB63-03E8C01824CF}"/>
-              </a:ext>
-            </a:extLst>
-          </p:cNvPr>
-          <p:cNvSpPr>
-            <a:spLocks noGrp="1"/>
-          </p:cNvSpPr>
-          <p:nvPr>
-            <p:ph sz="quarter" idx="10"/>
-          </p:nvPr>
-        </p:nvSpPr>
-        <p:spPr/>
-        <p:txBody>
-          <a:bodyPr/>
-          <a:lstStyle/>
-          <a:p>
-            <a:r>
-              <a:rPr lang="nl-BE" dirty="0"/>
-              <a:t>Elke datasetcatalogus heeft minstens 1 dataset</a:t>
-            </a:r>
-          </a:p>
-          <a:p>
-            <a:endParaRPr lang="nl-BE" dirty="0"/>
-          </a:p>
-          <a:p>
-            <a:r>
-              <a:rPr lang="nl-BE" b="1" dirty="0"/>
-              <a:t>Verantwoording</a:t>
-            </a:r>
-            <a:r>
-              <a:rPr lang="nl-BE" dirty="0"/>
-              <a:t>: Het ontsluiten van een lege datasetcatalogus is weinig zinvol.</a:t>
-            </a:r>
-          </a:p>
-        </p:txBody>
-      </p:sp>
-      <p:sp>
-        <p:nvSpPr>
-          <p:cNvPr id="3" name="Title 2">
-            <a:extLst>
-              <a:ext uri="{FF2B5EF4-FFF2-40B4-BE49-F238E27FC236}">
-                <a16:creationId xmlns:a16="http://schemas.microsoft.com/office/drawing/2014/main" id="{52FEAF15-B0AB-4E1D-9DDE-4A2BD1742767}"/>
-              </a:ext>
-            </a:extLst>
-          </p:cNvPr>
-          <p:cNvSpPr>
-            <a:spLocks noGrp="1"/>
-          </p:cNvSpPr>
-          <p:nvPr>
-            <p:ph type="title"/>
-          </p:nvPr>
-        </p:nvSpPr>
-        <p:spPr/>
-        <p:txBody>
-          <a:bodyPr/>
-          <a:lstStyle/>
-          <a:p>
-            <a:r>
-              <a:rPr lang="nl-BE" dirty="0"/>
-              <a:t>Dataset – bijkomende eis 3</a:t>
-            </a:r>
-          </a:p>
-        </p:txBody>
-      </p:sp>
-      <p:sp>
-        <p:nvSpPr>
-          <p:cNvPr id="4" name="Slide Number Placeholder 3">
-            <a:extLst>
-              <a:ext uri="{FF2B5EF4-FFF2-40B4-BE49-F238E27FC236}">
-                <a16:creationId xmlns:a16="http://schemas.microsoft.com/office/drawing/2014/main" id="{38644C02-53B3-4AC7-BFF0-D36872FA08CD}"/>
-              </a:ext>
-            </a:extLst>
-          </p:cNvPr>
-          <p:cNvSpPr>
-            <a:spLocks noGrp="1"/>
-          </p:cNvSpPr>
-          <p:nvPr>
-            <p:ph type="sldNum" sz="quarter" idx="4"/>
-          </p:nvPr>
-        </p:nvSpPr>
-        <p:spPr/>
-        <p:txBody>
-          <a:bodyPr/>
-          <a:lstStyle/>
-          <a:p>
-            <a:fld id="{C9C406F6-A053-43CA-AEC8-FA3EEE83A3FB}" type="slidenum">
-              <a:rPr lang="nl-BE" smtClean="0"/>
-              <a:pPr/>
-              <a:t>41</a:t>
-            </a:fld>
-            <a:endParaRPr lang="nl-BE" dirty="0"/>
-          </a:p>
-        </p:txBody>
-      </p:sp>
-    </p:spTree>
-    <p:extLst>
-      <p:ext uri="{BB962C8B-B14F-4D97-AF65-F5344CB8AC3E}">
-        <p14:creationId xmlns:p14="http://schemas.microsoft.com/office/powerpoint/2010/main" val="1278586913"/>
-      </p:ext>
-    </p:extLst>
-  </p:cSld>
-  <p:clrMapOvr>
-    <a:masterClrMapping/>
-  </p:clrMapOvr>
-</p:sld>
-</file>
-
-<file path=ppt/slides/slide42.xml><?xml version="1.0" encoding="utf-8"?>
-<p:sld xmlns:a="http://schemas.openxmlformats.org/drawingml/2006/main" xmlns:r="http://schemas.openxmlformats.org/officeDocument/2006/relationships" xmlns:p="http://schemas.openxmlformats.org/presentationml/2006/main">
-  <p:cSld>
-    <p:spTree>
-      <p:nvGrpSpPr>
-        <p:cNvPr id="1" name=""/>
-        <p:cNvGrpSpPr/>
-        <p:nvPr/>
-      </p:nvGrpSpPr>
-      <p:grpSpPr>
-        <a:xfrm>
-          <a:off x="0" y="0"/>
-          <a:ext cx="0" cy="0"/>
-          <a:chOff x="0" y="0"/>
-          <a:chExt cx="0" cy="0"/>
-        </a:xfrm>
-      </p:grpSpPr>
-      <p:sp>
-        <p:nvSpPr>
-          <p:cNvPr id="2" name="Content Placeholder 1">
-            <a:extLst>
-              <a:ext uri="{FF2B5EF4-FFF2-40B4-BE49-F238E27FC236}">
-                <a16:creationId xmlns:a16="http://schemas.microsoft.com/office/drawing/2014/main" id="{BD20825C-3D6F-42DA-A6B1-0FF0A2DA976F}"/>
-              </a:ext>
-            </a:extLst>
-          </p:cNvPr>
-          <p:cNvSpPr>
-            <a:spLocks noGrp="1"/>
-          </p:cNvSpPr>
-          <p:nvPr>
-            <p:ph sz="quarter" idx="10"/>
-          </p:nvPr>
-        </p:nvSpPr>
-        <p:spPr/>
-        <p:txBody>
-          <a:bodyPr/>
-          <a:lstStyle/>
-          <a:p>
-            <a:r>
-              <a:rPr lang="nl-BE" dirty="0"/>
-              <a:t>De gegevens </a:t>
-            </a:r>
-            <a:r>
-              <a:rPr lang="nl-BE" i="1" dirty="0"/>
-              <a:t>publicatiedatum </a:t>
-            </a:r>
-            <a:r>
-              <a:rPr lang="nl-BE" dirty="0"/>
-              <a:t>en </a:t>
-            </a:r>
-            <a:r>
-              <a:rPr lang="nl-BE" i="1" dirty="0"/>
-              <a:t>laatste wijziging </a:t>
-            </a:r>
-            <a:r>
-              <a:rPr lang="nl-BE" dirty="0"/>
-              <a:t>worden aanbevolen.</a:t>
-            </a:r>
-          </a:p>
-          <a:p>
-            <a:endParaRPr lang="nl-BE" dirty="0"/>
-          </a:p>
-          <a:p>
-            <a:r>
-              <a:rPr lang="nl-BE" b="1" dirty="0"/>
-              <a:t>Verantwoording</a:t>
-            </a:r>
-            <a:r>
-              <a:rPr lang="nl-BE" dirty="0"/>
-              <a:t>: deze gegevens geven inzicht in hoe recent de data is die beschikbaar wordt gesteld. </a:t>
-            </a:r>
-            <a:r>
-              <a:rPr lang="nl-BE" i="1" dirty="0"/>
-              <a:t>Aanbevolen</a:t>
-            </a:r>
-            <a:r>
-              <a:rPr lang="nl-BE" dirty="0"/>
-              <a:t> betekent dat indien deze gegevens gekend zijn deze ook moeten worden meegegeven door de dataset eigenaar. Open Data Catalogi beheerders worden dus ook aangezet om deze gegevens actief te bevragen. </a:t>
-            </a:r>
-          </a:p>
-        </p:txBody>
-      </p:sp>
-      <p:sp>
-        <p:nvSpPr>
-          <p:cNvPr id="3" name="Title 2">
-            <a:extLst>
-              <a:ext uri="{FF2B5EF4-FFF2-40B4-BE49-F238E27FC236}">
-                <a16:creationId xmlns:a16="http://schemas.microsoft.com/office/drawing/2014/main" id="{7991CA36-6DB0-4DB7-AA60-F45C9EB0382D}"/>
-              </a:ext>
-            </a:extLst>
-          </p:cNvPr>
-          <p:cNvSpPr>
-            <a:spLocks noGrp="1"/>
-          </p:cNvSpPr>
-          <p:nvPr>
-            <p:ph type="title"/>
-          </p:nvPr>
-        </p:nvSpPr>
-        <p:spPr/>
-        <p:txBody>
-          <a:bodyPr/>
-          <a:lstStyle/>
-          <a:p>
-            <a:r>
-              <a:rPr lang="nl-BE" dirty="0"/>
-              <a:t>Dataset – bijkomende eis 4</a:t>
-            </a:r>
-          </a:p>
-        </p:txBody>
-      </p:sp>
-      <p:sp>
-        <p:nvSpPr>
-          <p:cNvPr id="4" name="Slide Number Placeholder 3">
-            <a:extLst>
-              <a:ext uri="{FF2B5EF4-FFF2-40B4-BE49-F238E27FC236}">
-                <a16:creationId xmlns:a16="http://schemas.microsoft.com/office/drawing/2014/main" id="{52034B4F-2CB0-4C67-B192-8432F27F1D4F}"/>
-              </a:ext>
-            </a:extLst>
-          </p:cNvPr>
-          <p:cNvSpPr>
-            <a:spLocks noGrp="1"/>
-          </p:cNvSpPr>
-          <p:nvPr>
-            <p:ph type="sldNum" sz="quarter" idx="4"/>
-          </p:nvPr>
-        </p:nvSpPr>
-        <p:spPr/>
-        <p:txBody>
-          <a:bodyPr/>
-          <a:lstStyle/>
-          <a:p>
-            <a:fld id="{C9C406F6-A053-43CA-AEC8-FA3EEE83A3FB}" type="slidenum">
-              <a:rPr lang="nl-BE" smtClean="0"/>
-              <a:pPr/>
-              <a:t>42</a:t>
-            </a:fld>
-            <a:endParaRPr lang="nl-BE" dirty="0"/>
-          </a:p>
-        </p:txBody>
-      </p:sp>
-      <p:sp>
-        <p:nvSpPr>
-          <p:cNvPr id="5" name="Date Placeholder 4">
-            <a:extLst>
-              <a:ext uri="{FF2B5EF4-FFF2-40B4-BE49-F238E27FC236}">
-                <a16:creationId xmlns:a16="http://schemas.microsoft.com/office/drawing/2014/main" id="{1051285D-AABD-4999-91C0-109F916F1971}"/>
-              </a:ext>
-            </a:extLst>
-          </p:cNvPr>
-          <p:cNvSpPr>
-            <a:spLocks noGrp="1"/>
-          </p:cNvSpPr>
-          <p:nvPr>
-            <p:ph type="dt" sz="quarter" idx="4294967295"/>
-          </p:nvPr>
-        </p:nvSpPr>
-        <p:spPr>
-          <a:xfrm>
-            <a:off x="6564652" y="6603110"/>
-            <a:ext cx="2863858" cy="174732"/>
-          </a:xfrm>
-          <a:prstGeom prst="rect">
-            <a:avLst/>
-          </a:prstGeom>
-        </p:spPr>
-        <p:txBody>
-          <a:bodyPr/>
-          <a:lstStyle/>
-          <a:p>
-            <a:r>
-              <a:rPr lang="nl-BE"/>
-              <a:t>Sessie xx – titel</a:t>
-            </a:r>
-            <a:endParaRPr lang="nl-BE" dirty="0"/>
-          </a:p>
-        </p:txBody>
-      </p:sp>
-    </p:spTree>
-    <p:extLst>
-      <p:ext uri="{BB962C8B-B14F-4D97-AF65-F5344CB8AC3E}">
-        <p14:creationId xmlns:p14="http://schemas.microsoft.com/office/powerpoint/2010/main" val="2902247523"/>
-      </p:ext>
-    </p:extLst>
-  </p:cSld>
-  <p:clrMapOvr>
-    <a:masterClrMapping/>
-  </p:clrMapOvr>
-</p:sld>
-</file>
-
-<file path=ppt/slides/slide43.xml><?xml version="1.0" encoding="utf-8"?>
-<p:sld xmlns:a="http://schemas.openxmlformats.org/drawingml/2006/main" xmlns:r="http://schemas.openxmlformats.org/officeDocument/2006/relationships" xmlns:p="http://schemas.openxmlformats.org/presentationml/2006/main">
-  <p:cSld>
-    <p:spTree>
-      <p:nvGrpSpPr>
-        <p:cNvPr id="1" name=""/>
-        <p:cNvGrpSpPr/>
-        <p:nvPr/>
-      </p:nvGrpSpPr>
-      <p:grpSpPr>
-        <a:xfrm>
-          <a:off x="0" y="0"/>
-          <a:ext cx="0" cy="0"/>
-          <a:chOff x="0" y="0"/>
-          <a:chExt cx="0" cy="0"/>
-        </a:xfrm>
-      </p:grpSpPr>
-      <p:sp>
-        <p:nvSpPr>
-          <p:cNvPr id="2" name="Content Placeholder 1">
-            <a:extLst>
-              <a:ext uri="{FF2B5EF4-FFF2-40B4-BE49-F238E27FC236}">
-                <a16:creationId xmlns:a16="http://schemas.microsoft.com/office/drawing/2014/main" id="{5D989234-6572-4912-A6FE-63C540A3360E}"/>
-              </a:ext>
-            </a:extLst>
-          </p:cNvPr>
-          <p:cNvSpPr>
-            <a:spLocks noGrp="1"/>
-          </p:cNvSpPr>
-          <p:nvPr>
-            <p:ph sz="quarter" idx="10"/>
-          </p:nvPr>
-        </p:nvSpPr>
-        <p:spPr/>
-        <p:txBody>
-          <a:bodyPr>
-            <a:normAutofit fontScale="92500" lnSpcReduction="10000"/>
-          </a:bodyPr>
-          <a:lstStyle/>
-          <a:p>
-            <a:r>
-              <a:rPr lang="nl-BE" dirty="0"/>
-              <a:t>Access </a:t>
-            </a:r>
-            <a:r>
-              <a:rPr lang="nl-BE" dirty="0" err="1"/>
-              <a:t>rights</a:t>
-            </a:r>
-            <a:r>
-              <a:rPr lang="nl-BE" dirty="0"/>
-              <a:t> (</a:t>
-            </a:r>
-            <a:r>
-              <a:rPr lang="nl-BE" i="1" dirty="0" err="1"/>
-              <a:t>dct:accessRights</a:t>
-            </a:r>
-            <a:r>
-              <a:rPr lang="nl-BE" dirty="0"/>
-              <a:t>)	</a:t>
-            </a:r>
-          </a:p>
-          <a:p>
-            <a:r>
-              <a:rPr lang="en-US" dirty="0"/>
-              <a:t>This property refers to information that indicates whether the Dataset is open data, has access restrictions or is not public. A controlled vocabulary with three members (:public, :restricted, :non-public) will be created and maintained by the Publications Office of the EU. </a:t>
-            </a:r>
-          </a:p>
-          <a:p>
-            <a:endParaRPr lang="en-US" dirty="0"/>
-          </a:p>
-          <a:p>
-            <a:r>
-              <a:rPr lang="en-US" b="1" dirty="0" err="1"/>
-              <a:t>Voorstel</a:t>
-            </a:r>
-            <a:r>
-              <a:rPr lang="en-US" dirty="0"/>
-              <a:t>: </a:t>
-            </a:r>
-            <a:r>
-              <a:rPr lang="en-US" dirty="0" err="1"/>
-              <a:t>heet</a:t>
-            </a:r>
-            <a:r>
-              <a:rPr lang="en-US" dirty="0"/>
-              <a:t> </a:t>
-            </a:r>
-            <a:r>
-              <a:rPr lang="en-US" dirty="0" err="1"/>
-              <a:t>enkel</a:t>
-            </a:r>
-            <a:r>
-              <a:rPr lang="en-US" dirty="0"/>
-              <a:t>, </a:t>
-            </a:r>
-            <a:r>
-              <a:rPr lang="en-US" dirty="0" err="1"/>
-              <a:t>en</a:t>
-            </a:r>
-            <a:r>
-              <a:rPr lang="en-US" dirty="0"/>
-              <a:t> </a:t>
-            </a:r>
-            <a:r>
-              <a:rPr lang="en-US" dirty="0" err="1"/>
-              <a:t>verplicht</a:t>
-            </a:r>
-            <a:r>
-              <a:rPr lang="en-US" dirty="0"/>
-              <a:t> de </a:t>
-            </a:r>
-            <a:r>
-              <a:rPr lang="en-US" dirty="0" err="1"/>
-              <a:t>waarde</a:t>
-            </a:r>
-            <a:r>
-              <a:rPr lang="en-US" dirty="0"/>
-              <a:t> :public.</a:t>
-            </a:r>
-          </a:p>
-          <a:p>
-            <a:endParaRPr lang="en-US" dirty="0"/>
-          </a:p>
-          <a:p>
-            <a:r>
-              <a:rPr lang="en-US" b="1" dirty="0" err="1"/>
-              <a:t>Verantwoording</a:t>
-            </a:r>
-            <a:r>
-              <a:rPr lang="en-US" dirty="0"/>
-              <a:t>: </a:t>
-            </a:r>
-            <a:r>
-              <a:rPr lang="en-US" dirty="0" err="1"/>
-              <a:t>voor</a:t>
-            </a:r>
-            <a:r>
-              <a:rPr lang="en-US" dirty="0"/>
-              <a:t> </a:t>
-            </a:r>
-            <a:r>
-              <a:rPr lang="en-US" dirty="0" err="1"/>
-              <a:t>een</a:t>
-            </a:r>
-            <a:r>
-              <a:rPr lang="en-US" dirty="0"/>
-              <a:t> dataset </a:t>
-            </a:r>
-            <a:r>
-              <a:rPr lang="en-US" dirty="0" err="1"/>
-              <a:t>dat</a:t>
-            </a:r>
-            <a:r>
-              <a:rPr lang="en-US" dirty="0"/>
-              <a:t> </a:t>
-            </a:r>
-            <a:r>
-              <a:rPr lang="en-US" dirty="0" err="1"/>
-              <a:t>voldoet</a:t>
-            </a:r>
-            <a:r>
-              <a:rPr lang="en-US" dirty="0"/>
-              <a:t> </a:t>
-            </a:r>
-            <a:r>
-              <a:rPr lang="en-US" dirty="0" err="1"/>
-              <a:t>aan</a:t>
-            </a:r>
-            <a:r>
-              <a:rPr lang="en-US" dirty="0"/>
-              <a:t> het </a:t>
-            </a:r>
-            <a:r>
-              <a:rPr lang="en-US" dirty="0" err="1"/>
-              <a:t>applicatieprofiel</a:t>
-            </a:r>
-            <a:r>
-              <a:rPr lang="en-US" dirty="0"/>
-              <a:t> DCAT-AP </a:t>
-            </a:r>
-            <a:r>
-              <a:rPr lang="en-US" dirty="0" err="1"/>
-              <a:t>Vlaanderen</a:t>
-            </a:r>
-            <a:r>
-              <a:rPr lang="en-US" dirty="0"/>
-              <a:t>: </a:t>
-            </a:r>
-            <a:r>
-              <a:rPr lang="en-US" dirty="0" err="1"/>
-              <a:t>namelijk</a:t>
-            </a:r>
-            <a:r>
-              <a:rPr lang="en-US" dirty="0"/>
-              <a:t> </a:t>
-            </a:r>
-            <a:r>
-              <a:rPr lang="en-US" dirty="0" err="1"/>
-              <a:t>een</a:t>
-            </a:r>
-            <a:r>
-              <a:rPr lang="en-US" dirty="0"/>
-              <a:t> Open Data </a:t>
-            </a:r>
-            <a:r>
-              <a:rPr lang="en-US" dirty="0" err="1"/>
-              <a:t>catalogus</a:t>
-            </a:r>
-            <a:r>
-              <a:rPr lang="en-US" dirty="0"/>
-              <a:t> is </a:t>
-            </a:r>
-            <a:r>
-              <a:rPr lang="en-US" dirty="0" err="1"/>
-              <a:t>dit</a:t>
-            </a:r>
-            <a:r>
-              <a:rPr lang="en-US" dirty="0"/>
-              <a:t> de </a:t>
-            </a:r>
-            <a:r>
-              <a:rPr lang="en-US" dirty="0" err="1"/>
-              <a:t>natuurlijke</a:t>
-            </a:r>
-            <a:r>
-              <a:rPr lang="en-US" dirty="0"/>
-              <a:t> </a:t>
-            </a:r>
-            <a:r>
-              <a:rPr lang="en-US" dirty="0" err="1"/>
-              <a:t>invulling</a:t>
-            </a:r>
-            <a:r>
-              <a:rPr lang="en-US" dirty="0"/>
-              <a:t>.</a:t>
-            </a:r>
-          </a:p>
-          <a:p>
-            <a:r>
-              <a:rPr lang="en-US" dirty="0" err="1"/>
-              <a:t>Codelijst</a:t>
-            </a:r>
-            <a:r>
-              <a:rPr lang="en-US" dirty="0"/>
-              <a:t>: http://publications.europa.eu/mdr/authority/access-right/index.html	</a:t>
-            </a:r>
-          </a:p>
-          <a:p>
-            <a:endParaRPr lang="nl-BE" i="1" dirty="0"/>
-          </a:p>
-        </p:txBody>
-      </p:sp>
-      <p:sp>
-        <p:nvSpPr>
-          <p:cNvPr id="3" name="Title 2">
-            <a:extLst>
-              <a:ext uri="{FF2B5EF4-FFF2-40B4-BE49-F238E27FC236}">
-                <a16:creationId xmlns:a16="http://schemas.microsoft.com/office/drawing/2014/main" id="{36BC458E-2963-4DF7-B5C3-BB35B062C142}"/>
-              </a:ext>
-            </a:extLst>
-          </p:cNvPr>
-          <p:cNvSpPr>
-            <a:spLocks noGrp="1"/>
-          </p:cNvSpPr>
-          <p:nvPr>
-            <p:ph type="title"/>
-          </p:nvPr>
-        </p:nvSpPr>
-        <p:spPr/>
-        <p:txBody>
-          <a:bodyPr/>
-          <a:lstStyle/>
-          <a:p>
-            <a:r>
-              <a:rPr lang="nl-BE" dirty="0"/>
-              <a:t>Dataset -  bijkomende eis 5</a:t>
-            </a:r>
-          </a:p>
-        </p:txBody>
-      </p:sp>
-      <p:sp>
-        <p:nvSpPr>
-          <p:cNvPr id="4" name="Slide Number Placeholder 3">
-            <a:extLst>
-              <a:ext uri="{FF2B5EF4-FFF2-40B4-BE49-F238E27FC236}">
-                <a16:creationId xmlns:a16="http://schemas.microsoft.com/office/drawing/2014/main" id="{8889DC00-952A-4BBE-B377-3DB7F35418E8}"/>
-              </a:ext>
-            </a:extLst>
-          </p:cNvPr>
-          <p:cNvSpPr>
-            <a:spLocks noGrp="1"/>
-          </p:cNvSpPr>
-          <p:nvPr>
-            <p:ph type="sldNum" sz="quarter" idx="4"/>
-          </p:nvPr>
-        </p:nvSpPr>
-        <p:spPr/>
-        <p:txBody>
-          <a:bodyPr/>
-          <a:lstStyle/>
-          <a:p>
-            <a:fld id="{C9C406F6-A053-43CA-AEC8-FA3EEE83A3FB}" type="slidenum">
-              <a:rPr lang="nl-BE" smtClean="0"/>
-              <a:pPr/>
-              <a:t>43</a:t>
-            </a:fld>
-            <a:endParaRPr lang="nl-BE" dirty="0"/>
-          </a:p>
-        </p:txBody>
-      </p:sp>
-    </p:spTree>
-    <p:extLst>
-      <p:ext uri="{BB962C8B-B14F-4D97-AF65-F5344CB8AC3E}">
-        <p14:creationId xmlns:p14="http://schemas.microsoft.com/office/powerpoint/2010/main" val="1566302039"/>
-      </p:ext>
-    </p:extLst>
-  </p:cSld>
-  <p:clrMapOvr>
-    <a:masterClrMapping/>
-  </p:clrMapOvr>
-</p:sld>
-</file>
-
-<file path=ppt/slides/slide44.xml><?xml version="1.0" encoding="utf-8"?>
-<p:sld xmlns:a="http://schemas.openxmlformats.org/drawingml/2006/main" xmlns:r="http://schemas.openxmlformats.org/officeDocument/2006/relationships" xmlns:p="http://schemas.openxmlformats.org/presentationml/2006/main">
-  <p:cSld>
-    <p:spTree>
-      <p:nvGrpSpPr>
-        <p:cNvPr id="1" name=""/>
-        <p:cNvGrpSpPr/>
-        <p:nvPr/>
-      </p:nvGrpSpPr>
-      <p:grpSpPr>
-        <a:xfrm>
-          <a:off x="0" y="0"/>
-          <a:ext cx="0" cy="0"/>
-          <a:chOff x="0" y="0"/>
-          <a:chExt cx="0" cy="0"/>
-        </a:xfrm>
-      </p:grpSpPr>
-      <p:sp>
-        <p:nvSpPr>
-          <p:cNvPr id="2" name="Content Placeholder 1">
-            <a:extLst>
-              <a:ext uri="{FF2B5EF4-FFF2-40B4-BE49-F238E27FC236}">
-                <a16:creationId xmlns:a16="http://schemas.microsoft.com/office/drawing/2014/main" id="{648385F8-043D-402A-B944-F2F5A706FEEA}"/>
-              </a:ext>
-            </a:extLst>
-          </p:cNvPr>
-          <p:cNvSpPr>
-            <a:spLocks noGrp="1"/>
-          </p:cNvSpPr>
-          <p:nvPr>
-            <p:ph sz="quarter" idx="10"/>
-          </p:nvPr>
-        </p:nvSpPr>
-        <p:spPr/>
-        <p:txBody>
-          <a:bodyPr>
-            <a:normAutofit/>
-          </a:bodyPr>
-          <a:lstStyle/>
-          <a:p>
-            <a:r>
-              <a:rPr lang="nl-BE" dirty="0"/>
-              <a:t>Term:</a:t>
-            </a:r>
-          </a:p>
-          <a:p>
-            <a:pPr lvl="1"/>
-            <a:r>
-              <a:rPr lang="nl-BE" dirty="0"/>
-              <a:t>Distributie</a:t>
-            </a:r>
-          </a:p>
-          <a:p>
-            <a:pPr lvl="1"/>
-            <a:r>
-              <a:rPr lang="nl-BE" i="1" dirty="0"/>
-              <a:t>Generieke term behouden</a:t>
-            </a:r>
-          </a:p>
-          <a:p>
-            <a:r>
-              <a:rPr lang="nl-BE" dirty="0"/>
-              <a:t>Definitie:</a:t>
-            </a:r>
-          </a:p>
-          <a:p>
-            <a:pPr lvl="1"/>
-            <a:r>
-              <a:rPr lang="nl-BE" dirty="0"/>
-              <a:t>Een dataset stelt een conceptuele entiteit van een verzameling van data voor. De effectief ontsloten vorm noemen we een distributie. Elke distributie is de </a:t>
-            </a:r>
-            <a:r>
-              <a:rPr lang="nl-BE" dirty="0" err="1"/>
-              <a:t>serialisatie</a:t>
-            </a:r>
-            <a:r>
-              <a:rPr lang="nl-BE" dirty="0"/>
-              <a:t> van de dataset in een formaat. Een distributie kan een downloadbaar bestand maar ook een API zijn. </a:t>
-            </a:r>
-          </a:p>
-          <a:p>
-            <a:pPr lvl="1"/>
-            <a:r>
-              <a:rPr lang="nl-BE" i="1" dirty="0"/>
-              <a:t>Nota: in de w3c review van DCAT wordt de semantiek nauwer omdat de notie van een Distribution Data service wordt ingevoerd om API af te </a:t>
-            </a:r>
-            <a:r>
-              <a:rPr lang="nl-BE" i="1"/>
-              <a:t>dekken.</a:t>
-            </a:r>
-            <a:endParaRPr lang="nl-BE" i="1" dirty="0"/>
-          </a:p>
-        </p:txBody>
-      </p:sp>
-      <p:sp>
-        <p:nvSpPr>
-          <p:cNvPr id="3" name="Title 2">
-            <a:extLst>
-              <a:ext uri="{FF2B5EF4-FFF2-40B4-BE49-F238E27FC236}">
-                <a16:creationId xmlns:a16="http://schemas.microsoft.com/office/drawing/2014/main" id="{C51D2532-ACB1-477F-AAE0-6B836DC21B94}"/>
-              </a:ext>
-            </a:extLst>
-          </p:cNvPr>
-          <p:cNvSpPr>
-            <a:spLocks noGrp="1"/>
-          </p:cNvSpPr>
-          <p:nvPr>
-            <p:ph type="title"/>
-          </p:nvPr>
-        </p:nvSpPr>
-        <p:spPr/>
-        <p:txBody>
-          <a:bodyPr/>
-          <a:lstStyle/>
-          <a:p>
-            <a:r>
-              <a:rPr lang="nl-BE" dirty="0"/>
-              <a:t>Distributie</a:t>
-            </a:r>
-          </a:p>
-        </p:txBody>
-      </p:sp>
-      <p:sp>
-        <p:nvSpPr>
-          <p:cNvPr id="4" name="Slide Number Placeholder 3">
-            <a:extLst>
-              <a:ext uri="{FF2B5EF4-FFF2-40B4-BE49-F238E27FC236}">
-                <a16:creationId xmlns:a16="http://schemas.microsoft.com/office/drawing/2014/main" id="{30CDA7EA-6FFB-444F-8733-B884DE816843}"/>
-              </a:ext>
-            </a:extLst>
-          </p:cNvPr>
-          <p:cNvSpPr>
-            <a:spLocks noGrp="1"/>
-          </p:cNvSpPr>
-          <p:nvPr>
-            <p:ph type="sldNum" sz="quarter" idx="4"/>
-          </p:nvPr>
-        </p:nvSpPr>
-        <p:spPr/>
-        <p:txBody>
-          <a:bodyPr/>
-          <a:lstStyle/>
-          <a:p>
-            <a:fld id="{C9C406F6-A053-43CA-AEC8-FA3EEE83A3FB}" type="slidenum">
-              <a:rPr lang="nl-BE" smtClean="0"/>
-              <a:pPr/>
-              <a:t>44</a:t>
-            </a:fld>
-            <a:endParaRPr lang="nl-BE" dirty="0"/>
-          </a:p>
-        </p:txBody>
-      </p:sp>
-      <p:sp>
-        <p:nvSpPr>
-          <p:cNvPr id="5" name="Date Placeholder 4">
-            <a:extLst>
-              <a:ext uri="{FF2B5EF4-FFF2-40B4-BE49-F238E27FC236}">
-                <a16:creationId xmlns:a16="http://schemas.microsoft.com/office/drawing/2014/main" id="{160DEBB9-4FC7-4345-ABFA-DD72F81EAED8}"/>
-              </a:ext>
-            </a:extLst>
-          </p:cNvPr>
-          <p:cNvSpPr>
-            <a:spLocks noGrp="1"/>
-          </p:cNvSpPr>
-          <p:nvPr>
-            <p:ph type="dt" sz="quarter" idx="4294967295"/>
-          </p:nvPr>
-        </p:nvSpPr>
-        <p:spPr>
-          <a:xfrm>
-            <a:off x="6564652" y="6603110"/>
-            <a:ext cx="2863858" cy="174732"/>
-          </a:xfrm>
-          <a:prstGeom prst="rect">
-            <a:avLst/>
-          </a:prstGeom>
-        </p:spPr>
-        <p:txBody>
-          <a:bodyPr/>
-          <a:lstStyle/>
-          <a:p>
-            <a:r>
-              <a:rPr lang="nl-BE"/>
-              <a:t>Sessie xx – titel</a:t>
-            </a:r>
-            <a:endParaRPr lang="nl-BE" dirty="0"/>
-          </a:p>
-        </p:txBody>
-      </p:sp>
-    </p:spTree>
-    <p:extLst>
-      <p:ext uri="{BB962C8B-B14F-4D97-AF65-F5344CB8AC3E}">
-        <p14:creationId xmlns:p14="http://schemas.microsoft.com/office/powerpoint/2010/main" val="3741493111"/>
-      </p:ext>
-    </p:extLst>
-  </p:cSld>
-  <p:clrMapOvr>
-    <a:masterClrMapping/>
-  </p:clrMapOvr>
-</p:sld>
-</file>
-
-<file path=ppt/slides/slide45.xml><?xml version="1.0" encoding="utf-8"?>
-<p:sld xmlns:a="http://schemas.openxmlformats.org/drawingml/2006/main" xmlns:r="http://schemas.openxmlformats.org/officeDocument/2006/relationships" xmlns:p="http://schemas.openxmlformats.org/presentationml/2006/main">
-  <p:cSld>
-    <p:spTree>
-      <p:nvGrpSpPr>
-        <p:cNvPr id="1" name=""/>
-        <p:cNvGrpSpPr/>
-        <p:nvPr/>
-      </p:nvGrpSpPr>
-      <p:grpSpPr>
-        <a:xfrm>
-          <a:off x="0" y="0"/>
-          <a:ext cx="0" cy="0"/>
-          <a:chOff x="0" y="0"/>
-          <a:chExt cx="0" cy="0"/>
-        </a:xfrm>
-      </p:grpSpPr>
-      <p:sp>
-        <p:nvSpPr>
-          <p:cNvPr id="3" name="Title 2">
-            <a:extLst>
-              <a:ext uri="{FF2B5EF4-FFF2-40B4-BE49-F238E27FC236}">
-                <a16:creationId xmlns:a16="http://schemas.microsoft.com/office/drawing/2014/main" id="{17698CF3-FC17-421B-AE55-516DED4776B4}"/>
-              </a:ext>
-            </a:extLst>
-          </p:cNvPr>
-          <p:cNvSpPr>
-            <a:spLocks noGrp="1"/>
-          </p:cNvSpPr>
-          <p:nvPr>
-            <p:ph type="title"/>
-          </p:nvPr>
-        </p:nvSpPr>
-        <p:spPr/>
-        <p:txBody>
-          <a:bodyPr/>
-          <a:lstStyle/>
-          <a:p>
-            <a:r>
-              <a:rPr lang="nl-BE" dirty="0"/>
-              <a:t>Distributie</a:t>
-            </a:r>
-          </a:p>
-        </p:txBody>
-      </p:sp>
-      <p:sp>
-        <p:nvSpPr>
-          <p:cNvPr id="4" name="Slide Number Placeholder 3">
-            <a:extLst>
-              <a:ext uri="{FF2B5EF4-FFF2-40B4-BE49-F238E27FC236}">
-                <a16:creationId xmlns:a16="http://schemas.microsoft.com/office/drawing/2014/main" id="{F7FDCC74-A962-438B-98B6-EA598710355D}"/>
-              </a:ext>
-            </a:extLst>
-          </p:cNvPr>
-          <p:cNvSpPr>
-            <a:spLocks noGrp="1"/>
-          </p:cNvSpPr>
-          <p:nvPr>
-            <p:ph type="sldNum" sz="quarter" idx="4"/>
-          </p:nvPr>
-        </p:nvSpPr>
-        <p:spPr/>
-        <p:txBody>
-          <a:bodyPr/>
-          <a:lstStyle/>
-          <a:p>
-            <a:fld id="{C9C406F6-A053-43CA-AEC8-FA3EEE83A3FB}" type="slidenum">
-              <a:rPr lang="nl-BE" smtClean="0"/>
-              <a:pPr/>
-              <a:t>45</a:t>
-            </a:fld>
-            <a:endParaRPr lang="nl-BE" dirty="0"/>
-          </a:p>
-        </p:txBody>
-      </p:sp>
-      <p:sp>
-        <p:nvSpPr>
-          <p:cNvPr id="5" name="Date Placeholder 4">
-            <a:extLst>
-              <a:ext uri="{FF2B5EF4-FFF2-40B4-BE49-F238E27FC236}">
-                <a16:creationId xmlns:a16="http://schemas.microsoft.com/office/drawing/2014/main" id="{E96A9458-1DBC-4F8C-AA9F-D43273249EE8}"/>
-              </a:ext>
-            </a:extLst>
-          </p:cNvPr>
-          <p:cNvSpPr>
-            <a:spLocks noGrp="1"/>
-          </p:cNvSpPr>
-          <p:nvPr>
-            <p:ph type="dt" sz="quarter" idx="4294967295"/>
-          </p:nvPr>
-        </p:nvSpPr>
-        <p:spPr>
-          <a:xfrm>
-            <a:off x="6564652" y="6603110"/>
-            <a:ext cx="2863858" cy="174732"/>
-          </a:xfrm>
-          <a:prstGeom prst="rect">
-            <a:avLst/>
-          </a:prstGeom>
-        </p:spPr>
-        <p:txBody>
-          <a:bodyPr/>
-          <a:lstStyle/>
-          <a:p>
-            <a:r>
-              <a:rPr lang="nl-BE"/>
-              <a:t>Sessie xx – titel</a:t>
-            </a:r>
-            <a:endParaRPr lang="nl-BE" dirty="0"/>
-          </a:p>
-        </p:txBody>
-      </p:sp>
-      <p:sp>
-        <p:nvSpPr>
-          <p:cNvPr id="13" name="Arrow: Chevron 12">
-            <a:extLst>
-              <a:ext uri="{FF2B5EF4-FFF2-40B4-BE49-F238E27FC236}">
-                <a16:creationId xmlns:a16="http://schemas.microsoft.com/office/drawing/2014/main" id="{C5D1D7D8-AEAA-4B1A-BC8F-83095F1B8AD7}"/>
-              </a:ext>
-            </a:extLst>
-          </p:cNvPr>
-          <p:cNvSpPr/>
-          <p:nvPr/>
-        </p:nvSpPr>
-        <p:spPr>
-          <a:xfrm>
-            <a:off x="4552122" y="2922104"/>
-            <a:ext cx="824948" cy="1808922"/>
-          </a:xfrm>
-          <a:prstGeom prst="chevron">
-            <a:avLst/>
-          </a:prstGeom>
-        </p:spPr>
-        <p:style>
-          <a:lnRef idx="2">
-            <a:schemeClr val="accent1">
-              <a:shade val="50000"/>
-            </a:schemeClr>
-          </a:lnRef>
-          <a:fillRef idx="1">
-            <a:schemeClr val="accent1"/>
-          </a:fillRef>
-          <a:effectRef idx="0">
-            <a:schemeClr val="accent1"/>
-          </a:effectRef>
-          <a:fontRef idx="minor">
-            <a:schemeClr val="lt1"/>
-          </a:fontRef>
-        </p:style>
-        <p:txBody>
-          <a:bodyPr rtlCol="0" anchor="ctr"/>
-          <a:lstStyle/>
-          <a:p>
-            <a:pPr algn="ctr"/>
-            <a:endParaRPr lang="nl-BE">
-              <a:solidFill>
-                <a:schemeClr val="tx1"/>
-              </a:solidFill>
-            </a:endParaRPr>
-          </a:p>
-        </p:txBody>
-      </p:sp>
-      <p:sp>
-        <p:nvSpPr>
-          <p:cNvPr id="14" name="TextBox 13">
-            <a:extLst>
-              <a:ext uri="{FF2B5EF4-FFF2-40B4-BE49-F238E27FC236}">
-                <a16:creationId xmlns:a16="http://schemas.microsoft.com/office/drawing/2014/main" id="{CD0C3D46-84C9-4FFA-9FEC-ED71223E131C}"/>
-              </a:ext>
-            </a:extLst>
-          </p:cNvPr>
-          <p:cNvSpPr txBox="1"/>
-          <p:nvPr/>
-        </p:nvSpPr>
-        <p:spPr>
-          <a:xfrm>
-            <a:off x="1389616" y="1393751"/>
-            <a:ext cx="1476302" cy="369204"/>
-          </a:xfrm>
-          <a:prstGeom prst="rect">
-            <a:avLst/>
-          </a:prstGeom>
-          <a:noFill/>
-        </p:spPr>
-        <p:txBody>
-          <a:bodyPr wrap="none" rtlCol="0">
-            <a:spAutoFit/>
-          </a:bodyPr>
-          <a:lstStyle/>
-          <a:p>
-            <a:r>
-              <a:rPr lang="nl-BE" dirty="0"/>
-              <a:t>DCAT-AP V1.1</a:t>
-            </a:r>
-          </a:p>
-        </p:txBody>
-      </p:sp>
-      <p:sp>
-        <p:nvSpPr>
-          <p:cNvPr id="15" name="TextBox 14">
-            <a:extLst>
-              <a:ext uri="{FF2B5EF4-FFF2-40B4-BE49-F238E27FC236}">
-                <a16:creationId xmlns:a16="http://schemas.microsoft.com/office/drawing/2014/main" id="{35263715-6767-4B20-A844-3AA330C3E17C}"/>
-              </a:ext>
-            </a:extLst>
-          </p:cNvPr>
-          <p:cNvSpPr txBox="1"/>
-          <p:nvPr/>
-        </p:nvSpPr>
-        <p:spPr>
-          <a:xfrm>
-            <a:off x="6735364" y="1393751"/>
-            <a:ext cx="2132122" cy="369204"/>
-          </a:xfrm>
-          <a:prstGeom prst="rect">
-            <a:avLst/>
-          </a:prstGeom>
-          <a:noFill/>
-        </p:spPr>
-        <p:txBody>
-          <a:bodyPr wrap="none" rtlCol="0">
-            <a:spAutoFit/>
-          </a:bodyPr>
-          <a:lstStyle/>
-          <a:p>
-            <a:r>
-              <a:rPr lang="nl-BE" dirty="0"/>
-              <a:t>DCAT-AP Vlaanderen</a:t>
-            </a:r>
-          </a:p>
-        </p:txBody>
-      </p:sp>
-      <p:pic>
-        <p:nvPicPr>
-          <p:cNvPr id="10" name="Picture 9">
-            <a:extLst>
-              <a:ext uri="{FF2B5EF4-FFF2-40B4-BE49-F238E27FC236}">
-                <a16:creationId xmlns:a16="http://schemas.microsoft.com/office/drawing/2014/main" id="{BB5F30A0-DA26-4555-BF36-5A11E6DF48DA}"/>
-              </a:ext>
-            </a:extLst>
-          </p:cNvPr>
-          <p:cNvPicPr>
-            <a:picLocks noChangeAspect="1"/>
-          </p:cNvPicPr>
-          <p:nvPr/>
-        </p:nvPicPr>
-        <p:blipFill>
-          <a:blip r:embed="rId2"/>
-          <a:stretch>
-            <a:fillRect/>
-          </a:stretch>
-        </p:blipFill>
-        <p:spPr>
-          <a:xfrm>
-            <a:off x="8810186" y="274911"/>
-            <a:ext cx="829552" cy="924606"/>
-          </a:xfrm>
-          <a:prstGeom prst="rect">
-            <a:avLst/>
-          </a:prstGeom>
-        </p:spPr>
-      </p:pic>
-      <p:pic>
-        <p:nvPicPr>
-          <p:cNvPr id="7" name="Picture 6">
-            <a:extLst>
-              <a:ext uri="{FF2B5EF4-FFF2-40B4-BE49-F238E27FC236}">
-                <a16:creationId xmlns:a16="http://schemas.microsoft.com/office/drawing/2014/main" id="{69ADC668-FAE4-4737-9479-35C8062AAC54}"/>
-              </a:ext>
-            </a:extLst>
-          </p:cNvPr>
-          <p:cNvPicPr>
-            <a:picLocks noChangeAspect="1"/>
-          </p:cNvPicPr>
-          <p:nvPr/>
-        </p:nvPicPr>
-        <p:blipFill>
-          <a:blip r:embed="rId3"/>
-          <a:stretch>
-            <a:fillRect/>
-          </a:stretch>
-        </p:blipFill>
-        <p:spPr>
-          <a:xfrm>
-            <a:off x="674939" y="1977060"/>
-            <a:ext cx="2859272" cy="3877392"/>
-          </a:xfrm>
-          <a:prstGeom prst="rect">
-            <a:avLst/>
-          </a:prstGeom>
-        </p:spPr>
-      </p:pic>
-      <p:pic>
-        <p:nvPicPr>
-          <p:cNvPr id="8" name="Picture 7">
-            <a:extLst>
-              <a:ext uri="{FF2B5EF4-FFF2-40B4-BE49-F238E27FC236}">
-                <a16:creationId xmlns:a16="http://schemas.microsoft.com/office/drawing/2014/main" id="{20BBEC38-AADE-4B8B-AB1C-A74959C1F981}"/>
-              </a:ext>
-            </a:extLst>
-          </p:cNvPr>
-          <p:cNvPicPr>
-            <a:picLocks noChangeAspect="1"/>
-          </p:cNvPicPr>
-          <p:nvPr/>
-        </p:nvPicPr>
-        <p:blipFill>
-          <a:blip r:embed="rId4"/>
-          <a:stretch>
-            <a:fillRect/>
-          </a:stretch>
-        </p:blipFill>
-        <p:spPr>
-          <a:xfrm>
-            <a:off x="6371789" y="1903902"/>
-            <a:ext cx="2859272" cy="3950550"/>
-          </a:xfrm>
-          <a:prstGeom prst="rect">
-            <a:avLst/>
-          </a:prstGeom>
-        </p:spPr>
-      </p:pic>
-    </p:spTree>
-    <p:extLst>
-      <p:ext uri="{BB962C8B-B14F-4D97-AF65-F5344CB8AC3E}">
-        <p14:creationId xmlns:p14="http://schemas.microsoft.com/office/powerpoint/2010/main" val="528966309"/>
-      </p:ext>
-    </p:extLst>
-  </p:cSld>
-  <p:clrMapOvr>
-    <a:masterClrMapping/>
-  </p:clrMapOvr>
-</p:sld>
-</file>
-
-<file path=ppt/slides/slide46.xml><?xml version="1.0" encoding="utf-8"?>
-<p:sld xmlns:a="http://schemas.openxmlformats.org/drawingml/2006/main" xmlns:r="http://schemas.openxmlformats.org/officeDocument/2006/relationships" xmlns:p="http://schemas.openxmlformats.org/presentationml/2006/main">
-  <p:cSld>
-    <p:spTree>
-      <p:nvGrpSpPr>
-        <p:cNvPr id="1" name=""/>
-        <p:cNvGrpSpPr/>
-        <p:nvPr/>
-      </p:nvGrpSpPr>
-      <p:grpSpPr>
-        <a:xfrm>
-          <a:off x="0" y="0"/>
-          <a:ext cx="0" cy="0"/>
-          <a:chOff x="0" y="0"/>
-          <a:chExt cx="0" cy="0"/>
-        </a:xfrm>
-      </p:grpSpPr>
-      <p:sp>
-        <p:nvSpPr>
-          <p:cNvPr id="2" name="Content Placeholder 1">
-            <a:extLst>
-              <a:ext uri="{FF2B5EF4-FFF2-40B4-BE49-F238E27FC236}">
-                <a16:creationId xmlns:a16="http://schemas.microsoft.com/office/drawing/2014/main" id="{239A0C5A-37B2-4F4D-A554-94D5334A27CD}"/>
-              </a:ext>
-            </a:extLst>
-          </p:cNvPr>
-          <p:cNvSpPr>
-            <a:spLocks noGrp="1"/>
-          </p:cNvSpPr>
-          <p:nvPr>
-            <p:ph sz="quarter" idx="10"/>
-          </p:nvPr>
-        </p:nvSpPr>
-        <p:spPr/>
-        <p:txBody>
-          <a:bodyPr/>
-          <a:lstStyle/>
-          <a:p>
-            <a:r>
-              <a:rPr lang="nl-BE" dirty="0"/>
-              <a:t>titel is verplicht</a:t>
-            </a:r>
-          </a:p>
-          <a:p>
-            <a:r>
-              <a:rPr lang="nl-BE" b="1" dirty="0"/>
-              <a:t>Verantwoording</a:t>
-            </a:r>
-            <a:r>
-              <a:rPr lang="nl-BE" dirty="0"/>
-              <a:t>: Deze bijkomende eis is er ter ondersteuning van de menselijke exploratie van de Open Data catalogus. Vanuit het perspectief van een machinale verwerking van de catalogus is de meerwaarde beperkt. Echter in een Open Data portaal laat deze titel toe om betekenisvolle links en hints te geven over een distributie</a:t>
-            </a:r>
-          </a:p>
-        </p:txBody>
-      </p:sp>
-      <p:sp>
-        <p:nvSpPr>
-          <p:cNvPr id="3" name="Title 2">
-            <a:extLst>
-              <a:ext uri="{FF2B5EF4-FFF2-40B4-BE49-F238E27FC236}">
-                <a16:creationId xmlns:a16="http://schemas.microsoft.com/office/drawing/2014/main" id="{874BD520-3BAF-4923-8B63-8DE91FB1FAA9}"/>
-              </a:ext>
-            </a:extLst>
-          </p:cNvPr>
-          <p:cNvSpPr>
-            <a:spLocks noGrp="1"/>
-          </p:cNvSpPr>
-          <p:nvPr>
-            <p:ph type="title"/>
-          </p:nvPr>
-        </p:nvSpPr>
-        <p:spPr/>
-        <p:txBody>
-          <a:bodyPr/>
-          <a:lstStyle/>
-          <a:p>
-            <a:r>
-              <a:rPr lang="nl-BE" dirty="0"/>
-              <a:t>Distributie – bijkomende eis 1</a:t>
-            </a:r>
-          </a:p>
-        </p:txBody>
-      </p:sp>
-      <p:sp>
-        <p:nvSpPr>
-          <p:cNvPr id="4" name="Slide Number Placeholder 3">
-            <a:extLst>
-              <a:ext uri="{FF2B5EF4-FFF2-40B4-BE49-F238E27FC236}">
-                <a16:creationId xmlns:a16="http://schemas.microsoft.com/office/drawing/2014/main" id="{5973845B-961A-4295-A549-60C400FD66E0}"/>
-              </a:ext>
-            </a:extLst>
-          </p:cNvPr>
-          <p:cNvSpPr>
-            <a:spLocks noGrp="1"/>
-          </p:cNvSpPr>
-          <p:nvPr>
-            <p:ph type="sldNum" sz="quarter" idx="4"/>
-          </p:nvPr>
-        </p:nvSpPr>
-        <p:spPr/>
-        <p:txBody>
-          <a:bodyPr/>
-          <a:lstStyle/>
-          <a:p>
-            <a:fld id="{C9C406F6-A053-43CA-AEC8-FA3EEE83A3FB}" type="slidenum">
-              <a:rPr lang="nl-BE" smtClean="0"/>
-              <a:pPr/>
-              <a:t>46</a:t>
-            </a:fld>
-            <a:endParaRPr lang="nl-BE" dirty="0"/>
-          </a:p>
-        </p:txBody>
-      </p:sp>
-      <p:sp>
-        <p:nvSpPr>
-          <p:cNvPr id="5" name="Date Placeholder 4">
-            <a:extLst>
-              <a:ext uri="{FF2B5EF4-FFF2-40B4-BE49-F238E27FC236}">
-                <a16:creationId xmlns:a16="http://schemas.microsoft.com/office/drawing/2014/main" id="{8A231EBB-7E32-455B-8BE1-729C967A6102}"/>
-              </a:ext>
-            </a:extLst>
-          </p:cNvPr>
-          <p:cNvSpPr>
-            <a:spLocks noGrp="1"/>
-          </p:cNvSpPr>
-          <p:nvPr>
-            <p:ph type="dt" sz="quarter" idx="4294967295"/>
-          </p:nvPr>
-        </p:nvSpPr>
-        <p:spPr>
-          <a:xfrm>
-            <a:off x="6564652" y="6603110"/>
-            <a:ext cx="2863858" cy="174732"/>
-          </a:xfrm>
-          <a:prstGeom prst="rect">
-            <a:avLst/>
-          </a:prstGeom>
-        </p:spPr>
-        <p:txBody>
-          <a:bodyPr/>
-          <a:lstStyle/>
-          <a:p>
-            <a:r>
-              <a:rPr lang="nl-BE"/>
-              <a:t>Sessie xx – titel</a:t>
-            </a:r>
-            <a:endParaRPr lang="nl-BE" dirty="0"/>
-          </a:p>
-        </p:txBody>
-      </p:sp>
-    </p:spTree>
-    <p:extLst>
-      <p:ext uri="{BB962C8B-B14F-4D97-AF65-F5344CB8AC3E}">
-        <p14:creationId xmlns:p14="http://schemas.microsoft.com/office/powerpoint/2010/main" val="446352272"/>
-      </p:ext>
-    </p:extLst>
-  </p:cSld>
-  <p:clrMapOvr>
-    <a:masterClrMapping/>
-  </p:clrMapOvr>
-</p:sld>
-</file>
-
-<file path=ppt/slides/slide47.xml><?xml version="1.0" encoding="utf-8"?>
-<p:sld xmlns:a="http://schemas.openxmlformats.org/drawingml/2006/main" xmlns:r="http://schemas.openxmlformats.org/officeDocument/2006/relationships" xmlns:p="http://schemas.openxmlformats.org/presentationml/2006/main">
-  <p:cSld>
-    <p:spTree>
-      <p:nvGrpSpPr>
-        <p:cNvPr id="1" name=""/>
-        <p:cNvGrpSpPr/>
-        <p:nvPr/>
-      </p:nvGrpSpPr>
-      <p:grpSpPr>
-        <a:xfrm>
-          <a:off x="0" y="0"/>
-          <a:ext cx="0" cy="0"/>
-          <a:chOff x="0" y="0"/>
-          <a:chExt cx="0" cy="0"/>
-        </a:xfrm>
-      </p:grpSpPr>
-      <p:sp>
-        <p:nvSpPr>
-          <p:cNvPr id="2" name="Content Placeholder 1">
-            <a:extLst>
-              <a:ext uri="{FF2B5EF4-FFF2-40B4-BE49-F238E27FC236}">
-                <a16:creationId xmlns:a16="http://schemas.microsoft.com/office/drawing/2014/main" id="{239A0C5A-37B2-4F4D-A554-94D5334A27CD}"/>
-              </a:ext>
-            </a:extLst>
-          </p:cNvPr>
-          <p:cNvSpPr>
-            <a:spLocks noGrp="1"/>
-          </p:cNvSpPr>
-          <p:nvPr>
-            <p:ph sz="quarter" idx="10"/>
-          </p:nvPr>
-        </p:nvSpPr>
-        <p:spPr/>
-        <p:txBody>
-          <a:bodyPr/>
-          <a:lstStyle/>
-          <a:p>
-            <a:r>
-              <a:rPr lang="nl-BE" dirty="0"/>
-              <a:t>beschrijving is verplicht</a:t>
-            </a:r>
-          </a:p>
-          <a:p>
-            <a:r>
-              <a:rPr lang="nl-BE" b="1" dirty="0"/>
-              <a:t>Verantwoording</a:t>
-            </a:r>
-            <a:r>
-              <a:rPr lang="nl-BE" dirty="0"/>
-              <a:t>: Deze verstrenging is er ter ondersteuning van de menselijke exploratie van de Open Data catalogus. Vanuit het perspectief van een machinale verwerking van de catalogus is de meerwaarde beperkt. Echter in een Open Data portaal laat deze beschrijving toe om betekenisvolle links en hints te geven over een distributie</a:t>
-            </a:r>
-          </a:p>
-        </p:txBody>
-      </p:sp>
-      <p:sp>
-        <p:nvSpPr>
-          <p:cNvPr id="3" name="Title 2">
-            <a:extLst>
-              <a:ext uri="{FF2B5EF4-FFF2-40B4-BE49-F238E27FC236}">
-                <a16:creationId xmlns:a16="http://schemas.microsoft.com/office/drawing/2014/main" id="{874BD520-3BAF-4923-8B63-8DE91FB1FAA9}"/>
-              </a:ext>
-            </a:extLst>
-          </p:cNvPr>
-          <p:cNvSpPr>
-            <a:spLocks noGrp="1"/>
-          </p:cNvSpPr>
-          <p:nvPr>
-            <p:ph type="title"/>
-          </p:nvPr>
-        </p:nvSpPr>
-        <p:spPr/>
-        <p:txBody>
-          <a:bodyPr/>
-          <a:lstStyle/>
-          <a:p>
-            <a:r>
-              <a:rPr lang="nl-BE" dirty="0"/>
-              <a:t>Distributie – bijkomende eis 2</a:t>
-            </a:r>
-          </a:p>
-        </p:txBody>
-      </p:sp>
-      <p:sp>
-        <p:nvSpPr>
-          <p:cNvPr id="4" name="Slide Number Placeholder 3">
-            <a:extLst>
-              <a:ext uri="{FF2B5EF4-FFF2-40B4-BE49-F238E27FC236}">
-                <a16:creationId xmlns:a16="http://schemas.microsoft.com/office/drawing/2014/main" id="{5973845B-961A-4295-A549-60C400FD66E0}"/>
-              </a:ext>
-            </a:extLst>
-          </p:cNvPr>
-          <p:cNvSpPr>
-            <a:spLocks noGrp="1"/>
-          </p:cNvSpPr>
-          <p:nvPr>
-            <p:ph type="sldNum" sz="quarter" idx="4"/>
-          </p:nvPr>
-        </p:nvSpPr>
-        <p:spPr/>
-        <p:txBody>
-          <a:bodyPr/>
-          <a:lstStyle/>
-          <a:p>
-            <a:fld id="{C9C406F6-A053-43CA-AEC8-FA3EEE83A3FB}" type="slidenum">
-              <a:rPr lang="nl-BE" smtClean="0"/>
-              <a:pPr/>
-              <a:t>47</a:t>
-            </a:fld>
-            <a:endParaRPr lang="nl-BE" dirty="0"/>
-          </a:p>
-        </p:txBody>
-      </p:sp>
-      <p:sp>
-        <p:nvSpPr>
-          <p:cNvPr id="5" name="Date Placeholder 4">
-            <a:extLst>
-              <a:ext uri="{FF2B5EF4-FFF2-40B4-BE49-F238E27FC236}">
-                <a16:creationId xmlns:a16="http://schemas.microsoft.com/office/drawing/2014/main" id="{8A231EBB-7E32-455B-8BE1-729C967A6102}"/>
-              </a:ext>
-            </a:extLst>
-          </p:cNvPr>
-          <p:cNvSpPr>
-            <a:spLocks noGrp="1"/>
-          </p:cNvSpPr>
-          <p:nvPr>
-            <p:ph type="dt" sz="quarter" idx="4294967295"/>
-          </p:nvPr>
-        </p:nvSpPr>
-        <p:spPr>
-          <a:xfrm>
-            <a:off x="6564652" y="6603110"/>
-            <a:ext cx="2863858" cy="174732"/>
-          </a:xfrm>
-          <a:prstGeom prst="rect">
-            <a:avLst/>
-          </a:prstGeom>
-        </p:spPr>
-        <p:txBody>
-          <a:bodyPr/>
-          <a:lstStyle/>
-          <a:p>
-            <a:r>
-              <a:rPr lang="nl-BE"/>
-              <a:t>Sessie xx – titel</a:t>
-            </a:r>
-            <a:endParaRPr lang="nl-BE" dirty="0"/>
-          </a:p>
-        </p:txBody>
-      </p:sp>
-    </p:spTree>
-    <p:extLst>
-      <p:ext uri="{BB962C8B-B14F-4D97-AF65-F5344CB8AC3E}">
-        <p14:creationId xmlns:p14="http://schemas.microsoft.com/office/powerpoint/2010/main" val="3433752761"/>
-      </p:ext>
-    </p:extLst>
-  </p:cSld>
-  <p:clrMapOvr>
-    <a:masterClrMapping/>
-  </p:clrMapOvr>
-</p:sld>
-</file>
-
-<file path=ppt/slides/slide48.xml><?xml version="1.0" encoding="utf-8"?>
-<p:sld xmlns:a="http://schemas.openxmlformats.org/drawingml/2006/main" xmlns:r="http://schemas.openxmlformats.org/officeDocument/2006/relationships" xmlns:p="http://schemas.openxmlformats.org/presentationml/2006/main">
-  <p:cSld>
-    <p:spTree>
-      <p:nvGrpSpPr>
-        <p:cNvPr id="1" name=""/>
-        <p:cNvGrpSpPr/>
-        <p:nvPr/>
-      </p:nvGrpSpPr>
-      <p:grpSpPr>
-        <a:xfrm>
-          <a:off x="0" y="0"/>
-          <a:ext cx="0" cy="0"/>
-          <a:chOff x="0" y="0"/>
-          <a:chExt cx="0" cy="0"/>
-        </a:xfrm>
-      </p:grpSpPr>
-      <p:sp>
-        <p:nvSpPr>
-          <p:cNvPr id="2" name="Content Placeholder 1">
-            <a:extLst>
-              <a:ext uri="{FF2B5EF4-FFF2-40B4-BE49-F238E27FC236}">
-                <a16:creationId xmlns:a16="http://schemas.microsoft.com/office/drawing/2014/main" id="{0254A352-7A0A-4448-B17B-378414ECE9FE}"/>
-              </a:ext>
-            </a:extLst>
-          </p:cNvPr>
-          <p:cNvSpPr>
-            <a:spLocks noGrp="1"/>
-          </p:cNvSpPr>
-          <p:nvPr>
-            <p:ph sz="quarter" idx="10"/>
-          </p:nvPr>
-        </p:nvSpPr>
-        <p:spPr/>
-        <p:txBody>
-          <a:bodyPr vert="horz" lIns="91440" tIns="45720" rIns="91440" bIns="45720" rtlCol="0" anchor="t">
-            <a:normAutofit/>
-          </a:bodyPr>
-          <a:lstStyle/>
-          <a:p>
-            <a:r>
-              <a:rPr lang="nl-BE" i="1" dirty="0"/>
-              <a:t>Licentie is verplicht</a:t>
-            </a:r>
-            <a:endParaRPr lang="nl-BE" dirty="0"/>
-          </a:p>
-          <a:p>
-            <a:r>
-              <a:rPr lang="nl-BE" b="1" dirty="0"/>
-              <a:t>Verantwoording</a:t>
-            </a:r>
-            <a:r>
-              <a:rPr lang="nl-BE" dirty="0"/>
-              <a:t>: Een licentie geeft de voorwaarden weer waaronder  de distributie van de dataset kan worden (her)gebruikt worden.</a:t>
-            </a:r>
-          </a:p>
-          <a:p>
-            <a:r>
-              <a:rPr lang="en-US" dirty="0" err="1"/>
-              <a:t>Indien</a:t>
-            </a:r>
-            <a:r>
-              <a:rPr lang="en-US" dirty="0"/>
-              <a:t> </a:t>
-            </a:r>
-            <a:r>
-              <a:rPr lang="en-US" dirty="0" err="1"/>
-              <a:t>geen</a:t>
-            </a:r>
-            <a:r>
-              <a:rPr lang="en-US" dirty="0"/>
-              <a:t> </a:t>
-            </a:r>
-            <a:r>
-              <a:rPr lang="en-US" dirty="0" err="1"/>
-              <a:t>licentie</a:t>
-            </a:r>
-            <a:r>
-              <a:rPr lang="en-US" dirty="0"/>
-              <a:t> </a:t>
-            </a:r>
-            <a:r>
-              <a:rPr lang="en-US" dirty="0" err="1"/>
-              <a:t>opgegeven</a:t>
-            </a:r>
-            <a:r>
-              <a:rPr lang="en-US" dirty="0"/>
-              <a:t> is het </a:t>
-            </a:r>
-            <a:r>
-              <a:rPr lang="en-US" dirty="0" err="1"/>
-              <a:t>voor</a:t>
-            </a:r>
-            <a:r>
-              <a:rPr lang="en-US" dirty="0"/>
-              <a:t> de (her)</a:t>
-            </a:r>
-            <a:r>
-              <a:rPr lang="en-US" dirty="0" err="1"/>
-              <a:t>gebruiker</a:t>
-            </a:r>
-            <a:r>
-              <a:rPr lang="en-US" dirty="0"/>
-              <a:t> </a:t>
-            </a:r>
-            <a:r>
-              <a:rPr lang="en-US" dirty="0" err="1"/>
-              <a:t>niet</a:t>
-            </a:r>
-            <a:r>
-              <a:rPr lang="en-US" dirty="0"/>
-              <a:t> </a:t>
-            </a:r>
-            <a:r>
-              <a:rPr lang="en-US" dirty="0" err="1"/>
-              <a:t>duidelijk</a:t>
-            </a:r>
-            <a:r>
-              <a:rPr lang="en-US" dirty="0"/>
-              <a:t> of, of </a:t>
-            </a:r>
-            <a:r>
-              <a:rPr lang="en-US" dirty="0" err="1"/>
-              <a:t>tegen</a:t>
-            </a:r>
-            <a:r>
-              <a:rPr lang="en-US" dirty="0"/>
-              <a:t> </a:t>
-            </a:r>
-            <a:r>
-              <a:rPr lang="en-US" dirty="0" err="1"/>
-              <a:t>welke</a:t>
-            </a:r>
-            <a:r>
-              <a:rPr lang="en-US" dirty="0"/>
-              <a:t> </a:t>
-            </a:r>
-            <a:r>
-              <a:rPr lang="en-US" dirty="0" err="1"/>
-              <a:t>voorwaarden</a:t>
-            </a:r>
-            <a:r>
-              <a:rPr lang="en-US" dirty="0"/>
-              <a:t> </a:t>
-            </a:r>
-            <a:r>
-              <a:rPr lang="en-US" dirty="0" err="1"/>
-              <a:t>deze</a:t>
-            </a:r>
-            <a:r>
-              <a:rPr lang="en-US" dirty="0"/>
-              <a:t> dataset (via </a:t>
-            </a:r>
-            <a:r>
-              <a:rPr lang="en-US" dirty="0" err="1"/>
-              <a:t>deze</a:t>
-            </a:r>
-            <a:r>
-              <a:rPr lang="en-US" dirty="0"/>
-              <a:t> </a:t>
-            </a:r>
-            <a:r>
-              <a:rPr lang="en-US" dirty="0" err="1"/>
-              <a:t>distributie</a:t>
-            </a:r>
-            <a:r>
-              <a:rPr lang="en-US" dirty="0"/>
-              <a:t>) </a:t>
-            </a:r>
-            <a:r>
-              <a:rPr lang="en-US" dirty="0" err="1"/>
-              <a:t>kan</a:t>
-            </a:r>
-            <a:r>
-              <a:rPr lang="en-US" dirty="0"/>
-              <a:t>/mag </a:t>
-            </a:r>
-            <a:r>
-              <a:rPr lang="en-US" dirty="0" err="1"/>
-              <a:t>gebruikt</a:t>
-            </a:r>
-            <a:r>
-              <a:rPr lang="en-US" dirty="0"/>
-              <a:t> </a:t>
-            </a:r>
-            <a:r>
-              <a:rPr lang="en-US" dirty="0" err="1"/>
-              <a:t>worden</a:t>
-            </a:r>
-            <a:r>
-              <a:rPr lang="en-US" dirty="0"/>
-              <a:t>.</a:t>
-            </a:r>
-            <a:endParaRPr lang="nl-BE" dirty="0"/>
-          </a:p>
-        </p:txBody>
-      </p:sp>
-      <p:sp>
-        <p:nvSpPr>
-          <p:cNvPr id="3" name="Title 2">
-            <a:extLst>
-              <a:ext uri="{FF2B5EF4-FFF2-40B4-BE49-F238E27FC236}">
-                <a16:creationId xmlns:a16="http://schemas.microsoft.com/office/drawing/2014/main" id="{4AFEE405-4280-4BE6-8CC9-C0E198459052}"/>
-              </a:ext>
-            </a:extLst>
-          </p:cNvPr>
-          <p:cNvSpPr>
-            <a:spLocks noGrp="1"/>
-          </p:cNvSpPr>
-          <p:nvPr>
-            <p:ph type="title"/>
-          </p:nvPr>
-        </p:nvSpPr>
-        <p:spPr/>
-        <p:txBody>
-          <a:bodyPr/>
-          <a:lstStyle/>
-          <a:p>
-            <a:r>
-              <a:rPr lang="nl-BE" dirty="0"/>
-              <a:t>Distributie -  bijkomende eis 3</a:t>
-            </a:r>
-          </a:p>
-        </p:txBody>
-      </p:sp>
-      <p:sp>
-        <p:nvSpPr>
-          <p:cNvPr id="4" name="Slide Number Placeholder 3">
-            <a:extLst>
-              <a:ext uri="{FF2B5EF4-FFF2-40B4-BE49-F238E27FC236}">
-                <a16:creationId xmlns:a16="http://schemas.microsoft.com/office/drawing/2014/main" id="{C262446A-8C42-4484-8D7D-B0D6B8382605}"/>
-              </a:ext>
-            </a:extLst>
-          </p:cNvPr>
-          <p:cNvSpPr>
-            <a:spLocks noGrp="1"/>
-          </p:cNvSpPr>
-          <p:nvPr>
-            <p:ph type="sldNum" sz="quarter" idx="4"/>
-          </p:nvPr>
-        </p:nvSpPr>
-        <p:spPr/>
-        <p:txBody>
-          <a:bodyPr/>
-          <a:lstStyle/>
-          <a:p>
-            <a:fld id="{C9C406F6-A053-43CA-AEC8-FA3EEE83A3FB}" type="slidenum">
-              <a:rPr lang="nl-BE" smtClean="0"/>
-              <a:pPr/>
-              <a:t>48</a:t>
-            </a:fld>
-            <a:endParaRPr lang="nl-BE" dirty="0"/>
-          </a:p>
-        </p:txBody>
-      </p:sp>
-      <p:sp>
-        <p:nvSpPr>
-          <p:cNvPr id="5" name="Date Placeholder 4">
-            <a:extLst>
-              <a:ext uri="{FF2B5EF4-FFF2-40B4-BE49-F238E27FC236}">
-                <a16:creationId xmlns:a16="http://schemas.microsoft.com/office/drawing/2014/main" id="{C0F1B312-3C2C-4ED4-872E-2FA49EDBEA1D}"/>
-              </a:ext>
-            </a:extLst>
-          </p:cNvPr>
-          <p:cNvSpPr>
-            <a:spLocks noGrp="1"/>
-          </p:cNvSpPr>
-          <p:nvPr>
-            <p:ph type="dt" sz="quarter" idx="4294967295"/>
-          </p:nvPr>
-        </p:nvSpPr>
-        <p:spPr>
-          <a:xfrm>
-            <a:off x="6564652" y="6603110"/>
-            <a:ext cx="2863858" cy="174732"/>
-          </a:xfrm>
-          <a:prstGeom prst="rect">
-            <a:avLst/>
-          </a:prstGeom>
-        </p:spPr>
-        <p:txBody>
-          <a:bodyPr/>
-          <a:lstStyle/>
-          <a:p>
-            <a:r>
-              <a:rPr lang="nl-BE"/>
-              <a:t>Sessie xx – titel</a:t>
-            </a:r>
-            <a:endParaRPr lang="nl-BE" dirty="0"/>
-          </a:p>
-        </p:txBody>
-      </p:sp>
-    </p:spTree>
-    <p:extLst>
-      <p:ext uri="{BB962C8B-B14F-4D97-AF65-F5344CB8AC3E}">
-        <p14:creationId xmlns:p14="http://schemas.microsoft.com/office/powerpoint/2010/main" val="3168692777"/>
-      </p:ext>
-    </p:extLst>
-  </p:cSld>
-  <p:clrMapOvr>
-    <a:masterClrMapping/>
-  </p:clrMapOvr>
-</p:sld>
-</file>
-
-<file path=ppt/slides/slide49.xml><?xml version="1.0" encoding="utf-8"?>
-<p:sld xmlns:a="http://schemas.openxmlformats.org/drawingml/2006/main" xmlns:r="http://schemas.openxmlformats.org/officeDocument/2006/relationships" xmlns:p="http://schemas.openxmlformats.org/presentationml/2006/main">
-  <p:cSld>
-    <p:spTree>
-      <p:nvGrpSpPr>
-        <p:cNvPr id="1" name=""/>
-        <p:cNvGrpSpPr/>
-        <p:nvPr/>
-      </p:nvGrpSpPr>
-      <p:grpSpPr>
-        <a:xfrm>
-          <a:off x="0" y="0"/>
-          <a:ext cx="0" cy="0"/>
-          <a:chOff x="0" y="0"/>
-          <a:chExt cx="0" cy="0"/>
-        </a:xfrm>
-      </p:grpSpPr>
-      <p:sp>
-        <p:nvSpPr>
-          <p:cNvPr id="2" name="Content Placeholder 1">
-            <a:extLst>
-              <a:ext uri="{FF2B5EF4-FFF2-40B4-BE49-F238E27FC236}">
-                <a16:creationId xmlns:a16="http://schemas.microsoft.com/office/drawing/2014/main" id="{92B29C4F-CD19-4CBB-BAAC-E3788A5676E3}"/>
-              </a:ext>
-            </a:extLst>
-          </p:cNvPr>
-          <p:cNvSpPr>
-            <a:spLocks noGrp="1"/>
-          </p:cNvSpPr>
-          <p:nvPr>
-            <p:ph sz="quarter" idx="10"/>
-          </p:nvPr>
-        </p:nvSpPr>
-        <p:spPr/>
-        <p:txBody>
-          <a:bodyPr/>
-          <a:lstStyle/>
-          <a:p>
-            <a:r>
-              <a:rPr lang="nl-BE" dirty="0"/>
-              <a:t>keuze van licentie</a:t>
-            </a:r>
-          </a:p>
-          <a:p>
-            <a:pPr lvl="1"/>
-            <a:r>
-              <a:rPr lang="nl-BE" dirty="0"/>
-              <a:t>Er wordt geadviseerd om hiervoor de </a:t>
-            </a:r>
-            <a:r>
-              <a:rPr lang="nl-BE" dirty="0" err="1"/>
-              <a:t>URIs</a:t>
-            </a:r>
-            <a:r>
-              <a:rPr lang="nl-BE" dirty="0"/>
-              <a:t> overeenkomstig Vlaams decreet hergebruik van overheidsinformatie te gebruiken. Zie </a:t>
-            </a:r>
-            <a:r>
-              <a:rPr lang="nl-BE" u="sng" dirty="0">
-                <a:hlinkClick r:id="rId2"/>
-              </a:rPr>
-              <a:t>https://data.vlaanderen.be/doc/licentie/</a:t>
-            </a:r>
-            <a:r>
-              <a:rPr lang="nl-BE" dirty="0"/>
-              <a:t>.</a:t>
-            </a:r>
-          </a:p>
-          <a:p>
-            <a:pPr lvl="1"/>
-            <a:r>
-              <a:rPr lang="nl-BE" dirty="0"/>
-              <a:t>Eigen licenties zijn toegestaan. Echter dan moeten ze beschreven worden conform de bepalingen van DCAT-AP als een </a:t>
-            </a:r>
-            <a:r>
-              <a:rPr lang="nl-BE" i="1" dirty="0" err="1"/>
-              <a:t>dct:LicenseDocument</a:t>
-            </a:r>
-            <a:r>
-              <a:rPr lang="nl-BE" i="1" dirty="0"/>
-              <a:t> </a:t>
-            </a:r>
-            <a:r>
-              <a:rPr lang="nl-BE" dirty="0"/>
-              <a:t>met een typering van de licentie (</a:t>
-            </a:r>
-            <a:r>
-              <a:rPr lang="nl-BE" i="1" dirty="0" err="1"/>
-              <a:t>dct:type</a:t>
-            </a:r>
-            <a:r>
-              <a:rPr lang="nl-BE" i="1" dirty="0"/>
-              <a:t>) </a:t>
-            </a:r>
-            <a:r>
-              <a:rPr lang="nl-BE" dirty="0"/>
-              <a:t>volgens de ADMS </a:t>
-            </a:r>
-            <a:r>
-              <a:rPr lang="nl-BE" dirty="0" err="1"/>
-              <a:t>licenceType</a:t>
-            </a:r>
-            <a:r>
-              <a:rPr lang="nl-BE" dirty="0"/>
-              <a:t> codelijst (purl.org/</a:t>
-            </a:r>
-            <a:r>
-              <a:rPr lang="nl-BE" dirty="0" err="1"/>
-              <a:t>adms</a:t>
-            </a:r>
-            <a:r>
-              <a:rPr lang="nl-BE" dirty="0"/>
-              <a:t>/</a:t>
-            </a:r>
-            <a:r>
-              <a:rPr lang="nl-BE" dirty="0" err="1"/>
-              <a:t>licencetype</a:t>
-            </a:r>
-            <a:r>
-              <a:rPr lang="nl-BE" dirty="0"/>
-              <a:t>/). </a:t>
-            </a:r>
-          </a:p>
-          <a:p>
-            <a:pPr marL="457200" lvl="1" indent="0">
-              <a:buNone/>
-            </a:pPr>
-            <a:endParaRPr lang="nl-BE" dirty="0"/>
-          </a:p>
-          <a:p>
-            <a:endParaRPr lang="nl-BE" dirty="0"/>
-          </a:p>
-        </p:txBody>
-      </p:sp>
-      <p:sp>
-        <p:nvSpPr>
-          <p:cNvPr id="3" name="Title 2">
-            <a:extLst>
-              <a:ext uri="{FF2B5EF4-FFF2-40B4-BE49-F238E27FC236}">
-                <a16:creationId xmlns:a16="http://schemas.microsoft.com/office/drawing/2014/main" id="{0234C017-DF92-44C5-8D2C-59C6E8B020F6}"/>
-              </a:ext>
-            </a:extLst>
-          </p:cNvPr>
-          <p:cNvSpPr>
-            <a:spLocks noGrp="1"/>
-          </p:cNvSpPr>
-          <p:nvPr>
-            <p:ph type="title"/>
-          </p:nvPr>
-        </p:nvSpPr>
-        <p:spPr/>
-        <p:txBody>
-          <a:bodyPr/>
-          <a:lstStyle/>
-          <a:p>
-            <a:r>
-              <a:rPr lang="nl-BE" dirty="0" err="1"/>
-              <a:t>Distibutie</a:t>
-            </a:r>
-            <a:r>
-              <a:rPr lang="nl-BE" dirty="0"/>
-              <a:t> – bijkomende eis 3a</a:t>
-            </a:r>
-          </a:p>
-        </p:txBody>
-      </p:sp>
-      <p:sp>
-        <p:nvSpPr>
-          <p:cNvPr id="4" name="Slide Number Placeholder 3">
-            <a:extLst>
-              <a:ext uri="{FF2B5EF4-FFF2-40B4-BE49-F238E27FC236}">
-                <a16:creationId xmlns:a16="http://schemas.microsoft.com/office/drawing/2014/main" id="{1D5DAE80-C103-4817-8A60-8C03756D3846}"/>
-              </a:ext>
-            </a:extLst>
-          </p:cNvPr>
-          <p:cNvSpPr>
-            <a:spLocks noGrp="1"/>
-          </p:cNvSpPr>
-          <p:nvPr>
-            <p:ph type="sldNum" sz="quarter" idx="4"/>
-          </p:nvPr>
-        </p:nvSpPr>
-        <p:spPr/>
-        <p:txBody>
-          <a:bodyPr/>
-          <a:lstStyle/>
-          <a:p>
-            <a:fld id="{C9C406F6-A053-43CA-AEC8-FA3EEE83A3FB}" type="slidenum">
-              <a:rPr lang="nl-BE" smtClean="0"/>
-              <a:pPr/>
-              <a:t>49</a:t>
-            </a:fld>
-            <a:endParaRPr lang="nl-BE" dirty="0"/>
-          </a:p>
-        </p:txBody>
-      </p:sp>
-      <p:sp>
-        <p:nvSpPr>
-          <p:cNvPr id="5" name="Date Placeholder 4">
-            <a:extLst>
-              <a:ext uri="{FF2B5EF4-FFF2-40B4-BE49-F238E27FC236}">
-                <a16:creationId xmlns:a16="http://schemas.microsoft.com/office/drawing/2014/main" id="{98EC6FF6-E5C9-4395-B59C-2502588DB2F0}"/>
-              </a:ext>
-            </a:extLst>
-          </p:cNvPr>
-          <p:cNvSpPr>
-            <a:spLocks noGrp="1"/>
-          </p:cNvSpPr>
-          <p:nvPr>
-            <p:ph type="dt" sz="quarter" idx="4294967295"/>
-          </p:nvPr>
-        </p:nvSpPr>
-        <p:spPr>
-          <a:xfrm>
-            <a:off x="6564652" y="6603110"/>
-            <a:ext cx="2863858" cy="174732"/>
-          </a:xfrm>
-          <a:prstGeom prst="rect">
-            <a:avLst/>
-          </a:prstGeom>
-        </p:spPr>
-        <p:txBody>
-          <a:bodyPr/>
-          <a:lstStyle/>
-          <a:p>
-            <a:r>
-              <a:rPr lang="nl-BE"/>
-              <a:t>Sessie xx – titel</a:t>
-            </a:r>
-            <a:endParaRPr lang="nl-BE" dirty="0"/>
-          </a:p>
-        </p:txBody>
-      </p:sp>
-    </p:spTree>
-    <p:extLst>
-      <p:ext uri="{BB962C8B-B14F-4D97-AF65-F5344CB8AC3E}">
-        <p14:creationId xmlns:p14="http://schemas.microsoft.com/office/powerpoint/2010/main" val="4000593433"/>
       </p:ext>
     </p:extLst>
   </p:cSld>
@@ -24506,530 +19008,6 @@
     <p:extLst>
       <p:ext uri="{BB962C8B-B14F-4D97-AF65-F5344CB8AC3E}">
         <p14:creationId xmlns:p14="http://schemas.microsoft.com/office/powerpoint/2010/main" val="1906882623"/>
-      </p:ext>
-    </p:extLst>
-  </p:cSld>
-  <p:clrMapOvr>
-    <a:masterClrMapping/>
-  </p:clrMapOvr>
-</p:sld>
-</file>
-
-<file path=ppt/slides/slide50.xml><?xml version="1.0" encoding="utf-8"?>
-<p:sld xmlns:a="http://schemas.openxmlformats.org/drawingml/2006/main" xmlns:r="http://schemas.openxmlformats.org/officeDocument/2006/relationships" xmlns:p="http://schemas.openxmlformats.org/presentationml/2006/main">
-  <p:cSld>
-    <p:spTree>
-      <p:nvGrpSpPr>
-        <p:cNvPr id="1" name=""/>
-        <p:cNvGrpSpPr/>
-        <p:nvPr/>
-      </p:nvGrpSpPr>
-      <p:grpSpPr>
-        <a:xfrm>
-          <a:off x="0" y="0"/>
-          <a:ext cx="0" cy="0"/>
-          <a:chOff x="0" y="0"/>
-          <a:chExt cx="0" cy="0"/>
-        </a:xfrm>
-      </p:grpSpPr>
-      <p:sp>
-        <p:nvSpPr>
-          <p:cNvPr id="2" name="Content Placeholder 1">
-            <a:extLst>
-              <a:ext uri="{FF2B5EF4-FFF2-40B4-BE49-F238E27FC236}">
-                <a16:creationId xmlns:a16="http://schemas.microsoft.com/office/drawing/2014/main" id="{6CAB7ED8-5316-44F5-BB63-03E8C01824CF}"/>
-              </a:ext>
-            </a:extLst>
-          </p:cNvPr>
-          <p:cNvSpPr>
-            <a:spLocks noGrp="1"/>
-          </p:cNvSpPr>
-          <p:nvPr>
-            <p:ph sz="quarter" idx="10"/>
-          </p:nvPr>
-        </p:nvSpPr>
-        <p:spPr/>
-        <p:txBody>
-          <a:bodyPr/>
-          <a:lstStyle/>
-          <a:p>
-            <a:r>
-              <a:rPr lang="nl-BE" dirty="0"/>
-              <a:t>Elke dataset heeft minstens 1 distributie</a:t>
-            </a:r>
-          </a:p>
-          <a:p>
-            <a:endParaRPr lang="nl-BE" dirty="0"/>
-          </a:p>
-          <a:p>
-            <a:r>
-              <a:rPr lang="nl-BE" b="1" dirty="0"/>
-              <a:t>Verantwoording</a:t>
-            </a:r>
-            <a:r>
-              <a:rPr lang="nl-BE" dirty="0"/>
-              <a:t>: Het ontsluiten van een dataset zonder een distributie die toegang geeft tot de eigenlijke data is in de context van Open Data weinig zinvol.</a:t>
-            </a:r>
-          </a:p>
-        </p:txBody>
-      </p:sp>
-      <p:sp>
-        <p:nvSpPr>
-          <p:cNvPr id="3" name="Title 2">
-            <a:extLst>
-              <a:ext uri="{FF2B5EF4-FFF2-40B4-BE49-F238E27FC236}">
-                <a16:creationId xmlns:a16="http://schemas.microsoft.com/office/drawing/2014/main" id="{52FEAF15-B0AB-4E1D-9DDE-4A2BD1742767}"/>
-              </a:ext>
-            </a:extLst>
-          </p:cNvPr>
-          <p:cNvSpPr>
-            <a:spLocks noGrp="1"/>
-          </p:cNvSpPr>
-          <p:nvPr>
-            <p:ph type="title"/>
-          </p:nvPr>
-        </p:nvSpPr>
-        <p:spPr/>
-        <p:txBody>
-          <a:bodyPr/>
-          <a:lstStyle/>
-          <a:p>
-            <a:r>
-              <a:rPr lang="nl-BE" dirty="0"/>
-              <a:t>Distributie – bijkomende eis 4</a:t>
-            </a:r>
-          </a:p>
-        </p:txBody>
-      </p:sp>
-      <p:sp>
-        <p:nvSpPr>
-          <p:cNvPr id="4" name="Slide Number Placeholder 3">
-            <a:extLst>
-              <a:ext uri="{FF2B5EF4-FFF2-40B4-BE49-F238E27FC236}">
-                <a16:creationId xmlns:a16="http://schemas.microsoft.com/office/drawing/2014/main" id="{38644C02-53B3-4AC7-BFF0-D36872FA08CD}"/>
-              </a:ext>
-            </a:extLst>
-          </p:cNvPr>
-          <p:cNvSpPr>
-            <a:spLocks noGrp="1"/>
-          </p:cNvSpPr>
-          <p:nvPr>
-            <p:ph type="sldNum" sz="quarter" idx="4"/>
-          </p:nvPr>
-        </p:nvSpPr>
-        <p:spPr/>
-        <p:txBody>
-          <a:bodyPr/>
-          <a:lstStyle/>
-          <a:p>
-            <a:fld id="{C9C406F6-A053-43CA-AEC8-FA3EEE83A3FB}" type="slidenum">
-              <a:rPr lang="nl-BE" smtClean="0"/>
-              <a:pPr/>
-              <a:t>50</a:t>
-            </a:fld>
-            <a:endParaRPr lang="nl-BE" dirty="0"/>
-          </a:p>
-        </p:txBody>
-      </p:sp>
-      <p:sp>
-        <p:nvSpPr>
-          <p:cNvPr id="5" name="Date Placeholder 4">
-            <a:extLst>
-              <a:ext uri="{FF2B5EF4-FFF2-40B4-BE49-F238E27FC236}">
-                <a16:creationId xmlns:a16="http://schemas.microsoft.com/office/drawing/2014/main" id="{80BF45E8-D342-410A-8FB6-4E71D4C6FEF0}"/>
-              </a:ext>
-            </a:extLst>
-          </p:cNvPr>
-          <p:cNvSpPr>
-            <a:spLocks noGrp="1"/>
-          </p:cNvSpPr>
-          <p:nvPr>
-            <p:ph type="dt" sz="quarter" idx="4294967295"/>
-          </p:nvPr>
-        </p:nvSpPr>
-        <p:spPr>
-          <a:xfrm>
-            <a:off x="6564652" y="6603110"/>
-            <a:ext cx="2863858" cy="174732"/>
-          </a:xfrm>
-          <a:prstGeom prst="rect">
-            <a:avLst/>
-          </a:prstGeom>
-        </p:spPr>
-        <p:txBody>
-          <a:bodyPr/>
-          <a:lstStyle/>
-          <a:p>
-            <a:r>
-              <a:rPr lang="nl-BE"/>
-              <a:t>Sessie xx – titel</a:t>
-            </a:r>
-            <a:endParaRPr lang="nl-BE" dirty="0"/>
-          </a:p>
-        </p:txBody>
-      </p:sp>
-    </p:spTree>
-    <p:extLst>
-      <p:ext uri="{BB962C8B-B14F-4D97-AF65-F5344CB8AC3E}">
-        <p14:creationId xmlns:p14="http://schemas.microsoft.com/office/powerpoint/2010/main" val="3310191122"/>
-      </p:ext>
-    </p:extLst>
-  </p:cSld>
-  <p:clrMapOvr>
-    <a:masterClrMapping/>
-  </p:clrMapOvr>
-</p:sld>
-</file>
-
-<file path=ppt/slides/slide51.xml><?xml version="1.0" encoding="utf-8"?>
-<p:sld xmlns:a="http://schemas.openxmlformats.org/drawingml/2006/main" xmlns:r="http://schemas.openxmlformats.org/officeDocument/2006/relationships" xmlns:p="http://schemas.openxmlformats.org/presentationml/2006/main">
-  <p:cSld>
-    <p:spTree>
-      <p:nvGrpSpPr>
-        <p:cNvPr id="1" name=""/>
-        <p:cNvGrpSpPr/>
-        <p:nvPr/>
-      </p:nvGrpSpPr>
-      <p:grpSpPr>
-        <a:xfrm>
-          <a:off x="0" y="0"/>
-          <a:ext cx="0" cy="0"/>
-          <a:chOff x="0" y="0"/>
-          <a:chExt cx="0" cy="0"/>
-        </a:xfrm>
-      </p:grpSpPr>
-      <p:sp>
-        <p:nvSpPr>
-          <p:cNvPr id="2" name="Content Placeholder 1">
-            <a:extLst>
-              <a:ext uri="{FF2B5EF4-FFF2-40B4-BE49-F238E27FC236}">
-                <a16:creationId xmlns:a16="http://schemas.microsoft.com/office/drawing/2014/main" id="{B43A4A3D-4917-4519-8ABC-A69AAF650D53}"/>
-              </a:ext>
-            </a:extLst>
-          </p:cNvPr>
-          <p:cNvSpPr>
-            <a:spLocks noGrp="1"/>
-          </p:cNvSpPr>
-          <p:nvPr>
-            <p:ph sz="quarter" idx="10"/>
-          </p:nvPr>
-        </p:nvSpPr>
-        <p:spPr/>
-        <p:txBody>
-          <a:bodyPr vert="horz" lIns="91440" tIns="45720" rIns="91440" bIns="45720" rtlCol="0" anchor="t">
-            <a:normAutofit/>
-          </a:bodyPr>
-          <a:lstStyle/>
-          <a:p>
-            <a:endParaRPr lang="nl-BE" dirty="0"/>
-          </a:p>
-        </p:txBody>
-      </p:sp>
-      <p:sp>
-        <p:nvSpPr>
-          <p:cNvPr id="3" name="Title 2">
-            <a:extLst>
-              <a:ext uri="{FF2B5EF4-FFF2-40B4-BE49-F238E27FC236}">
-                <a16:creationId xmlns:a16="http://schemas.microsoft.com/office/drawing/2014/main" id="{D5DF082E-F4E6-4BDF-84C6-1C9805E4FCCC}"/>
-              </a:ext>
-            </a:extLst>
-          </p:cNvPr>
-          <p:cNvSpPr>
-            <a:spLocks noGrp="1"/>
-          </p:cNvSpPr>
-          <p:nvPr>
-            <p:ph type="title"/>
-          </p:nvPr>
-        </p:nvSpPr>
-        <p:spPr/>
-        <p:txBody>
-          <a:bodyPr/>
-          <a:lstStyle/>
-          <a:p>
-            <a:r>
-              <a:rPr lang="nl-BE" dirty="0"/>
-              <a:t>Inbreng werkgroep</a:t>
-            </a:r>
-          </a:p>
-        </p:txBody>
-      </p:sp>
-      <p:sp>
-        <p:nvSpPr>
-          <p:cNvPr id="4" name="Slide Number Placeholder 3">
-            <a:extLst>
-              <a:ext uri="{FF2B5EF4-FFF2-40B4-BE49-F238E27FC236}">
-                <a16:creationId xmlns:a16="http://schemas.microsoft.com/office/drawing/2014/main" id="{2B0750A5-3083-49B7-A313-96A621F9221C}"/>
-              </a:ext>
-            </a:extLst>
-          </p:cNvPr>
-          <p:cNvSpPr>
-            <a:spLocks noGrp="1"/>
-          </p:cNvSpPr>
-          <p:nvPr>
-            <p:ph type="sldNum" sz="quarter" idx="4"/>
-          </p:nvPr>
-        </p:nvSpPr>
-        <p:spPr/>
-        <p:txBody>
-          <a:bodyPr/>
-          <a:lstStyle/>
-          <a:p>
-            <a:fld id="{C9C406F6-A053-43CA-AEC8-FA3EEE83A3FB}" type="slidenum">
-              <a:rPr lang="nl-BE" smtClean="0"/>
-              <a:pPr/>
-              <a:t>51</a:t>
-            </a:fld>
-            <a:endParaRPr lang="nl-BE" dirty="0"/>
-          </a:p>
-        </p:txBody>
-      </p:sp>
-      <p:sp>
-        <p:nvSpPr>
-          <p:cNvPr id="5" name="Date Placeholder 4">
-            <a:extLst>
-              <a:ext uri="{FF2B5EF4-FFF2-40B4-BE49-F238E27FC236}">
-                <a16:creationId xmlns:a16="http://schemas.microsoft.com/office/drawing/2014/main" id="{CC788206-4D12-4F63-A59A-25DF3E4EA5E9}"/>
-              </a:ext>
-            </a:extLst>
-          </p:cNvPr>
-          <p:cNvSpPr>
-            <a:spLocks noGrp="1"/>
-          </p:cNvSpPr>
-          <p:nvPr>
-            <p:ph type="dt" sz="quarter" idx="4294967295"/>
-          </p:nvPr>
-        </p:nvSpPr>
-        <p:spPr>
-          <a:xfrm>
-            <a:off x="6564652" y="6603110"/>
-            <a:ext cx="2863858" cy="174732"/>
-          </a:xfrm>
-          <a:prstGeom prst="rect">
-            <a:avLst/>
-          </a:prstGeom>
-        </p:spPr>
-        <p:txBody>
-          <a:bodyPr/>
-          <a:lstStyle/>
-          <a:p>
-            <a:r>
-              <a:rPr lang="nl-BE"/>
-              <a:t>Sessie xx – titel</a:t>
-            </a:r>
-            <a:endParaRPr lang="nl-BE" dirty="0"/>
-          </a:p>
-        </p:txBody>
-      </p:sp>
-    </p:spTree>
-    <p:extLst>
-      <p:ext uri="{BB962C8B-B14F-4D97-AF65-F5344CB8AC3E}">
-        <p14:creationId xmlns:p14="http://schemas.microsoft.com/office/powerpoint/2010/main" val="3258038274"/>
-      </p:ext>
-    </p:extLst>
-  </p:cSld>
-  <p:clrMapOvr>
-    <a:masterClrMapping/>
-  </p:clrMapOvr>
-</p:sld>
-</file>
-
-<file path=ppt/slides/slide52.xml><?xml version="1.0" encoding="utf-8"?>
-<p:sld xmlns:a="http://schemas.openxmlformats.org/drawingml/2006/main" xmlns:r="http://schemas.openxmlformats.org/officeDocument/2006/relationships" xmlns:p="http://schemas.openxmlformats.org/presentationml/2006/main">
-  <p:cSld>
-    <p:spTree>
-      <p:nvGrpSpPr>
-        <p:cNvPr id="1" name=""/>
-        <p:cNvGrpSpPr/>
-        <p:nvPr/>
-      </p:nvGrpSpPr>
-      <p:grpSpPr>
-        <a:xfrm>
-          <a:off x="0" y="0"/>
-          <a:ext cx="0" cy="0"/>
-          <a:chOff x="0" y="0"/>
-          <a:chExt cx="0" cy="0"/>
-        </a:xfrm>
-      </p:grpSpPr>
-      <p:sp>
-        <p:nvSpPr>
-          <p:cNvPr id="2" name="Content Placeholder 1">
-            <a:extLst>
-              <a:ext uri="{FF2B5EF4-FFF2-40B4-BE49-F238E27FC236}">
-                <a16:creationId xmlns:a16="http://schemas.microsoft.com/office/drawing/2014/main" id="{7B80F108-48D2-4C92-8B27-C9FFC15FB228}"/>
-              </a:ext>
-            </a:extLst>
-          </p:cNvPr>
-          <p:cNvSpPr>
-            <a:spLocks noGrp="1"/>
-          </p:cNvSpPr>
-          <p:nvPr>
-            <p:ph sz="quarter" idx="10"/>
-          </p:nvPr>
-        </p:nvSpPr>
-        <p:spPr/>
-        <p:txBody>
-          <a:bodyPr/>
-          <a:lstStyle/>
-          <a:p>
-            <a:r>
-              <a:rPr lang="nl-BE" dirty="0"/>
-              <a:t>DCAT-AP v1.1</a:t>
-            </a:r>
-          </a:p>
-          <a:p>
-            <a:pPr lvl="1"/>
-            <a:r>
-              <a:rPr lang="nl-BE" dirty="0">
-                <a:hlinkClick r:id="rId2"/>
-              </a:rPr>
-              <a:t>https://joinup.ec.europa.eu/release/dcat-ap-v11</a:t>
-            </a:r>
-            <a:endParaRPr lang="nl-BE" dirty="0"/>
-          </a:p>
-          <a:p>
-            <a:pPr lvl="1"/>
-            <a:r>
-              <a:rPr lang="nl-BE" dirty="0"/>
-              <a:t>https://github.com/SEMICeu/DCAT-AP</a:t>
-            </a:r>
-          </a:p>
-          <a:p>
-            <a:r>
-              <a:rPr lang="nl-BE" dirty="0"/>
-              <a:t>W3C DCAT review</a:t>
-            </a:r>
-          </a:p>
-          <a:p>
-            <a:pPr lvl="1"/>
-            <a:r>
-              <a:rPr lang="nl-BE" dirty="0">
-                <a:hlinkClick r:id="rId3"/>
-              </a:rPr>
-              <a:t>https://w3c.github.io/dxwg/dcat/</a:t>
-            </a:r>
-            <a:endParaRPr lang="nl-BE" dirty="0"/>
-          </a:p>
-          <a:p>
-            <a:pPr lvl="1"/>
-            <a:r>
-              <a:rPr lang="nl-BE" dirty="0">
-                <a:hlinkClick r:id="rId4"/>
-              </a:rPr>
-              <a:t>https://github.com/w3c/dxwg/issues</a:t>
-            </a:r>
-            <a:endParaRPr lang="nl-BE" dirty="0"/>
-          </a:p>
-          <a:p>
-            <a:pPr marL="457200" lvl="1" indent="0">
-              <a:buNone/>
-            </a:pPr>
-            <a:endParaRPr lang="nl-BE" dirty="0"/>
-          </a:p>
-          <a:p>
-            <a:pPr lvl="1"/>
-            <a:endParaRPr lang="nl-BE" dirty="0"/>
-          </a:p>
-        </p:txBody>
-      </p:sp>
-      <p:sp>
-        <p:nvSpPr>
-          <p:cNvPr id="3" name="Title 2">
-            <a:extLst>
-              <a:ext uri="{FF2B5EF4-FFF2-40B4-BE49-F238E27FC236}">
-                <a16:creationId xmlns:a16="http://schemas.microsoft.com/office/drawing/2014/main" id="{1CD1CAFB-9D85-4FA2-BDD2-B81C871FCC86}"/>
-              </a:ext>
-            </a:extLst>
-          </p:cNvPr>
-          <p:cNvSpPr>
-            <a:spLocks noGrp="1"/>
-          </p:cNvSpPr>
-          <p:nvPr>
-            <p:ph type="title"/>
-          </p:nvPr>
-        </p:nvSpPr>
-        <p:spPr/>
-        <p:txBody>
-          <a:bodyPr/>
-          <a:lstStyle/>
-          <a:p>
-            <a:r>
-              <a:rPr lang="nl-BE" dirty="0"/>
-              <a:t>Achtergrond referenties</a:t>
-            </a:r>
-          </a:p>
-        </p:txBody>
-      </p:sp>
-      <p:sp>
-        <p:nvSpPr>
-          <p:cNvPr id="4" name="Slide Number Placeholder 3">
-            <a:extLst>
-              <a:ext uri="{FF2B5EF4-FFF2-40B4-BE49-F238E27FC236}">
-                <a16:creationId xmlns:a16="http://schemas.microsoft.com/office/drawing/2014/main" id="{3AE8ACB6-4C7C-4F4F-9D94-AC3277F6B287}"/>
-              </a:ext>
-            </a:extLst>
-          </p:cNvPr>
-          <p:cNvSpPr>
-            <a:spLocks noGrp="1"/>
-          </p:cNvSpPr>
-          <p:nvPr>
-            <p:ph type="sldNum" sz="quarter" idx="4"/>
-          </p:nvPr>
-        </p:nvSpPr>
-        <p:spPr/>
-        <p:txBody>
-          <a:bodyPr/>
-          <a:lstStyle/>
-          <a:p>
-            <a:fld id="{C9C406F6-A053-43CA-AEC8-FA3EEE83A3FB}" type="slidenum">
-              <a:rPr lang="nl-BE" smtClean="0"/>
-              <a:pPr/>
-              <a:t>52</a:t>
-            </a:fld>
-            <a:endParaRPr lang="nl-BE" dirty="0"/>
-          </a:p>
-        </p:txBody>
-      </p:sp>
-      <p:sp>
-        <p:nvSpPr>
-          <p:cNvPr id="5" name="Date Placeholder 4">
-            <a:extLst>
-              <a:ext uri="{FF2B5EF4-FFF2-40B4-BE49-F238E27FC236}">
-                <a16:creationId xmlns:a16="http://schemas.microsoft.com/office/drawing/2014/main" id="{5341B82A-3A90-4984-9804-C551D35E1E15}"/>
-              </a:ext>
-            </a:extLst>
-          </p:cNvPr>
-          <p:cNvSpPr>
-            <a:spLocks noGrp="1"/>
-          </p:cNvSpPr>
-          <p:nvPr>
-            <p:ph type="dt" sz="quarter" idx="4294967295"/>
-          </p:nvPr>
-        </p:nvSpPr>
-        <p:spPr>
-          <a:xfrm>
-            <a:off x="6564652" y="6603110"/>
-            <a:ext cx="2863858" cy="174732"/>
-          </a:xfrm>
-          <a:prstGeom prst="rect">
-            <a:avLst/>
-          </a:prstGeom>
-        </p:spPr>
-        <p:txBody>
-          <a:bodyPr/>
-          <a:lstStyle/>
-          <a:p>
-            <a:r>
-              <a:rPr lang="nl-BE"/>
-              <a:t>Sessie xx – titel</a:t>
-            </a:r>
-            <a:endParaRPr lang="nl-BE" dirty="0"/>
-          </a:p>
-        </p:txBody>
-      </p:sp>
-    </p:spTree>
-    <p:extLst>
-      <p:ext uri="{BB962C8B-B14F-4D97-AF65-F5344CB8AC3E}">
-        <p14:creationId xmlns:p14="http://schemas.microsoft.com/office/powerpoint/2010/main" val="3401283194"/>
       </p:ext>
     </p:extLst>
   </p:cSld>
@@ -26541,12 +20519,21 @@
 </file>
 
 <file path=customXml/item1.xml><?xml version="1.0" encoding="utf-8"?>
+<?mso-contentType ?>
+<FormTemplates xmlns="http://schemas.microsoft.com/sharepoint/v3/contenttype/forms">
+  <Display>DocumentLibraryForm</Display>
+  <Edit>DocumentLibraryForm</Edit>
+  <New>DocumentLibraryForm</New>
+</FormTemplates>
+</file>
+
+<file path=customXml/item2.xml><?xml version="1.0" encoding="utf-8"?>
 <p:properties xmlns:p="http://schemas.microsoft.com/office/2006/metadata/properties" xmlns:xsi="http://www.w3.org/2001/XMLSchema-instance" xmlns:pc="http://schemas.microsoft.com/office/infopath/2007/PartnerControls">
   <documentManagement/>
 </p:properties>
 </file>
 
-<file path=customXml/item2.xml><?xml version="1.0" encoding="utf-8"?>
+<file path=customXml/item3.xml><?xml version="1.0" encoding="utf-8"?>
 <ct:contentTypeSchema xmlns:ct="http://schemas.microsoft.com/office/2006/metadata/contentType" xmlns:ma="http://schemas.microsoft.com/office/2006/metadata/properties/metaAttributes" ct:_="" ma:_="" ma:contentTypeName="Document" ma:contentTypeID="0x010100AB6EF7E2529B4246B231CA90D1EEF84F" ma:contentTypeVersion="" ma:contentTypeDescription="Een nieuw document maken." ma:contentTypeScope="" ma:versionID="e0c6d6b014e073f5a40f2019aa28d539">
   <xsd:schema xmlns:xsd="http://www.w3.org/2001/XMLSchema" xmlns:xs="http://www.w3.org/2001/XMLSchema" xmlns:p="http://schemas.microsoft.com/office/2006/metadata/properties" xmlns:ns2="67c4bb21-dabc-4c1c-a446-8c5d20d739b4" xmlns:ns3="a6ae32c9-b785-483a-8409-29b45fa2fdad" targetNamespace="http://schemas.microsoft.com/office/2006/metadata/properties" ma:root="true" ma:fieldsID="9e9074a332329cfecaf6fe764a3f61e6" ns2:_="" ns3:_="">
     <xsd:import namespace="67c4bb21-dabc-4c1c-a446-8c5d20d739b4"/>
@@ -26731,16 +20718,15 @@
 </ct:contentTypeSchema>
 </file>
 
-<file path=customXml/item3.xml><?xml version="1.0" encoding="utf-8"?>
-<?mso-contentType ?>
-<FormTemplates xmlns="http://schemas.microsoft.com/sharepoint/v3/contenttype/forms">
-  <Display>DocumentLibraryForm</Display>
-  <Edit>DocumentLibraryForm</Edit>
-  <New>DocumentLibraryForm</New>
-</FormTemplates>
+<file path=customXml/itemProps1.xml><?xml version="1.0" encoding="utf-8"?>
+<ds:datastoreItem xmlns:ds="http://schemas.openxmlformats.org/officeDocument/2006/customXml" ds:itemID="{A6ECE42F-853B-4EBB-8CF6-1B76B2615B69}">
+  <ds:schemaRefs>
+    <ds:schemaRef ds:uri="http://schemas.microsoft.com/sharepoint/v3/contenttype/forms"/>
+  </ds:schemaRefs>
+</ds:datastoreItem>
 </file>
 
-<file path=customXml/itemProps1.xml><?xml version="1.0" encoding="utf-8"?>
+<file path=customXml/itemProps2.xml><?xml version="1.0" encoding="utf-8"?>
 <ds:datastoreItem xmlns:ds="http://schemas.openxmlformats.org/officeDocument/2006/customXml" ds:itemID="{D69140AB-A6FE-4CDA-90D3-B1255784E2ED}">
   <ds:schemaRefs>
     <ds:schemaRef ds:uri="http://www.w3.org/XML/1998/namespace"/>
@@ -26757,7 +20743,7 @@
 </ds:datastoreItem>
 </file>
 
-<file path=customXml/itemProps2.xml><?xml version="1.0" encoding="utf-8"?>
+<file path=customXml/itemProps3.xml><?xml version="1.0" encoding="utf-8"?>
 <ds:datastoreItem xmlns:ds="http://schemas.openxmlformats.org/officeDocument/2006/customXml" ds:itemID="{5ECEF073-43EF-4957-BC5C-90DA04845A84}">
   <ds:schemaRefs>
     <ds:schemaRef ds:uri="http://schemas.microsoft.com/office/2006/metadata/contentType"/>
@@ -26774,12 +20760,4 @@
     <ds:schemaRef ds:uri="http://schemas.microsoft.com/internal/obd"/>
   </ds:schemaRefs>
 </ds:datastoreItem>
-</file>
-
-<file path=customXml/itemProps3.xml><?xml version="1.0" encoding="utf-8"?>
-<ds:datastoreItem xmlns:ds="http://schemas.openxmlformats.org/officeDocument/2006/customXml" ds:itemID="{A6ECE42F-853B-4EBB-8CF6-1B76B2615B69}">
-  <ds:schemaRefs>
-    <ds:schemaRef ds:uri="http://schemas.microsoft.com/sharepoint/v3/contenttype/forms"/>
-  </ds:schemaRefs>
-</ds:datastoreItem>
 </file>